--- a/NUEVO ORGANIZADO/Presentaciones/Cuarto Trimestre/Presentacion-Proyectos-ADSI-I-Diurno.pptx
+++ b/NUEVO ORGANIZADO/Presentaciones/Cuarto Trimestre/Presentacion-Proyectos-ADSI-I-Diurno.pptx
@@ -10937,7 +10937,7 @@
       </p:sp>
       <p:pic>
         <p:nvPicPr>
-          <p:cNvPr id="2" name="Imagen 1">
+          <p:cNvPr id="3" name="Imagen 2">
             <a:hlinkClick r:id="rId3" action="ppaction://hlinkfile"/>
           </p:cNvPr>
           <p:cNvPicPr>
@@ -10959,8 +10959,8 @@
         </p:blipFill>
         <p:spPr>
           <a:xfrm>
-            <a:off x="333829" y="969541"/>
-            <a:ext cx="8011886" cy="4035973"/>
+            <a:off x="461175" y="970436"/>
+            <a:ext cx="8284026" cy="4173063"/>
           </a:xfrm>
           <a:prstGeom prst="rect">
             <a:avLst/>
@@ -11325,7 +11325,7 @@
       </p:sp>
       <p:pic>
         <p:nvPicPr>
-          <p:cNvPr id="3" name="Imagen 2">
+          <p:cNvPr id="2" name="Imagen 1">
             <a:hlinkClick r:id="rId3" action="ppaction://hlinkfile"/>
           </p:cNvPr>
           <p:cNvPicPr>
@@ -11347,8 +11347,8 @@
         </p:blipFill>
         <p:spPr>
           <a:xfrm>
-            <a:off x="-63610" y="1136282"/>
-            <a:ext cx="9066856" cy="3483426"/>
+            <a:off x="190831" y="1461588"/>
+            <a:ext cx="8643068" cy="2897118"/>
           </a:xfrm>
           <a:prstGeom prst="rect">
             <a:avLst/>

--- a/NUEVO ORGANIZADO/Presentaciones/Cuarto Trimestre/Presentacion-Proyectos-ADSI-I-Diurno.pptx
+++ b/NUEVO ORGANIZADO/Presentaciones/Cuarto Trimestre/Presentacion-Proyectos-ADSI-I-Diurno.pptx
@@ -5,44 +5,41 @@
     <p:sldMasterId id="2147483652" r:id="rId1"/>
   </p:sldMasterIdLst>
   <p:notesMasterIdLst>
-    <p:notesMasterId r:id="rId37"/>
+    <p:notesMasterId r:id="rId34"/>
   </p:notesMasterIdLst>
   <p:sldIdLst>
     <p:sldId id="256" r:id="rId2"/>
-    <p:sldId id="258" r:id="rId3"/>
-    <p:sldId id="257" r:id="rId4"/>
+    <p:sldId id="257" r:id="rId3"/>
+    <p:sldId id="258" r:id="rId4"/>
     <p:sldId id="259" r:id="rId5"/>
     <p:sldId id="260" r:id="rId6"/>
     <p:sldId id="261" r:id="rId7"/>
     <p:sldId id="262" r:id="rId8"/>
     <p:sldId id="263" r:id="rId9"/>
-    <p:sldId id="264" r:id="rId10"/>
-    <p:sldId id="265" r:id="rId11"/>
-    <p:sldId id="266" r:id="rId12"/>
-    <p:sldId id="268" r:id="rId13"/>
-    <p:sldId id="269" r:id="rId14"/>
-    <p:sldId id="270" r:id="rId15"/>
-    <p:sldId id="271" r:id="rId16"/>
-    <p:sldId id="272" r:id="rId17"/>
-    <p:sldId id="273" r:id="rId18"/>
-    <p:sldId id="275" r:id="rId19"/>
-    <p:sldId id="276" r:id="rId20"/>
-    <p:sldId id="277" r:id="rId21"/>
-    <p:sldId id="278" r:id="rId22"/>
-    <p:sldId id="279" r:id="rId23"/>
-    <p:sldId id="280" r:id="rId24"/>
-    <p:sldId id="281" r:id="rId25"/>
-    <p:sldId id="282" r:id="rId26"/>
-    <p:sldId id="284" r:id="rId27"/>
-    <p:sldId id="285" r:id="rId28"/>
-    <p:sldId id="286" r:id="rId29"/>
-    <p:sldId id="287" r:id="rId30"/>
-    <p:sldId id="288" r:id="rId31"/>
-    <p:sldId id="292" r:id="rId32"/>
-    <p:sldId id="293" r:id="rId33"/>
-    <p:sldId id="294" r:id="rId34"/>
-    <p:sldId id="295" r:id="rId35"/>
-    <p:sldId id="290" r:id="rId36"/>
+    <p:sldId id="265" r:id="rId10"/>
+    <p:sldId id="266" r:id="rId11"/>
+    <p:sldId id="268" r:id="rId12"/>
+    <p:sldId id="269" r:id="rId13"/>
+    <p:sldId id="296" r:id="rId14"/>
+    <p:sldId id="271" r:id="rId15"/>
+    <p:sldId id="273" r:id="rId16"/>
+    <p:sldId id="276" r:id="rId17"/>
+    <p:sldId id="277" r:id="rId18"/>
+    <p:sldId id="278" r:id="rId19"/>
+    <p:sldId id="279" r:id="rId20"/>
+    <p:sldId id="280" r:id="rId21"/>
+    <p:sldId id="281" r:id="rId22"/>
+    <p:sldId id="282" r:id="rId23"/>
+    <p:sldId id="284" r:id="rId24"/>
+    <p:sldId id="285" r:id="rId25"/>
+    <p:sldId id="286" r:id="rId26"/>
+    <p:sldId id="287" r:id="rId27"/>
+    <p:sldId id="288" r:id="rId28"/>
+    <p:sldId id="292" r:id="rId29"/>
+    <p:sldId id="293" r:id="rId30"/>
+    <p:sldId id="294" r:id="rId31"/>
+    <p:sldId id="295" r:id="rId32"/>
+    <p:sldId id="290" r:id="rId33"/>
   </p:sldIdLst>
   <p:sldSz cx="9144000" cy="5143500" type="screen16x9"/>
   <p:notesSz cx="6858000" cy="9144000"/>
@@ -1657,7 +1654,7 @@
   <p:cSld>
     <p:spTree>
       <p:nvGrpSpPr>
-        <p:cNvPr id="1" name="Shape 80"/>
+        <p:cNvPr id="1" name="Shape 86"/>
         <p:cNvGrpSpPr/>
         <p:nvPr/>
       </p:nvGrpSpPr>
@@ -1671,7 +1668,7 @@
       </p:grpSpPr>
       <p:sp>
         <p:nvSpPr>
-          <p:cNvPr id="81" name="Shape 81"/>
+          <p:cNvPr id="87" name="Shape 87"/>
           <p:cNvSpPr txBox="1">
             <a:spLocks noGrp="1"/>
           </p:cNvSpPr>
@@ -1706,7 +1703,7 @@
       </p:sp>
       <p:sp>
         <p:nvSpPr>
-          <p:cNvPr id="82" name="Shape 82"/>
+          <p:cNvPr id="88" name="Shape 88"/>
           <p:cNvSpPr>
             <a:spLocks noGrp="1" noRot="1" noChangeAspect="1"/>
           </p:cNvSpPr>
@@ -1748,7 +1745,7 @@
     </p:spTree>
     <p:extLst>
       <p:ext uri="{BB962C8B-B14F-4D97-AF65-F5344CB8AC3E}">
-        <p14:creationId xmlns:p14="http://schemas.microsoft.com/office/powerpoint/2010/main" val="336285574"/>
+        <p14:creationId xmlns:p14="http://schemas.microsoft.com/office/powerpoint/2010/main" val="458498001"/>
       </p:ext>
     </p:extLst>
   </p:cSld>
@@ -1759,112 +1756,6 @@
 </file>
 
 <file path=ppt/notesSlides/notesSlide11.xml><?xml version="1.0" encoding="utf-8"?>
-<p:notes xmlns:a="http://schemas.openxmlformats.org/drawingml/2006/main" xmlns:r="http://schemas.openxmlformats.org/officeDocument/2006/relationships" xmlns:p="http://schemas.openxmlformats.org/presentationml/2006/main" showMasterSp="0" showMasterPhAnim="0">
-  <p:cSld>
-    <p:spTree>
-      <p:nvGrpSpPr>
-        <p:cNvPr id="1" name="Shape 86"/>
-        <p:cNvGrpSpPr/>
-        <p:nvPr/>
-      </p:nvGrpSpPr>
-      <p:grpSpPr>
-        <a:xfrm>
-          <a:off x="0" y="0"/>
-          <a:ext cx="0" cy="0"/>
-          <a:chOff x="0" y="0"/>
-          <a:chExt cx="0" cy="0"/>
-        </a:xfrm>
-      </p:grpSpPr>
-      <p:sp>
-        <p:nvSpPr>
-          <p:cNvPr id="87" name="Shape 87"/>
-          <p:cNvSpPr txBox="1">
-            <a:spLocks noGrp="1"/>
-          </p:cNvSpPr>
-          <p:nvPr>
-            <p:ph type="body" idx="1"/>
-          </p:nvPr>
-        </p:nvSpPr>
-        <p:spPr>
-          <a:xfrm>
-            <a:off x="685800" y="4343400"/>
-            <a:ext cx="5486399" cy="4114800"/>
-          </a:xfrm>
-          <a:prstGeom prst="rect">
-            <a:avLst/>
-          </a:prstGeom>
-        </p:spPr>
-        <p:txBody>
-          <a:bodyPr wrap="square" lIns="91425" tIns="91425" rIns="91425" bIns="91425" anchor="t" anchorCtr="0">
-            <a:noAutofit/>
-          </a:bodyPr>
-          <a:lstStyle/>
-          <a:p>
-            <a:pPr marL="0" lvl="0" indent="76200">
-              <a:spcBef>
-                <a:spcPts val="0"/>
-              </a:spcBef>
-              <a:buNone/>
-            </a:pPr>
-            <a:endParaRPr/>
-          </a:p>
-        </p:txBody>
-      </p:sp>
-      <p:sp>
-        <p:nvSpPr>
-          <p:cNvPr id="88" name="Shape 88"/>
-          <p:cNvSpPr>
-            <a:spLocks noGrp="1" noRot="1" noChangeAspect="1"/>
-          </p:cNvSpPr>
-          <p:nvPr>
-            <p:ph type="sldImg" idx="2"/>
-          </p:nvPr>
-        </p:nvSpPr>
-        <p:spPr>
-          <a:xfrm>
-            <a:off x="381000" y="685800"/>
-            <a:ext cx="6096000" cy="3429000"/>
-          </a:xfrm>
-          <a:custGeom>
-            <a:avLst/>
-            <a:gdLst/>
-            <a:ahLst/>
-            <a:cxnLst/>
-            <a:rect l="0" t="0" r="0" b="0"/>
-            <a:pathLst>
-              <a:path w="120000" h="120000" extrusionOk="0">
-                <a:moveTo>
-                  <a:pt x="0" y="0"/>
-                </a:moveTo>
-                <a:lnTo>
-                  <a:pt x="120000" y="0"/>
-                </a:lnTo>
-                <a:lnTo>
-                  <a:pt x="120000" y="120000"/>
-                </a:lnTo>
-                <a:lnTo>
-                  <a:pt x="0" y="120000"/>
-                </a:lnTo>
-                <a:close/>
-              </a:path>
-            </a:pathLst>
-          </a:custGeom>
-        </p:spPr>
-      </p:sp>
-    </p:spTree>
-    <p:extLst>
-      <p:ext uri="{BB962C8B-B14F-4D97-AF65-F5344CB8AC3E}">
-        <p14:creationId xmlns:p14="http://schemas.microsoft.com/office/powerpoint/2010/main" val="458498001"/>
-      </p:ext>
-    </p:extLst>
-  </p:cSld>
-  <p:clrMapOvr>
-    <a:masterClrMapping/>
-  </p:clrMapOvr>
-</p:notes>
-</file>
-
-<file path=ppt/notesSlides/notesSlide12.xml><?xml version="1.0" encoding="utf-8"?>
 <p:notes xmlns:a="http://schemas.openxmlformats.org/drawingml/2006/main" xmlns:r="http://schemas.openxmlformats.org/officeDocument/2006/relationships" xmlns:p="http://schemas.openxmlformats.org/presentationml/2006/main" showMasterSp="0" showMasterPhAnim="0">
   <p:cSld>
     <p:spTree>
@@ -1970,7 +1861,7 @@
 </p:notes>
 </file>
 
-<file path=ppt/notesSlides/notesSlide13.xml><?xml version="1.0" encoding="utf-8"?>
+<file path=ppt/notesSlides/notesSlide12.xml><?xml version="1.0" encoding="utf-8"?>
 <p:notes xmlns:a="http://schemas.openxmlformats.org/drawingml/2006/main" xmlns:r="http://schemas.openxmlformats.org/officeDocument/2006/relationships" xmlns:p="http://schemas.openxmlformats.org/presentationml/2006/main" showMasterSp="0" showMasterPhAnim="0">
   <p:cSld>
     <p:spTree>
@@ -2076,113 +1967,7 @@
 </p:notes>
 </file>
 
-<file path=ppt/notesSlides/notesSlide14.xml><?xml version="1.0" encoding="utf-8"?>
-<p:notes xmlns:a="http://schemas.openxmlformats.org/drawingml/2006/main" xmlns:r="http://schemas.openxmlformats.org/officeDocument/2006/relationships" xmlns:p="http://schemas.openxmlformats.org/presentationml/2006/main" showMasterSp="0" showMasterPhAnim="0">
-  <p:cSld>
-    <p:spTree>
-      <p:nvGrpSpPr>
-        <p:cNvPr id="1" name="Shape 112"/>
-        <p:cNvGrpSpPr/>
-        <p:nvPr/>
-      </p:nvGrpSpPr>
-      <p:grpSpPr>
-        <a:xfrm>
-          <a:off x="0" y="0"/>
-          <a:ext cx="0" cy="0"/>
-          <a:chOff x="0" y="0"/>
-          <a:chExt cx="0" cy="0"/>
-        </a:xfrm>
-      </p:grpSpPr>
-      <p:sp>
-        <p:nvSpPr>
-          <p:cNvPr id="113" name="Shape 113"/>
-          <p:cNvSpPr txBox="1">
-            <a:spLocks noGrp="1"/>
-          </p:cNvSpPr>
-          <p:nvPr>
-            <p:ph type="body" idx="1"/>
-          </p:nvPr>
-        </p:nvSpPr>
-        <p:spPr>
-          <a:xfrm>
-            <a:off x="685800" y="4343400"/>
-            <a:ext cx="5486399" cy="4114800"/>
-          </a:xfrm>
-          <a:prstGeom prst="rect">
-            <a:avLst/>
-          </a:prstGeom>
-        </p:spPr>
-        <p:txBody>
-          <a:bodyPr wrap="square" lIns="91425" tIns="91425" rIns="91425" bIns="91425" anchor="t" anchorCtr="0">
-            <a:noAutofit/>
-          </a:bodyPr>
-          <a:lstStyle/>
-          <a:p>
-            <a:pPr marL="0" lvl="0" indent="76200">
-              <a:spcBef>
-                <a:spcPts val="0"/>
-              </a:spcBef>
-              <a:buNone/>
-            </a:pPr>
-            <a:endParaRPr/>
-          </a:p>
-        </p:txBody>
-      </p:sp>
-      <p:sp>
-        <p:nvSpPr>
-          <p:cNvPr id="114" name="Shape 114"/>
-          <p:cNvSpPr>
-            <a:spLocks noGrp="1" noRot="1" noChangeAspect="1"/>
-          </p:cNvSpPr>
-          <p:nvPr>
-            <p:ph type="sldImg" idx="2"/>
-          </p:nvPr>
-        </p:nvSpPr>
-        <p:spPr>
-          <a:xfrm>
-            <a:off x="381000" y="685800"/>
-            <a:ext cx="6096000" cy="3429000"/>
-          </a:xfrm>
-          <a:custGeom>
-            <a:avLst/>
-            <a:gdLst/>
-            <a:ahLst/>
-            <a:cxnLst/>
-            <a:rect l="0" t="0" r="0" b="0"/>
-            <a:pathLst>
-              <a:path w="120000" h="120000" extrusionOk="0">
-                <a:moveTo>
-                  <a:pt x="0" y="0"/>
-                </a:moveTo>
-                <a:lnTo>
-                  <a:pt x="120000" y="0"/>
-                </a:lnTo>
-                <a:lnTo>
-                  <a:pt x="120000" y="120000"/>
-                </a:lnTo>
-                <a:lnTo>
-                  <a:pt x="0" y="120000"/>
-                </a:lnTo>
-                <a:close/>
-              </a:path>
-            </a:pathLst>
-          </a:custGeom>
-        </p:spPr>
-      </p:sp>
-    </p:spTree>
-    <p:extLst>
-      <p:ext uri="{BB962C8B-B14F-4D97-AF65-F5344CB8AC3E}">
-        <p14:creationId xmlns:p14="http://schemas.microsoft.com/office/powerpoint/2010/main" val="3240606909"/>
-      </p:ext>
-    </p:extLst>
-  </p:cSld>
-  <p:clrMapOvr>
-    <a:masterClrMapping/>
-  </p:clrMapOvr>
-</p:notes>
-</file>
-
-<file path=ppt/notesSlides/notesSlide15.xml><?xml version="1.0" encoding="utf-8"?>
+<file path=ppt/notesSlides/notesSlide13.xml><?xml version="1.0" encoding="utf-8"?>
 <p:notes xmlns:a="http://schemas.openxmlformats.org/drawingml/2006/main" xmlns:r="http://schemas.openxmlformats.org/officeDocument/2006/relationships" xmlns:p="http://schemas.openxmlformats.org/presentationml/2006/main" showMasterSp="0" showMasterPhAnim="0">
   <p:cSld>
     <p:spTree>
@@ -2278,7 +2063,7 @@
     </p:spTree>
     <p:extLst>
       <p:ext uri="{BB962C8B-B14F-4D97-AF65-F5344CB8AC3E}">
-        <p14:creationId xmlns:p14="http://schemas.microsoft.com/office/powerpoint/2010/main" val="2283158798"/>
+        <p14:creationId xmlns:p14="http://schemas.microsoft.com/office/powerpoint/2010/main" val="3525412482"/>
       </p:ext>
     </p:extLst>
   </p:cSld>
@@ -2288,12 +2073,12 @@
 </p:notes>
 </file>
 
-<file path=ppt/notesSlides/notesSlide16.xml><?xml version="1.0" encoding="utf-8"?>
+<file path=ppt/notesSlides/notesSlide14.xml><?xml version="1.0" encoding="utf-8"?>
 <p:notes xmlns:a="http://schemas.openxmlformats.org/drawingml/2006/main" xmlns:r="http://schemas.openxmlformats.org/officeDocument/2006/relationships" xmlns:p="http://schemas.openxmlformats.org/presentationml/2006/main" showMasterSp="0" showMasterPhAnim="0">
   <p:cSld>
     <p:spTree>
       <p:nvGrpSpPr>
-        <p:cNvPr id="1" name="Shape 124"/>
+        <p:cNvPr id="1" name="Shape 118"/>
         <p:cNvGrpSpPr/>
         <p:nvPr/>
       </p:nvGrpSpPr>
@@ -2307,7 +2092,7 @@
       </p:grpSpPr>
       <p:sp>
         <p:nvSpPr>
-          <p:cNvPr id="125" name="Shape 125"/>
+          <p:cNvPr id="119" name="Shape 119"/>
           <p:cNvSpPr txBox="1">
             <a:spLocks noGrp="1"/>
           </p:cNvSpPr>
@@ -2342,7 +2127,7 @@
       </p:sp>
       <p:sp>
         <p:nvSpPr>
-          <p:cNvPr id="126" name="Shape 126"/>
+          <p:cNvPr id="120" name="Shape 120"/>
           <p:cNvSpPr>
             <a:spLocks noGrp="1" noRot="1" noChangeAspect="1"/>
           </p:cNvSpPr>
@@ -2384,7 +2169,7 @@
     </p:spTree>
     <p:extLst>
       <p:ext uri="{BB962C8B-B14F-4D97-AF65-F5344CB8AC3E}">
-        <p14:creationId xmlns:p14="http://schemas.microsoft.com/office/powerpoint/2010/main" val="1415014862"/>
+        <p14:creationId xmlns:p14="http://schemas.microsoft.com/office/powerpoint/2010/main" val="2283158798"/>
       </p:ext>
     </p:extLst>
   </p:cSld>
@@ -2394,7 +2179,7 @@
 </p:notes>
 </file>
 
-<file path=ppt/notesSlides/notesSlide17.xml><?xml version="1.0" encoding="utf-8"?>
+<file path=ppt/notesSlides/notesSlide15.xml><?xml version="1.0" encoding="utf-8"?>
 <p:notes xmlns:a="http://schemas.openxmlformats.org/drawingml/2006/main" xmlns:r="http://schemas.openxmlformats.org/officeDocument/2006/relationships" xmlns:p="http://schemas.openxmlformats.org/presentationml/2006/main" showMasterSp="0" showMasterPhAnim="0">
   <p:cSld>
     <p:spTree>
@@ -2500,113 +2285,7 @@
 </p:notes>
 </file>
 
-<file path=ppt/notesSlides/notesSlide18.xml><?xml version="1.0" encoding="utf-8"?>
-<p:notes xmlns:a="http://schemas.openxmlformats.org/drawingml/2006/main" xmlns:r="http://schemas.openxmlformats.org/officeDocument/2006/relationships" xmlns:p="http://schemas.openxmlformats.org/presentationml/2006/main" showMasterSp="0" showMasterPhAnim="0">
-  <p:cSld>
-    <p:spTree>
-      <p:nvGrpSpPr>
-        <p:cNvPr id="1" name="Shape 142"/>
-        <p:cNvGrpSpPr/>
-        <p:nvPr/>
-      </p:nvGrpSpPr>
-      <p:grpSpPr>
-        <a:xfrm>
-          <a:off x="0" y="0"/>
-          <a:ext cx="0" cy="0"/>
-          <a:chOff x="0" y="0"/>
-          <a:chExt cx="0" cy="0"/>
-        </a:xfrm>
-      </p:grpSpPr>
-      <p:sp>
-        <p:nvSpPr>
-          <p:cNvPr id="143" name="Shape 143"/>
-          <p:cNvSpPr txBox="1">
-            <a:spLocks noGrp="1"/>
-          </p:cNvSpPr>
-          <p:nvPr>
-            <p:ph type="body" idx="1"/>
-          </p:nvPr>
-        </p:nvSpPr>
-        <p:spPr>
-          <a:xfrm>
-            <a:off x="685800" y="4343400"/>
-            <a:ext cx="5486399" cy="4114800"/>
-          </a:xfrm>
-          <a:prstGeom prst="rect">
-            <a:avLst/>
-          </a:prstGeom>
-        </p:spPr>
-        <p:txBody>
-          <a:bodyPr wrap="square" lIns="91425" tIns="91425" rIns="91425" bIns="91425" anchor="t" anchorCtr="0">
-            <a:noAutofit/>
-          </a:bodyPr>
-          <a:lstStyle/>
-          <a:p>
-            <a:pPr marL="0" lvl="0" indent="76200">
-              <a:spcBef>
-                <a:spcPts val="0"/>
-              </a:spcBef>
-              <a:buNone/>
-            </a:pPr>
-            <a:endParaRPr/>
-          </a:p>
-        </p:txBody>
-      </p:sp>
-      <p:sp>
-        <p:nvSpPr>
-          <p:cNvPr id="144" name="Shape 144"/>
-          <p:cNvSpPr>
-            <a:spLocks noGrp="1" noRot="1" noChangeAspect="1"/>
-          </p:cNvSpPr>
-          <p:nvPr>
-            <p:ph type="sldImg" idx="2"/>
-          </p:nvPr>
-        </p:nvSpPr>
-        <p:spPr>
-          <a:xfrm>
-            <a:off x="381000" y="685800"/>
-            <a:ext cx="6096000" cy="3429000"/>
-          </a:xfrm>
-          <a:custGeom>
-            <a:avLst/>
-            <a:gdLst/>
-            <a:ahLst/>
-            <a:cxnLst/>
-            <a:rect l="0" t="0" r="0" b="0"/>
-            <a:pathLst>
-              <a:path w="120000" h="120000" extrusionOk="0">
-                <a:moveTo>
-                  <a:pt x="0" y="0"/>
-                </a:moveTo>
-                <a:lnTo>
-                  <a:pt x="120000" y="0"/>
-                </a:lnTo>
-                <a:lnTo>
-                  <a:pt x="120000" y="120000"/>
-                </a:lnTo>
-                <a:lnTo>
-                  <a:pt x="0" y="120000"/>
-                </a:lnTo>
-                <a:close/>
-              </a:path>
-            </a:pathLst>
-          </a:custGeom>
-        </p:spPr>
-      </p:sp>
-    </p:spTree>
-    <p:extLst>
-      <p:ext uri="{BB962C8B-B14F-4D97-AF65-F5344CB8AC3E}">
-        <p14:creationId xmlns:p14="http://schemas.microsoft.com/office/powerpoint/2010/main" val="571199094"/>
-      </p:ext>
-    </p:extLst>
-  </p:cSld>
-  <p:clrMapOvr>
-    <a:masterClrMapping/>
-  </p:clrMapOvr>
-</p:notes>
-</file>
-
-<file path=ppt/notesSlides/notesSlide19.xml><?xml version="1.0" encoding="utf-8"?>
+<file path=ppt/notesSlides/notesSlide16.xml><?xml version="1.0" encoding="utf-8"?>
 <p:notes xmlns:a="http://schemas.openxmlformats.org/drawingml/2006/main" xmlns:r="http://schemas.openxmlformats.org/officeDocument/2006/relationships" xmlns:p="http://schemas.openxmlformats.org/presentationml/2006/main" showMasterSp="0" showMasterPhAnim="0">
   <p:cSld>
     <p:spTree>
@@ -2712,113 +2391,7 @@
 </p:notes>
 </file>
 
-<file path=ppt/notesSlides/notesSlide2.xml><?xml version="1.0" encoding="utf-8"?>
-<p:notes xmlns:a="http://schemas.openxmlformats.org/drawingml/2006/main" xmlns:r="http://schemas.openxmlformats.org/officeDocument/2006/relationships" xmlns:p="http://schemas.openxmlformats.org/presentationml/2006/main" showMasterSp="0" showMasterPhAnim="0">
-  <p:cSld>
-    <p:spTree>
-      <p:nvGrpSpPr>
-        <p:cNvPr id="1" name="Shape 34"/>
-        <p:cNvGrpSpPr/>
-        <p:nvPr/>
-      </p:nvGrpSpPr>
-      <p:grpSpPr>
-        <a:xfrm>
-          <a:off x="0" y="0"/>
-          <a:ext cx="0" cy="0"/>
-          <a:chOff x="0" y="0"/>
-          <a:chExt cx="0" cy="0"/>
-        </a:xfrm>
-      </p:grpSpPr>
-      <p:sp>
-        <p:nvSpPr>
-          <p:cNvPr id="35" name="Shape 35"/>
-          <p:cNvSpPr txBox="1">
-            <a:spLocks noGrp="1"/>
-          </p:cNvSpPr>
-          <p:nvPr>
-            <p:ph type="body" idx="1"/>
-          </p:nvPr>
-        </p:nvSpPr>
-        <p:spPr>
-          <a:xfrm>
-            <a:off x="685800" y="4343400"/>
-            <a:ext cx="5486399" cy="4114800"/>
-          </a:xfrm>
-          <a:prstGeom prst="rect">
-            <a:avLst/>
-          </a:prstGeom>
-        </p:spPr>
-        <p:txBody>
-          <a:bodyPr wrap="square" lIns="91425" tIns="91425" rIns="91425" bIns="91425" anchor="t" anchorCtr="0">
-            <a:noAutofit/>
-          </a:bodyPr>
-          <a:lstStyle/>
-          <a:p>
-            <a:pPr marL="0" lvl="0" indent="76200">
-              <a:spcBef>
-                <a:spcPts val="0"/>
-              </a:spcBef>
-              <a:buNone/>
-            </a:pPr>
-            <a:endParaRPr/>
-          </a:p>
-        </p:txBody>
-      </p:sp>
-      <p:sp>
-        <p:nvSpPr>
-          <p:cNvPr id="36" name="Shape 36"/>
-          <p:cNvSpPr>
-            <a:spLocks noGrp="1" noRot="1" noChangeAspect="1"/>
-          </p:cNvSpPr>
-          <p:nvPr>
-            <p:ph type="sldImg" idx="2"/>
-          </p:nvPr>
-        </p:nvSpPr>
-        <p:spPr>
-          <a:xfrm>
-            <a:off x="381000" y="685800"/>
-            <a:ext cx="6096000" cy="3429000"/>
-          </a:xfrm>
-          <a:custGeom>
-            <a:avLst/>
-            <a:gdLst/>
-            <a:ahLst/>
-            <a:cxnLst/>
-            <a:rect l="0" t="0" r="0" b="0"/>
-            <a:pathLst>
-              <a:path w="120000" h="120000" extrusionOk="0">
-                <a:moveTo>
-                  <a:pt x="0" y="0"/>
-                </a:moveTo>
-                <a:lnTo>
-                  <a:pt x="120000" y="0"/>
-                </a:lnTo>
-                <a:lnTo>
-                  <a:pt x="120000" y="120000"/>
-                </a:lnTo>
-                <a:lnTo>
-                  <a:pt x="0" y="120000"/>
-                </a:lnTo>
-                <a:close/>
-              </a:path>
-            </a:pathLst>
-          </a:custGeom>
-        </p:spPr>
-      </p:sp>
-    </p:spTree>
-    <p:extLst>
-      <p:ext uri="{BB962C8B-B14F-4D97-AF65-F5344CB8AC3E}">
-        <p14:creationId xmlns:p14="http://schemas.microsoft.com/office/powerpoint/2010/main" val="464775550"/>
-      </p:ext>
-    </p:extLst>
-  </p:cSld>
-  <p:clrMapOvr>
-    <a:masterClrMapping/>
-  </p:clrMapOvr>
-</p:notes>
-</file>
-
-<file path=ppt/notesSlides/notesSlide20.xml><?xml version="1.0" encoding="utf-8"?>
+<file path=ppt/notesSlides/notesSlide17.xml><?xml version="1.0" encoding="utf-8"?>
 <p:notes xmlns:a="http://schemas.openxmlformats.org/drawingml/2006/main" xmlns:r="http://schemas.openxmlformats.org/officeDocument/2006/relationships" xmlns:p="http://schemas.openxmlformats.org/presentationml/2006/main" showMasterSp="0" showMasterPhAnim="0">
   <p:cSld>
     <p:spTree>
@@ -2924,7 +2497,7 @@
 </p:notes>
 </file>
 
-<file path=ppt/notesSlides/notesSlide21.xml><?xml version="1.0" encoding="utf-8"?>
+<file path=ppt/notesSlides/notesSlide18.xml><?xml version="1.0" encoding="utf-8"?>
 <p:notes xmlns:a="http://schemas.openxmlformats.org/drawingml/2006/main" xmlns:r="http://schemas.openxmlformats.org/officeDocument/2006/relationships" xmlns:p="http://schemas.openxmlformats.org/presentationml/2006/main" showMasterSp="0" showMasterPhAnim="0">
   <p:cSld>
     <p:spTree>
@@ -3030,7 +2603,7 @@
 </p:notes>
 </file>
 
-<file path=ppt/notesSlides/notesSlide22.xml><?xml version="1.0" encoding="utf-8"?>
+<file path=ppt/notesSlides/notesSlide19.xml><?xml version="1.0" encoding="utf-8"?>
 <p:notes xmlns:a="http://schemas.openxmlformats.org/drawingml/2006/main" xmlns:r="http://schemas.openxmlformats.org/officeDocument/2006/relationships" xmlns:p="http://schemas.openxmlformats.org/presentationml/2006/main" showMasterSp="0" showMasterPhAnim="0">
   <p:cSld>
     <p:spTree>
@@ -3136,749 +2709,7 @@
 </p:notes>
 </file>
 
-<file path=ppt/notesSlides/notesSlide23.xml><?xml version="1.0" encoding="utf-8"?>
-<p:notes xmlns:a="http://schemas.openxmlformats.org/drawingml/2006/main" xmlns:r="http://schemas.openxmlformats.org/officeDocument/2006/relationships" xmlns:p="http://schemas.openxmlformats.org/presentationml/2006/main" showMasterSp="0" showMasterPhAnim="0">
-  <p:cSld>
-    <p:spTree>
-      <p:nvGrpSpPr>
-        <p:cNvPr id="1" name="Shape 172"/>
-        <p:cNvGrpSpPr/>
-        <p:nvPr/>
-      </p:nvGrpSpPr>
-      <p:grpSpPr>
-        <a:xfrm>
-          <a:off x="0" y="0"/>
-          <a:ext cx="0" cy="0"/>
-          <a:chOff x="0" y="0"/>
-          <a:chExt cx="0" cy="0"/>
-        </a:xfrm>
-      </p:grpSpPr>
-      <p:sp>
-        <p:nvSpPr>
-          <p:cNvPr id="173" name="Shape 173"/>
-          <p:cNvSpPr txBox="1">
-            <a:spLocks noGrp="1"/>
-          </p:cNvSpPr>
-          <p:nvPr>
-            <p:ph type="body" idx="1"/>
-          </p:nvPr>
-        </p:nvSpPr>
-        <p:spPr>
-          <a:xfrm>
-            <a:off x="685800" y="4343400"/>
-            <a:ext cx="5486399" cy="4114800"/>
-          </a:xfrm>
-          <a:prstGeom prst="rect">
-            <a:avLst/>
-          </a:prstGeom>
-        </p:spPr>
-        <p:txBody>
-          <a:bodyPr wrap="square" lIns="91425" tIns="91425" rIns="91425" bIns="91425" anchor="t" anchorCtr="0">
-            <a:noAutofit/>
-          </a:bodyPr>
-          <a:lstStyle/>
-          <a:p>
-            <a:pPr marL="0" lvl="0" indent="76200">
-              <a:spcBef>
-                <a:spcPts val="0"/>
-              </a:spcBef>
-              <a:buNone/>
-            </a:pPr>
-            <a:endParaRPr/>
-          </a:p>
-        </p:txBody>
-      </p:sp>
-      <p:sp>
-        <p:nvSpPr>
-          <p:cNvPr id="174" name="Shape 174"/>
-          <p:cNvSpPr>
-            <a:spLocks noGrp="1" noRot="1" noChangeAspect="1"/>
-          </p:cNvSpPr>
-          <p:nvPr>
-            <p:ph type="sldImg" idx="2"/>
-          </p:nvPr>
-        </p:nvSpPr>
-        <p:spPr>
-          <a:xfrm>
-            <a:off x="381000" y="685800"/>
-            <a:ext cx="6096000" cy="3429000"/>
-          </a:xfrm>
-          <a:custGeom>
-            <a:avLst/>
-            <a:gdLst/>
-            <a:ahLst/>
-            <a:cxnLst/>
-            <a:rect l="0" t="0" r="0" b="0"/>
-            <a:pathLst>
-              <a:path w="120000" h="120000" extrusionOk="0">
-                <a:moveTo>
-                  <a:pt x="0" y="0"/>
-                </a:moveTo>
-                <a:lnTo>
-                  <a:pt x="120000" y="0"/>
-                </a:lnTo>
-                <a:lnTo>
-                  <a:pt x="120000" y="120000"/>
-                </a:lnTo>
-                <a:lnTo>
-                  <a:pt x="0" y="120000"/>
-                </a:lnTo>
-                <a:close/>
-              </a:path>
-            </a:pathLst>
-          </a:custGeom>
-        </p:spPr>
-      </p:sp>
-    </p:spTree>
-    <p:extLst>
-      <p:ext uri="{BB962C8B-B14F-4D97-AF65-F5344CB8AC3E}">
-        <p14:creationId xmlns:p14="http://schemas.microsoft.com/office/powerpoint/2010/main" val="508481655"/>
-      </p:ext>
-    </p:extLst>
-  </p:cSld>
-  <p:clrMapOvr>
-    <a:masterClrMapping/>
-  </p:clrMapOvr>
-</p:notes>
-</file>
-
-<file path=ppt/notesSlides/notesSlide24.xml><?xml version="1.0" encoding="utf-8"?>
-<p:notes xmlns:a="http://schemas.openxmlformats.org/drawingml/2006/main" xmlns:r="http://schemas.openxmlformats.org/officeDocument/2006/relationships" xmlns:p="http://schemas.openxmlformats.org/presentationml/2006/main" showMasterSp="0" showMasterPhAnim="0">
-  <p:cSld>
-    <p:spTree>
-      <p:nvGrpSpPr>
-        <p:cNvPr id="1" name="Shape 178"/>
-        <p:cNvGrpSpPr/>
-        <p:nvPr/>
-      </p:nvGrpSpPr>
-      <p:grpSpPr>
-        <a:xfrm>
-          <a:off x="0" y="0"/>
-          <a:ext cx="0" cy="0"/>
-          <a:chOff x="0" y="0"/>
-          <a:chExt cx="0" cy="0"/>
-        </a:xfrm>
-      </p:grpSpPr>
-      <p:sp>
-        <p:nvSpPr>
-          <p:cNvPr id="179" name="Shape 179"/>
-          <p:cNvSpPr txBox="1">
-            <a:spLocks noGrp="1"/>
-          </p:cNvSpPr>
-          <p:nvPr>
-            <p:ph type="body" idx="1"/>
-          </p:nvPr>
-        </p:nvSpPr>
-        <p:spPr>
-          <a:xfrm>
-            <a:off x="685800" y="4343400"/>
-            <a:ext cx="5486399" cy="4114800"/>
-          </a:xfrm>
-          <a:prstGeom prst="rect">
-            <a:avLst/>
-          </a:prstGeom>
-        </p:spPr>
-        <p:txBody>
-          <a:bodyPr wrap="square" lIns="91425" tIns="91425" rIns="91425" bIns="91425" anchor="t" anchorCtr="0">
-            <a:noAutofit/>
-          </a:bodyPr>
-          <a:lstStyle/>
-          <a:p>
-            <a:pPr marL="0" lvl="0" indent="76200">
-              <a:spcBef>
-                <a:spcPts val="0"/>
-              </a:spcBef>
-              <a:buNone/>
-            </a:pPr>
-            <a:endParaRPr/>
-          </a:p>
-        </p:txBody>
-      </p:sp>
-      <p:sp>
-        <p:nvSpPr>
-          <p:cNvPr id="180" name="Shape 180"/>
-          <p:cNvSpPr>
-            <a:spLocks noGrp="1" noRot="1" noChangeAspect="1"/>
-          </p:cNvSpPr>
-          <p:nvPr>
-            <p:ph type="sldImg" idx="2"/>
-          </p:nvPr>
-        </p:nvSpPr>
-        <p:spPr>
-          <a:xfrm>
-            <a:off x="381000" y="685800"/>
-            <a:ext cx="6096000" cy="3429000"/>
-          </a:xfrm>
-          <a:custGeom>
-            <a:avLst/>
-            <a:gdLst/>
-            <a:ahLst/>
-            <a:cxnLst/>
-            <a:rect l="0" t="0" r="0" b="0"/>
-            <a:pathLst>
-              <a:path w="120000" h="120000" extrusionOk="0">
-                <a:moveTo>
-                  <a:pt x="0" y="0"/>
-                </a:moveTo>
-                <a:lnTo>
-                  <a:pt x="120000" y="0"/>
-                </a:lnTo>
-                <a:lnTo>
-                  <a:pt x="120000" y="120000"/>
-                </a:lnTo>
-                <a:lnTo>
-                  <a:pt x="0" y="120000"/>
-                </a:lnTo>
-                <a:close/>
-              </a:path>
-            </a:pathLst>
-          </a:custGeom>
-        </p:spPr>
-      </p:sp>
-    </p:spTree>
-    <p:extLst>
-      <p:ext uri="{BB962C8B-B14F-4D97-AF65-F5344CB8AC3E}">
-        <p14:creationId xmlns:p14="http://schemas.microsoft.com/office/powerpoint/2010/main" val="1415845751"/>
-      </p:ext>
-    </p:extLst>
-  </p:cSld>
-  <p:clrMapOvr>
-    <a:masterClrMapping/>
-  </p:clrMapOvr>
-</p:notes>
-</file>
-
-<file path=ppt/notesSlides/notesSlide25.xml><?xml version="1.0" encoding="utf-8"?>
-<p:notes xmlns:a="http://schemas.openxmlformats.org/drawingml/2006/main" xmlns:r="http://schemas.openxmlformats.org/officeDocument/2006/relationships" xmlns:p="http://schemas.openxmlformats.org/presentationml/2006/main" showMasterSp="0" showMasterPhAnim="0">
-  <p:cSld>
-    <p:spTree>
-      <p:nvGrpSpPr>
-        <p:cNvPr id="1" name="Shape 184"/>
-        <p:cNvGrpSpPr/>
-        <p:nvPr/>
-      </p:nvGrpSpPr>
-      <p:grpSpPr>
-        <a:xfrm>
-          <a:off x="0" y="0"/>
-          <a:ext cx="0" cy="0"/>
-          <a:chOff x="0" y="0"/>
-          <a:chExt cx="0" cy="0"/>
-        </a:xfrm>
-      </p:grpSpPr>
-      <p:sp>
-        <p:nvSpPr>
-          <p:cNvPr id="185" name="Shape 185"/>
-          <p:cNvSpPr txBox="1">
-            <a:spLocks noGrp="1"/>
-          </p:cNvSpPr>
-          <p:nvPr>
-            <p:ph type="body" idx="1"/>
-          </p:nvPr>
-        </p:nvSpPr>
-        <p:spPr>
-          <a:xfrm>
-            <a:off x="685800" y="4343400"/>
-            <a:ext cx="5486399" cy="4114800"/>
-          </a:xfrm>
-          <a:prstGeom prst="rect">
-            <a:avLst/>
-          </a:prstGeom>
-        </p:spPr>
-        <p:txBody>
-          <a:bodyPr wrap="square" lIns="91425" tIns="91425" rIns="91425" bIns="91425" anchor="t" anchorCtr="0">
-            <a:noAutofit/>
-          </a:bodyPr>
-          <a:lstStyle/>
-          <a:p>
-            <a:pPr marL="0" lvl="0" indent="76200">
-              <a:spcBef>
-                <a:spcPts val="0"/>
-              </a:spcBef>
-              <a:buNone/>
-            </a:pPr>
-            <a:endParaRPr/>
-          </a:p>
-        </p:txBody>
-      </p:sp>
-      <p:sp>
-        <p:nvSpPr>
-          <p:cNvPr id="186" name="Shape 186"/>
-          <p:cNvSpPr>
-            <a:spLocks noGrp="1" noRot="1" noChangeAspect="1"/>
-          </p:cNvSpPr>
-          <p:nvPr>
-            <p:ph type="sldImg" idx="2"/>
-          </p:nvPr>
-        </p:nvSpPr>
-        <p:spPr>
-          <a:xfrm>
-            <a:off x="381000" y="685800"/>
-            <a:ext cx="6096000" cy="3429000"/>
-          </a:xfrm>
-          <a:custGeom>
-            <a:avLst/>
-            <a:gdLst/>
-            <a:ahLst/>
-            <a:cxnLst/>
-            <a:rect l="0" t="0" r="0" b="0"/>
-            <a:pathLst>
-              <a:path w="120000" h="120000" extrusionOk="0">
-                <a:moveTo>
-                  <a:pt x="0" y="0"/>
-                </a:moveTo>
-                <a:lnTo>
-                  <a:pt x="120000" y="0"/>
-                </a:lnTo>
-                <a:lnTo>
-                  <a:pt x="120000" y="120000"/>
-                </a:lnTo>
-                <a:lnTo>
-                  <a:pt x="0" y="120000"/>
-                </a:lnTo>
-                <a:close/>
-              </a:path>
-            </a:pathLst>
-          </a:custGeom>
-        </p:spPr>
-      </p:sp>
-    </p:spTree>
-    <p:extLst>
-      <p:ext uri="{BB962C8B-B14F-4D97-AF65-F5344CB8AC3E}">
-        <p14:creationId xmlns:p14="http://schemas.microsoft.com/office/powerpoint/2010/main" val="3566250752"/>
-      </p:ext>
-    </p:extLst>
-  </p:cSld>
-  <p:clrMapOvr>
-    <a:masterClrMapping/>
-  </p:clrMapOvr>
-</p:notes>
-</file>
-
-<file path=ppt/notesSlides/notesSlide26.xml><?xml version="1.0" encoding="utf-8"?>
-<p:notes xmlns:a="http://schemas.openxmlformats.org/drawingml/2006/main" xmlns:r="http://schemas.openxmlformats.org/officeDocument/2006/relationships" xmlns:p="http://schemas.openxmlformats.org/presentationml/2006/main" showMasterSp="0" showMasterPhAnim="0">
-  <p:cSld>
-    <p:spTree>
-      <p:nvGrpSpPr>
-        <p:cNvPr id="1" name="Shape 196"/>
-        <p:cNvGrpSpPr/>
-        <p:nvPr/>
-      </p:nvGrpSpPr>
-      <p:grpSpPr>
-        <a:xfrm>
-          <a:off x="0" y="0"/>
-          <a:ext cx="0" cy="0"/>
-          <a:chOff x="0" y="0"/>
-          <a:chExt cx="0" cy="0"/>
-        </a:xfrm>
-      </p:grpSpPr>
-      <p:sp>
-        <p:nvSpPr>
-          <p:cNvPr id="197" name="Shape 197"/>
-          <p:cNvSpPr txBox="1">
-            <a:spLocks noGrp="1"/>
-          </p:cNvSpPr>
-          <p:nvPr>
-            <p:ph type="body" idx="1"/>
-          </p:nvPr>
-        </p:nvSpPr>
-        <p:spPr>
-          <a:xfrm>
-            <a:off x="685800" y="4343400"/>
-            <a:ext cx="5486399" cy="4114800"/>
-          </a:xfrm>
-          <a:prstGeom prst="rect">
-            <a:avLst/>
-          </a:prstGeom>
-        </p:spPr>
-        <p:txBody>
-          <a:bodyPr wrap="square" lIns="91425" tIns="91425" rIns="91425" bIns="91425" anchor="t" anchorCtr="0">
-            <a:noAutofit/>
-          </a:bodyPr>
-          <a:lstStyle/>
-          <a:p>
-            <a:pPr marL="0" lvl="0" indent="76200">
-              <a:spcBef>
-                <a:spcPts val="0"/>
-              </a:spcBef>
-              <a:buNone/>
-            </a:pPr>
-            <a:endParaRPr/>
-          </a:p>
-        </p:txBody>
-      </p:sp>
-      <p:sp>
-        <p:nvSpPr>
-          <p:cNvPr id="198" name="Shape 198"/>
-          <p:cNvSpPr>
-            <a:spLocks noGrp="1" noRot="1" noChangeAspect="1"/>
-          </p:cNvSpPr>
-          <p:nvPr>
-            <p:ph type="sldImg" idx="2"/>
-          </p:nvPr>
-        </p:nvSpPr>
-        <p:spPr>
-          <a:xfrm>
-            <a:off x="381000" y="685800"/>
-            <a:ext cx="6096000" cy="3429000"/>
-          </a:xfrm>
-          <a:custGeom>
-            <a:avLst/>
-            <a:gdLst/>
-            <a:ahLst/>
-            <a:cxnLst/>
-            <a:rect l="0" t="0" r="0" b="0"/>
-            <a:pathLst>
-              <a:path w="120000" h="120000" extrusionOk="0">
-                <a:moveTo>
-                  <a:pt x="0" y="0"/>
-                </a:moveTo>
-                <a:lnTo>
-                  <a:pt x="120000" y="0"/>
-                </a:lnTo>
-                <a:lnTo>
-                  <a:pt x="120000" y="120000"/>
-                </a:lnTo>
-                <a:lnTo>
-                  <a:pt x="0" y="120000"/>
-                </a:lnTo>
-                <a:close/>
-              </a:path>
-            </a:pathLst>
-          </a:custGeom>
-        </p:spPr>
-      </p:sp>
-    </p:spTree>
-    <p:extLst>
-      <p:ext uri="{BB962C8B-B14F-4D97-AF65-F5344CB8AC3E}">
-        <p14:creationId xmlns:p14="http://schemas.microsoft.com/office/powerpoint/2010/main" val="2305667819"/>
-      </p:ext>
-    </p:extLst>
-  </p:cSld>
-  <p:clrMapOvr>
-    <a:masterClrMapping/>
-  </p:clrMapOvr>
-</p:notes>
-</file>
-
-<file path=ppt/notesSlides/notesSlide27.xml><?xml version="1.0" encoding="utf-8"?>
-<p:notes xmlns:a="http://schemas.openxmlformats.org/drawingml/2006/main" xmlns:r="http://schemas.openxmlformats.org/officeDocument/2006/relationships" xmlns:p="http://schemas.openxmlformats.org/presentationml/2006/main" showMasterSp="0" showMasterPhAnim="0">
-  <p:cSld>
-    <p:spTree>
-      <p:nvGrpSpPr>
-        <p:cNvPr id="1" name="Shape 204"/>
-        <p:cNvGrpSpPr/>
-        <p:nvPr/>
-      </p:nvGrpSpPr>
-      <p:grpSpPr>
-        <a:xfrm>
-          <a:off x="0" y="0"/>
-          <a:ext cx="0" cy="0"/>
-          <a:chOff x="0" y="0"/>
-          <a:chExt cx="0" cy="0"/>
-        </a:xfrm>
-      </p:grpSpPr>
-      <p:sp>
-        <p:nvSpPr>
-          <p:cNvPr id="205" name="Shape 205"/>
-          <p:cNvSpPr txBox="1">
-            <a:spLocks noGrp="1"/>
-          </p:cNvSpPr>
-          <p:nvPr>
-            <p:ph type="body" idx="1"/>
-          </p:nvPr>
-        </p:nvSpPr>
-        <p:spPr>
-          <a:xfrm>
-            <a:off x="685800" y="4343400"/>
-            <a:ext cx="5486400" cy="4114800"/>
-          </a:xfrm>
-          <a:prstGeom prst="rect">
-            <a:avLst/>
-          </a:prstGeom>
-        </p:spPr>
-        <p:txBody>
-          <a:bodyPr wrap="square" lIns="91425" tIns="91425" rIns="91425" bIns="91425" anchor="t" anchorCtr="0">
-            <a:noAutofit/>
-          </a:bodyPr>
-          <a:lstStyle/>
-          <a:p>
-            <a:pPr marL="0" lvl="0" indent="76200" rtl="0">
-              <a:spcBef>
-                <a:spcPts val="0"/>
-              </a:spcBef>
-              <a:buNone/>
-            </a:pPr>
-            <a:endParaRPr/>
-          </a:p>
-        </p:txBody>
-      </p:sp>
-      <p:sp>
-        <p:nvSpPr>
-          <p:cNvPr id="206" name="Shape 206"/>
-          <p:cNvSpPr>
-            <a:spLocks noGrp="1" noRot="1" noChangeAspect="1"/>
-          </p:cNvSpPr>
-          <p:nvPr>
-            <p:ph type="sldImg" idx="2"/>
-          </p:nvPr>
-        </p:nvSpPr>
-        <p:spPr>
-          <a:xfrm>
-            <a:off x="381000" y="685800"/>
-            <a:ext cx="6096000" cy="3429000"/>
-          </a:xfrm>
-          <a:custGeom>
-            <a:avLst/>
-            <a:gdLst/>
-            <a:ahLst/>
-            <a:cxnLst/>
-            <a:rect l="0" t="0" r="0" b="0"/>
-            <a:pathLst>
-              <a:path w="120000" h="120000" extrusionOk="0">
-                <a:moveTo>
-                  <a:pt x="0" y="0"/>
-                </a:moveTo>
-                <a:lnTo>
-                  <a:pt x="120000" y="0"/>
-                </a:lnTo>
-                <a:lnTo>
-                  <a:pt x="120000" y="120000"/>
-                </a:lnTo>
-                <a:lnTo>
-                  <a:pt x="0" y="120000"/>
-                </a:lnTo>
-                <a:close/>
-              </a:path>
-            </a:pathLst>
-          </a:custGeom>
-        </p:spPr>
-      </p:sp>
-    </p:spTree>
-    <p:extLst>
-      <p:ext uri="{BB962C8B-B14F-4D97-AF65-F5344CB8AC3E}">
-        <p14:creationId xmlns:p14="http://schemas.microsoft.com/office/powerpoint/2010/main" val="3849568602"/>
-      </p:ext>
-    </p:extLst>
-  </p:cSld>
-  <p:clrMapOvr>
-    <a:masterClrMapping/>
-  </p:clrMapOvr>
-</p:notes>
-</file>
-
-<file path=ppt/notesSlides/notesSlide28.xml><?xml version="1.0" encoding="utf-8"?>
-<p:notes xmlns:a="http://schemas.openxmlformats.org/drawingml/2006/main" xmlns:r="http://schemas.openxmlformats.org/officeDocument/2006/relationships" xmlns:p="http://schemas.openxmlformats.org/presentationml/2006/main" showMasterSp="0" showMasterPhAnim="0">
-  <p:cSld>
-    <p:spTree>
-      <p:nvGrpSpPr>
-        <p:cNvPr id="1" name="Shape 210"/>
-        <p:cNvGrpSpPr/>
-        <p:nvPr/>
-      </p:nvGrpSpPr>
-      <p:grpSpPr>
-        <a:xfrm>
-          <a:off x="0" y="0"/>
-          <a:ext cx="0" cy="0"/>
-          <a:chOff x="0" y="0"/>
-          <a:chExt cx="0" cy="0"/>
-        </a:xfrm>
-      </p:grpSpPr>
-      <p:sp>
-        <p:nvSpPr>
-          <p:cNvPr id="211" name="Shape 211"/>
-          <p:cNvSpPr txBox="1">
-            <a:spLocks noGrp="1"/>
-          </p:cNvSpPr>
-          <p:nvPr>
-            <p:ph type="body" idx="1"/>
-          </p:nvPr>
-        </p:nvSpPr>
-        <p:spPr>
-          <a:xfrm>
-            <a:off x="685800" y="4343400"/>
-            <a:ext cx="5486400" cy="4114800"/>
-          </a:xfrm>
-          <a:prstGeom prst="rect">
-            <a:avLst/>
-          </a:prstGeom>
-        </p:spPr>
-        <p:txBody>
-          <a:bodyPr wrap="square" lIns="91425" tIns="91425" rIns="91425" bIns="91425" anchor="t" anchorCtr="0">
-            <a:noAutofit/>
-          </a:bodyPr>
-          <a:lstStyle/>
-          <a:p>
-            <a:pPr marL="0" lvl="0" indent="76200" rtl="0">
-              <a:spcBef>
-                <a:spcPts val="0"/>
-              </a:spcBef>
-              <a:buNone/>
-            </a:pPr>
-            <a:endParaRPr/>
-          </a:p>
-        </p:txBody>
-      </p:sp>
-      <p:sp>
-        <p:nvSpPr>
-          <p:cNvPr id="212" name="Shape 212"/>
-          <p:cNvSpPr>
-            <a:spLocks noGrp="1" noRot="1" noChangeAspect="1"/>
-          </p:cNvSpPr>
-          <p:nvPr>
-            <p:ph type="sldImg" idx="2"/>
-          </p:nvPr>
-        </p:nvSpPr>
-        <p:spPr>
-          <a:xfrm>
-            <a:off x="381000" y="685800"/>
-            <a:ext cx="6096000" cy="3429000"/>
-          </a:xfrm>
-          <a:custGeom>
-            <a:avLst/>
-            <a:gdLst/>
-            <a:ahLst/>
-            <a:cxnLst/>
-            <a:rect l="0" t="0" r="0" b="0"/>
-            <a:pathLst>
-              <a:path w="120000" h="120000" extrusionOk="0">
-                <a:moveTo>
-                  <a:pt x="0" y="0"/>
-                </a:moveTo>
-                <a:lnTo>
-                  <a:pt x="120000" y="0"/>
-                </a:lnTo>
-                <a:lnTo>
-                  <a:pt x="120000" y="120000"/>
-                </a:lnTo>
-                <a:lnTo>
-                  <a:pt x="0" y="120000"/>
-                </a:lnTo>
-                <a:close/>
-              </a:path>
-            </a:pathLst>
-          </a:custGeom>
-        </p:spPr>
-      </p:sp>
-    </p:spTree>
-    <p:extLst>
-      <p:ext uri="{BB962C8B-B14F-4D97-AF65-F5344CB8AC3E}">
-        <p14:creationId xmlns:p14="http://schemas.microsoft.com/office/powerpoint/2010/main" val="1630824655"/>
-      </p:ext>
-    </p:extLst>
-  </p:cSld>
-  <p:clrMapOvr>
-    <a:masterClrMapping/>
-  </p:clrMapOvr>
-</p:notes>
-</file>
-
-<file path=ppt/notesSlides/notesSlide29.xml><?xml version="1.0" encoding="utf-8"?>
-<p:notes xmlns:a="http://schemas.openxmlformats.org/drawingml/2006/main" xmlns:r="http://schemas.openxmlformats.org/officeDocument/2006/relationships" xmlns:p="http://schemas.openxmlformats.org/presentationml/2006/main" showMasterSp="0" showMasterPhAnim="0">
-  <p:cSld>
-    <p:spTree>
-      <p:nvGrpSpPr>
-        <p:cNvPr id="1" name="Shape 218"/>
-        <p:cNvGrpSpPr/>
-        <p:nvPr/>
-      </p:nvGrpSpPr>
-      <p:grpSpPr>
-        <a:xfrm>
-          <a:off x="0" y="0"/>
-          <a:ext cx="0" cy="0"/>
-          <a:chOff x="0" y="0"/>
-          <a:chExt cx="0" cy="0"/>
-        </a:xfrm>
-      </p:grpSpPr>
-      <p:sp>
-        <p:nvSpPr>
-          <p:cNvPr id="219" name="Shape 219"/>
-          <p:cNvSpPr txBox="1">
-            <a:spLocks noGrp="1"/>
-          </p:cNvSpPr>
-          <p:nvPr>
-            <p:ph type="body" idx="1"/>
-          </p:nvPr>
-        </p:nvSpPr>
-        <p:spPr>
-          <a:xfrm>
-            <a:off x="685800" y="4343400"/>
-            <a:ext cx="5486400" cy="4114800"/>
-          </a:xfrm>
-          <a:prstGeom prst="rect">
-            <a:avLst/>
-          </a:prstGeom>
-        </p:spPr>
-        <p:txBody>
-          <a:bodyPr wrap="square" lIns="91425" tIns="91425" rIns="91425" bIns="91425" anchor="t" anchorCtr="0">
-            <a:noAutofit/>
-          </a:bodyPr>
-          <a:lstStyle/>
-          <a:p>
-            <a:pPr marL="0" lvl="0" indent="76200" rtl="0">
-              <a:spcBef>
-                <a:spcPts val="0"/>
-              </a:spcBef>
-              <a:buNone/>
-            </a:pPr>
-            <a:endParaRPr/>
-          </a:p>
-        </p:txBody>
-      </p:sp>
-      <p:sp>
-        <p:nvSpPr>
-          <p:cNvPr id="220" name="Shape 220"/>
-          <p:cNvSpPr>
-            <a:spLocks noGrp="1" noRot="1" noChangeAspect="1"/>
-          </p:cNvSpPr>
-          <p:nvPr>
-            <p:ph type="sldImg" idx="2"/>
-          </p:nvPr>
-        </p:nvSpPr>
-        <p:spPr>
-          <a:xfrm>
-            <a:off x="381000" y="685800"/>
-            <a:ext cx="6096000" cy="3429000"/>
-          </a:xfrm>
-          <a:custGeom>
-            <a:avLst/>
-            <a:gdLst/>
-            <a:ahLst/>
-            <a:cxnLst/>
-            <a:rect l="0" t="0" r="0" b="0"/>
-            <a:pathLst>
-              <a:path w="120000" h="120000" extrusionOk="0">
-                <a:moveTo>
-                  <a:pt x="0" y="0"/>
-                </a:moveTo>
-                <a:lnTo>
-                  <a:pt x="120000" y="0"/>
-                </a:lnTo>
-                <a:lnTo>
-                  <a:pt x="120000" y="120000"/>
-                </a:lnTo>
-                <a:lnTo>
-                  <a:pt x="0" y="120000"/>
-                </a:lnTo>
-                <a:close/>
-              </a:path>
-            </a:pathLst>
-          </a:custGeom>
-        </p:spPr>
-      </p:sp>
-    </p:spTree>
-    <p:extLst>
-      <p:ext uri="{BB962C8B-B14F-4D97-AF65-F5344CB8AC3E}">
-        <p14:creationId xmlns:p14="http://schemas.microsoft.com/office/powerpoint/2010/main" val="72557536"/>
-      </p:ext>
-    </p:extLst>
-  </p:cSld>
-  <p:clrMapOvr>
-    <a:masterClrMapping/>
-  </p:clrMapOvr>
-</p:notes>
-</file>
-
-<file path=ppt/notesSlides/notesSlide3.xml><?xml version="1.0" encoding="utf-8"?>
+<file path=ppt/notesSlides/notesSlide2.xml><?xml version="1.0" encoding="utf-8"?>
 <p:notes xmlns:a="http://schemas.openxmlformats.org/drawingml/2006/main" xmlns:r="http://schemas.openxmlformats.org/officeDocument/2006/relationships" xmlns:p="http://schemas.openxmlformats.org/presentationml/2006/main" showMasterSp="0" showMasterPhAnim="0">
   <p:cSld>
     <p:spTree>
@@ -4011,7 +2842,749 @@
 </p:notes>
 </file>
 
-<file path=ppt/notesSlides/notesSlide30.xml><?xml version="1.0" encoding="utf-8"?>
+<file path=ppt/notesSlides/notesSlide20.xml><?xml version="1.0" encoding="utf-8"?>
+<p:notes xmlns:a="http://schemas.openxmlformats.org/drawingml/2006/main" xmlns:r="http://schemas.openxmlformats.org/officeDocument/2006/relationships" xmlns:p="http://schemas.openxmlformats.org/presentationml/2006/main" showMasterSp="0" showMasterPhAnim="0">
+  <p:cSld>
+    <p:spTree>
+      <p:nvGrpSpPr>
+        <p:cNvPr id="1" name="Shape 172"/>
+        <p:cNvGrpSpPr/>
+        <p:nvPr/>
+      </p:nvGrpSpPr>
+      <p:grpSpPr>
+        <a:xfrm>
+          <a:off x="0" y="0"/>
+          <a:ext cx="0" cy="0"/>
+          <a:chOff x="0" y="0"/>
+          <a:chExt cx="0" cy="0"/>
+        </a:xfrm>
+      </p:grpSpPr>
+      <p:sp>
+        <p:nvSpPr>
+          <p:cNvPr id="173" name="Shape 173"/>
+          <p:cNvSpPr txBox="1">
+            <a:spLocks noGrp="1"/>
+          </p:cNvSpPr>
+          <p:nvPr>
+            <p:ph type="body" idx="1"/>
+          </p:nvPr>
+        </p:nvSpPr>
+        <p:spPr>
+          <a:xfrm>
+            <a:off x="685800" y="4343400"/>
+            <a:ext cx="5486399" cy="4114800"/>
+          </a:xfrm>
+          <a:prstGeom prst="rect">
+            <a:avLst/>
+          </a:prstGeom>
+        </p:spPr>
+        <p:txBody>
+          <a:bodyPr wrap="square" lIns="91425" tIns="91425" rIns="91425" bIns="91425" anchor="t" anchorCtr="0">
+            <a:noAutofit/>
+          </a:bodyPr>
+          <a:lstStyle/>
+          <a:p>
+            <a:pPr marL="0" lvl="0" indent="76200">
+              <a:spcBef>
+                <a:spcPts val="0"/>
+              </a:spcBef>
+              <a:buNone/>
+            </a:pPr>
+            <a:endParaRPr/>
+          </a:p>
+        </p:txBody>
+      </p:sp>
+      <p:sp>
+        <p:nvSpPr>
+          <p:cNvPr id="174" name="Shape 174"/>
+          <p:cNvSpPr>
+            <a:spLocks noGrp="1" noRot="1" noChangeAspect="1"/>
+          </p:cNvSpPr>
+          <p:nvPr>
+            <p:ph type="sldImg" idx="2"/>
+          </p:nvPr>
+        </p:nvSpPr>
+        <p:spPr>
+          <a:xfrm>
+            <a:off x="381000" y="685800"/>
+            <a:ext cx="6096000" cy="3429000"/>
+          </a:xfrm>
+          <a:custGeom>
+            <a:avLst/>
+            <a:gdLst/>
+            <a:ahLst/>
+            <a:cxnLst/>
+            <a:rect l="0" t="0" r="0" b="0"/>
+            <a:pathLst>
+              <a:path w="120000" h="120000" extrusionOk="0">
+                <a:moveTo>
+                  <a:pt x="0" y="0"/>
+                </a:moveTo>
+                <a:lnTo>
+                  <a:pt x="120000" y="0"/>
+                </a:lnTo>
+                <a:lnTo>
+                  <a:pt x="120000" y="120000"/>
+                </a:lnTo>
+                <a:lnTo>
+                  <a:pt x="0" y="120000"/>
+                </a:lnTo>
+                <a:close/>
+              </a:path>
+            </a:pathLst>
+          </a:custGeom>
+        </p:spPr>
+      </p:sp>
+    </p:spTree>
+    <p:extLst>
+      <p:ext uri="{BB962C8B-B14F-4D97-AF65-F5344CB8AC3E}">
+        <p14:creationId xmlns:p14="http://schemas.microsoft.com/office/powerpoint/2010/main" val="508481655"/>
+      </p:ext>
+    </p:extLst>
+  </p:cSld>
+  <p:clrMapOvr>
+    <a:masterClrMapping/>
+  </p:clrMapOvr>
+</p:notes>
+</file>
+
+<file path=ppt/notesSlides/notesSlide21.xml><?xml version="1.0" encoding="utf-8"?>
+<p:notes xmlns:a="http://schemas.openxmlformats.org/drawingml/2006/main" xmlns:r="http://schemas.openxmlformats.org/officeDocument/2006/relationships" xmlns:p="http://schemas.openxmlformats.org/presentationml/2006/main" showMasterSp="0" showMasterPhAnim="0">
+  <p:cSld>
+    <p:spTree>
+      <p:nvGrpSpPr>
+        <p:cNvPr id="1" name="Shape 178"/>
+        <p:cNvGrpSpPr/>
+        <p:nvPr/>
+      </p:nvGrpSpPr>
+      <p:grpSpPr>
+        <a:xfrm>
+          <a:off x="0" y="0"/>
+          <a:ext cx="0" cy="0"/>
+          <a:chOff x="0" y="0"/>
+          <a:chExt cx="0" cy="0"/>
+        </a:xfrm>
+      </p:grpSpPr>
+      <p:sp>
+        <p:nvSpPr>
+          <p:cNvPr id="179" name="Shape 179"/>
+          <p:cNvSpPr txBox="1">
+            <a:spLocks noGrp="1"/>
+          </p:cNvSpPr>
+          <p:nvPr>
+            <p:ph type="body" idx="1"/>
+          </p:nvPr>
+        </p:nvSpPr>
+        <p:spPr>
+          <a:xfrm>
+            <a:off x="685800" y="4343400"/>
+            <a:ext cx="5486399" cy="4114800"/>
+          </a:xfrm>
+          <a:prstGeom prst="rect">
+            <a:avLst/>
+          </a:prstGeom>
+        </p:spPr>
+        <p:txBody>
+          <a:bodyPr wrap="square" lIns="91425" tIns="91425" rIns="91425" bIns="91425" anchor="t" anchorCtr="0">
+            <a:noAutofit/>
+          </a:bodyPr>
+          <a:lstStyle/>
+          <a:p>
+            <a:pPr marL="0" lvl="0" indent="76200">
+              <a:spcBef>
+                <a:spcPts val="0"/>
+              </a:spcBef>
+              <a:buNone/>
+            </a:pPr>
+            <a:endParaRPr/>
+          </a:p>
+        </p:txBody>
+      </p:sp>
+      <p:sp>
+        <p:nvSpPr>
+          <p:cNvPr id="180" name="Shape 180"/>
+          <p:cNvSpPr>
+            <a:spLocks noGrp="1" noRot="1" noChangeAspect="1"/>
+          </p:cNvSpPr>
+          <p:nvPr>
+            <p:ph type="sldImg" idx="2"/>
+          </p:nvPr>
+        </p:nvSpPr>
+        <p:spPr>
+          <a:xfrm>
+            <a:off x="381000" y="685800"/>
+            <a:ext cx="6096000" cy="3429000"/>
+          </a:xfrm>
+          <a:custGeom>
+            <a:avLst/>
+            <a:gdLst/>
+            <a:ahLst/>
+            <a:cxnLst/>
+            <a:rect l="0" t="0" r="0" b="0"/>
+            <a:pathLst>
+              <a:path w="120000" h="120000" extrusionOk="0">
+                <a:moveTo>
+                  <a:pt x="0" y="0"/>
+                </a:moveTo>
+                <a:lnTo>
+                  <a:pt x="120000" y="0"/>
+                </a:lnTo>
+                <a:lnTo>
+                  <a:pt x="120000" y="120000"/>
+                </a:lnTo>
+                <a:lnTo>
+                  <a:pt x="0" y="120000"/>
+                </a:lnTo>
+                <a:close/>
+              </a:path>
+            </a:pathLst>
+          </a:custGeom>
+        </p:spPr>
+      </p:sp>
+    </p:spTree>
+    <p:extLst>
+      <p:ext uri="{BB962C8B-B14F-4D97-AF65-F5344CB8AC3E}">
+        <p14:creationId xmlns:p14="http://schemas.microsoft.com/office/powerpoint/2010/main" val="1415845751"/>
+      </p:ext>
+    </p:extLst>
+  </p:cSld>
+  <p:clrMapOvr>
+    <a:masterClrMapping/>
+  </p:clrMapOvr>
+</p:notes>
+</file>
+
+<file path=ppt/notesSlides/notesSlide22.xml><?xml version="1.0" encoding="utf-8"?>
+<p:notes xmlns:a="http://schemas.openxmlformats.org/drawingml/2006/main" xmlns:r="http://schemas.openxmlformats.org/officeDocument/2006/relationships" xmlns:p="http://schemas.openxmlformats.org/presentationml/2006/main" showMasterSp="0" showMasterPhAnim="0">
+  <p:cSld>
+    <p:spTree>
+      <p:nvGrpSpPr>
+        <p:cNvPr id="1" name="Shape 184"/>
+        <p:cNvGrpSpPr/>
+        <p:nvPr/>
+      </p:nvGrpSpPr>
+      <p:grpSpPr>
+        <a:xfrm>
+          <a:off x="0" y="0"/>
+          <a:ext cx="0" cy="0"/>
+          <a:chOff x="0" y="0"/>
+          <a:chExt cx="0" cy="0"/>
+        </a:xfrm>
+      </p:grpSpPr>
+      <p:sp>
+        <p:nvSpPr>
+          <p:cNvPr id="185" name="Shape 185"/>
+          <p:cNvSpPr txBox="1">
+            <a:spLocks noGrp="1"/>
+          </p:cNvSpPr>
+          <p:nvPr>
+            <p:ph type="body" idx="1"/>
+          </p:nvPr>
+        </p:nvSpPr>
+        <p:spPr>
+          <a:xfrm>
+            <a:off x="685800" y="4343400"/>
+            <a:ext cx="5486399" cy="4114800"/>
+          </a:xfrm>
+          <a:prstGeom prst="rect">
+            <a:avLst/>
+          </a:prstGeom>
+        </p:spPr>
+        <p:txBody>
+          <a:bodyPr wrap="square" lIns="91425" tIns="91425" rIns="91425" bIns="91425" anchor="t" anchorCtr="0">
+            <a:noAutofit/>
+          </a:bodyPr>
+          <a:lstStyle/>
+          <a:p>
+            <a:pPr marL="0" lvl="0" indent="76200">
+              <a:spcBef>
+                <a:spcPts val="0"/>
+              </a:spcBef>
+              <a:buNone/>
+            </a:pPr>
+            <a:endParaRPr/>
+          </a:p>
+        </p:txBody>
+      </p:sp>
+      <p:sp>
+        <p:nvSpPr>
+          <p:cNvPr id="186" name="Shape 186"/>
+          <p:cNvSpPr>
+            <a:spLocks noGrp="1" noRot="1" noChangeAspect="1"/>
+          </p:cNvSpPr>
+          <p:nvPr>
+            <p:ph type="sldImg" idx="2"/>
+          </p:nvPr>
+        </p:nvSpPr>
+        <p:spPr>
+          <a:xfrm>
+            <a:off x="381000" y="685800"/>
+            <a:ext cx="6096000" cy="3429000"/>
+          </a:xfrm>
+          <a:custGeom>
+            <a:avLst/>
+            <a:gdLst/>
+            <a:ahLst/>
+            <a:cxnLst/>
+            <a:rect l="0" t="0" r="0" b="0"/>
+            <a:pathLst>
+              <a:path w="120000" h="120000" extrusionOk="0">
+                <a:moveTo>
+                  <a:pt x="0" y="0"/>
+                </a:moveTo>
+                <a:lnTo>
+                  <a:pt x="120000" y="0"/>
+                </a:lnTo>
+                <a:lnTo>
+                  <a:pt x="120000" y="120000"/>
+                </a:lnTo>
+                <a:lnTo>
+                  <a:pt x="0" y="120000"/>
+                </a:lnTo>
+                <a:close/>
+              </a:path>
+            </a:pathLst>
+          </a:custGeom>
+        </p:spPr>
+      </p:sp>
+    </p:spTree>
+    <p:extLst>
+      <p:ext uri="{BB962C8B-B14F-4D97-AF65-F5344CB8AC3E}">
+        <p14:creationId xmlns:p14="http://schemas.microsoft.com/office/powerpoint/2010/main" val="3566250752"/>
+      </p:ext>
+    </p:extLst>
+  </p:cSld>
+  <p:clrMapOvr>
+    <a:masterClrMapping/>
+  </p:clrMapOvr>
+</p:notes>
+</file>
+
+<file path=ppt/notesSlides/notesSlide23.xml><?xml version="1.0" encoding="utf-8"?>
+<p:notes xmlns:a="http://schemas.openxmlformats.org/drawingml/2006/main" xmlns:r="http://schemas.openxmlformats.org/officeDocument/2006/relationships" xmlns:p="http://schemas.openxmlformats.org/presentationml/2006/main" showMasterSp="0" showMasterPhAnim="0">
+  <p:cSld>
+    <p:spTree>
+      <p:nvGrpSpPr>
+        <p:cNvPr id="1" name="Shape 196"/>
+        <p:cNvGrpSpPr/>
+        <p:nvPr/>
+      </p:nvGrpSpPr>
+      <p:grpSpPr>
+        <a:xfrm>
+          <a:off x="0" y="0"/>
+          <a:ext cx="0" cy="0"/>
+          <a:chOff x="0" y="0"/>
+          <a:chExt cx="0" cy="0"/>
+        </a:xfrm>
+      </p:grpSpPr>
+      <p:sp>
+        <p:nvSpPr>
+          <p:cNvPr id="197" name="Shape 197"/>
+          <p:cNvSpPr txBox="1">
+            <a:spLocks noGrp="1"/>
+          </p:cNvSpPr>
+          <p:nvPr>
+            <p:ph type="body" idx="1"/>
+          </p:nvPr>
+        </p:nvSpPr>
+        <p:spPr>
+          <a:xfrm>
+            <a:off x="685800" y="4343400"/>
+            <a:ext cx="5486399" cy="4114800"/>
+          </a:xfrm>
+          <a:prstGeom prst="rect">
+            <a:avLst/>
+          </a:prstGeom>
+        </p:spPr>
+        <p:txBody>
+          <a:bodyPr wrap="square" lIns="91425" tIns="91425" rIns="91425" bIns="91425" anchor="t" anchorCtr="0">
+            <a:noAutofit/>
+          </a:bodyPr>
+          <a:lstStyle/>
+          <a:p>
+            <a:pPr marL="0" lvl="0" indent="76200">
+              <a:spcBef>
+                <a:spcPts val="0"/>
+              </a:spcBef>
+              <a:buNone/>
+            </a:pPr>
+            <a:endParaRPr/>
+          </a:p>
+        </p:txBody>
+      </p:sp>
+      <p:sp>
+        <p:nvSpPr>
+          <p:cNvPr id="198" name="Shape 198"/>
+          <p:cNvSpPr>
+            <a:spLocks noGrp="1" noRot="1" noChangeAspect="1"/>
+          </p:cNvSpPr>
+          <p:nvPr>
+            <p:ph type="sldImg" idx="2"/>
+          </p:nvPr>
+        </p:nvSpPr>
+        <p:spPr>
+          <a:xfrm>
+            <a:off x="381000" y="685800"/>
+            <a:ext cx="6096000" cy="3429000"/>
+          </a:xfrm>
+          <a:custGeom>
+            <a:avLst/>
+            <a:gdLst/>
+            <a:ahLst/>
+            <a:cxnLst/>
+            <a:rect l="0" t="0" r="0" b="0"/>
+            <a:pathLst>
+              <a:path w="120000" h="120000" extrusionOk="0">
+                <a:moveTo>
+                  <a:pt x="0" y="0"/>
+                </a:moveTo>
+                <a:lnTo>
+                  <a:pt x="120000" y="0"/>
+                </a:lnTo>
+                <a:lnTo>
+                  <a:pt x="120000" y="120000"/>
+                </a:lnTo>
+                <a:lnTo>
+                  <a:pt x="0" y="120000"/>
+                </a:lnTo>
+                <a:close/>
+              </a:path>
+            </a:pathLst>
+          </a:custGeom>
+        </p:spPr>
+      </p:sp>
+    </p:spTree>
+    <p:extLst>
+      <p:ext uri="{BB962C8B-B14F-4D97-AF65-F5344CB8AC3E}">
+        <p14:creationId xmlns:p14="http://schemas.microsoft.com/office/powerpoint/2010/main" val="2305667819"/>
+      </p:ext>
+    </p:extLst>
+  </p:cSld>
+  <p:clrMapOvr>
+    <a:masterClrMapping/>
+  </p:clrMapOvr>
+</p:notes>
+</file>
+
+<file path=ppt/notesSlides/notesSlide24.xml><?xml version="1.0" encoding="utf-8"?>
+<p:notes xmlns:a="http://schemas.openxmlformats.org/drawingml/2006/main" xmlns:r="http://schemas.openxmlformats.org/officeDocument/2006/relationships" xmlns:p="http://schemas.openxmlformats.org/presentationml/2006/main" showMasterSp="0" showMasterPhAnim="0">
+  <p:cSld>
+    <p:spTree>
+      <p:nvGrpSpPr>
+        <p:cNvPr id="1" name="Shape 204"/>
+        <p:cNvGrpSpPr/>
+        <p:nvPr/>
+      </p:nvGrpSpPr>
+      <p:grpSpPr>
+        <a:xfrm>
+          <a:off x="0" y="0"/>
+          <a:ext cx="0" cy="0"/>
+          <a:chOff x="0" y="0"/>
+          <a:chExt cx="0" cy="0"/>
+        </a:xfrm>
+      </p:grpSpPr>
+      <p:sp>
+        <p:nvSpPr>
+          <p:cNvPr id="205" name="Shape 205"/>
+          <p:cNvSpPr txBox="1">
+            <a:spLocks noGrp="1"/>
+          </p:cNvSpPr>
+          <p:nvPr>
+            <p:ph type="body" idx="1"/>
+          </p:nvPr>
+        </p:nvSpPr>
+        <p:spPr>
+          <a:xfrm>
+            <a:off x="685800" y="4343400"/>
+            <a:ext cx="5486400" cy="4114800"/>
+          </a:xfrm>
+          <a:prstGeom prst="rect">
+            <a:avLst/>
+          </a:prstGeom>
+        </p:spPr>
+        <p:txBody>
+          <a:bodyPr wrap="square" lIns="91425" tIns="91425" rIns="91425" bIns="91425" anchor="t" anchorCtr="0">
+            <a:noAutofit/>
+          </a:bodyPr>
+          <a:lstStyle/>
+          <a:p>
+            <a:pPr marL="0" lvl="0" indent="76200" rtl="0">
+              <a:spcBef>
+                <a:spcPts val="0"/>
+              </a:spcBef>
+              <a:buNone/>
+            </a:pPr>
+            <a:endParaRPr/>
+          </a:p>
+        </p:txBody>
+      </p:sp>
+      <p:sp>
+        <p:nvSpPr>
+          <p:cNvPr id="206" name="Shape 206"/>
+          <p:cNvSpPr>
+            <a:spLocks noGrp="1" noRot="1" noChangeAspect="1"/>
+          </p:cNvSpPr>
+          <p:nvPr>
+            <p:ph type="sldImg" idx="2"/>
+          </p:nvPr>
+        </p:nvSpPr>
+        <p:spPr>
+          <a:xfrm>
+            <a:off x="381000" y="685800"/>
+            <a:ext cx="6096000" cy="3429000"/>
+          </a:xfrm>
+          <a:custGeom>
+            <a:avLst/>
+            <a:gdLst/>
+            <a:ahLst/>
+            <a:cxnLst/>
+            <a:rect l="0" t="0" r="0" b="0"/>
+            <a:pathLst>
+              <a:path w="120000" h="120000" extrusionOk="0">
+                <a:moveTo>
+                  <a:pt x="0" y="0"/>
+                </a:moveTo>
+                <a:lnTo>
+                  <a:pt x="120000" y="0"/>
+                </a:lnTo>
+                <a:lnTo>
+                  <a:pt x="120000" y="120000"/>
+                </a:lnTo>
+                <a:lnTo>
+                  <a:pt x="0" y="120000"/>
+                </a:lnTo>
+                <a:close/>
+              </a:path>
+            </a:pathLst>
+          </a:custGeom>
+        </p:spPr>
+      </p:sp>
+    </p:spTree>
+    <p:extLst>
+      <p:ext uri="{BB962C8B-B14F-4D97-AF65-F5344CB8AC3E}">
+        <p14:creationId xmlns:p14="http://schemas.microsoft.com/office/powerpoint/2010/main" val="3849568602"/>
+      </p:ext>
+    </p:extLst>
+  </p:cSld>
+  <p:clrMapOvr>
+    <a:masterClrMapping/>
+  </p:clrMapOvr>
+</p:notes>
+</file>
+
+<file path=ppt/notesSlides/notesSlide25.xml><?xml version="1.0" encoding="utf-8"?>
+<p:notes xmlns:a="http://schemas.openxmlformats.org/drawingml/2006/main" xmlns:r="http://schemas.openxmlformats.org/officeDocument/2006/relationships" xmlns:p="http://schemas.openxmlformats.org/presentationml/2006/main" showMasterSp="0" showMasterPhAnim="0">
+  <p:cSld>
+    <p:spTree>
+      <p:nvGrpSpPr>
+        <p:cNvPr id="1" name="Shape 210"/>
+        <p:cNvGrpSpPr/>
+        <p:nvPr/>
+      </p:nvGrpSpPr>
+      <p:grpSpPr>
+        <a:xfrm>
+          <a:off x="0" y="0"/>
+          <a:ext cx="0" cy="0"/>
+          <a:chOff x="0" y="0"/>
+          <a:chExt cx="0" cy="0"/>
+        </a:xfrm>
+      </p:grpSpPr>
+      <p:sp>
+        <p:nvSpPr>
+          <p:cNvPr id="211" name="Shape 211"/>
+          <p:cNvSpPr txBox="1">
+            <a:spLocks noGrp="1"/>
+          </p:cNvSpPr>
+          <p:nvPr>
+            <p:ph type="body" idx="1"/>
+          </p:nvPr>
+        </p:nvSpPr>
+        <p:spPr>
+          <a:xfrm>
+            <a:off x="685800" y="4343400"/>
+            <a:ext cx="5486400" cy="4114800"/>
+          </a:xfrm>
+          <a:prstGeom prst="rect">
+            <a:avLst/>
+          </a:prstGeom>
+        </p:spPr>
+        <p:txBody>
+          <a:bodyPr wrap="square" lIns="91425" tIns="91425" rIns="91425" bIns="91425" anchor="t" anchorCtr="0">
+            <a:noAutofit/>
+          </a:bodyPr>
+          <a:lstStyle/>
+          <a:p>
+            <a:pPr marL="0" lvl="0" indent="76200" rtl="0">
+              <a:spcBef>
+                <a:spcPts val="0"/>
+              </a:spcBef>
+              <a:buNone/>
+            </a:pPr>
+            <a:endParaRPr/>
+          </a:p>
+        </p:txBody>
+      </p:sp>
+      <p:sp>
+        <p:nvSpPr>
+          <p:cNvPr id="212" name="Shape 212"/>
+          <p:cNvSpPr>
+            <a:spLocks noGrp="1" noRot="1" noChangeAspect="1"/>
+          </p:cNvSpPr>
+          <p:nvPr>
+            <p:ph type="sldImg" idx="2"/>
+          </p:nvPr>
+        </p:nvSpPr>
+        <p:spPr>
+          <a:xfrm>
+            <a:off x="381000" y="685800"/>
+            <a:ext cx="6096000" cy="3429000"/>
+          </a:xfrm>
+          <a:custGeom>
+            <a:avLst/>
+            <a:gdLst/>
+            <a:ahLst/>
+            <a:cxnLst/>
+            <a:rect l="0" t="0" r="0" b="0"/>
+            <a:pathLst>
+              <a:path w="120000" h="120000" extrusionOk="0">
+                <a:moveTo>
+                  <a:pt x="0" y="0"/>
+                </a:moveTo>
+                <a:lnTo>
+                  <a:pt x="120000" y="0"/>
+                </a:lnTo>
+                <a:lnTo>
+                  <a:pt x="120000" y="120000"/>
+                </a:lnTo>
+                <a:lnTo>
+                  <a:pt x="0" y="120000"/>
+                </a:lnTo>
+                <a:close/>
+              </a:path>
+            </a:pathLst>
+          </a:custGeom>
+        </p:spPr>
+      </p:sp>
+    </p:spTree>
+    <p:extLst>
+      <p:ext uri="{BB962C8B-B14F-4D97-AF65-F5344CB8AC3E}">
+        <p14:creationId xmlns:p14="http://schemas.microsoft.com/office/powerpoint/2010/main" val="1630824655"/>
+      </p:ext>
+    </p:extLst>
+  </p:cSld>
+  <p:clrMapOvr>
+    <a:masterClrMapping/>
+  </p:clrMapOvr>
+</p:notes>
+</file>
+
+<file path=ppt/notesSlides/notesSlide26.xml><?xml version="1.0" encoding="utf-8"?>
+<p:notes xmlns:a="http://schemas.openxmlformats.org/drawingml/2006/main" xmlns:r="http://schemas.openxmlformats.org/officeDocument/2006/relationships" xmlns:p="http://schemas.openxmlformats.org/presentationml/2006/main" showMasterSp="0" showMasterPhAnim="0">
+  <p:cSld>
+    <p:spTree>
+      <p:nvGrpSpPr>
+        <p:cNvPr id="1" name="Shape 218"/>
+        <p:cNvGrpSpPr/>
+        <p:nvPr/>
+      </p:nvGrpSpPr>
+      <p:grpSpPr>
+        <a:xfrm>
+          <a:off x="0" y="0"/>
+          <a:ext cx="0" cy="0"/>
+          <a:chOff x="0" y="0"/>
+          <a:chExt cx="0" cy="0"/>
+        </a:xfrm>
+      </p:grpSpPr>
+      <p:sp>
+        <p:nvSpPr>
+          <p:cNvPr id="219" name="Shape 219"/>
+          <p:cNvSpPr txBox="1">
+            <a:spLocks noGrp="1"/>
+          </p:cNvSpPr>
+          <p:nvPr>
+            <p:ph type="body" idx="1"/>
+          </p:nvPr>
+        </p:nvSpPr>
+        <p:spPr>
+          <a:xfrm>
+            <a:off x="685800" y="4343400"/>
+            <a:ext cx="5486400" cy="4114800"/>
+          </a:xfrm>
+          <a:prstGeom prst="rect">
+            <a:avLst/>
+          </a:prstGeom>
+        </p:spPr>
+        <p:txBody>
+          <a:bodyPr wrap="square" lIns="91425" tIns="91425" rIns="91425" bIns="91425" anchor="t" anchorCtr="0">
+            <a:noAutofit/>
+          </a:bodyPr>
+          <a:lstStyle/>
+          <a:p>
+            <a:pPr marL="0" lvl="0" indent="76200" rtl="0">
+              <a:spcBef>
+                <a:spcPts val="0"/>
+              </a:spcBef>
+              <a:buNone/>
+            </a:pPr>
+            <a:endParaRPr/>
+          </a:p>
+        </p:txBody>
+      </p:sp>
+      <p:sp>
+        <p:nvSpPr>
+          <p:cNvPr id="220" name="Shape 220"/>
+          <p:cNvSpPr>
+            <a:spLocks noGrp="1" noRot="1" noChangeAspect="1"/>
+          </p:cNvSpPr>
+          <p:nvPr>
+            <p:ph type="sldImg" idx="2"/>
+          </p:nvPr>
+        </p:nvSpPr>
+        <p:spPr>
+          <a:xfrm>
+            <a:off x="381000" y="685800"/>
+            <a:ext cx="6096000" cy="3429000"/>
+          </a:xfrm>
+          <a:custGeom>
+            <a:avLst/>
+            <a:gdLst/>
+            <a:ahLst/>
+            <a:cxnLst/>
+            <a:rect l="0" t="0" r="0" b="0"/>
+            <a:pathLst>
+              <a:path w="120000" h="120000" extrusionOk="0">
+                <a:moveTo>
+                  <a:pt x="0" y="0"/>
+                </a:moveTo>
+                <a:lnTo>
+                  <a:pt x="120000" y="0"/>
+                </a:lnTo>
+                <a:lnTo>
+                  <a:pt x="120000" y="120000"/>
+                </a:lnTo>
+                <a:lnTo>
+                  <a:pt x="0" y="120000"/>
+                </a:lnTo>
+                <a:close/>
+              </a:path>
+            </a:pathLst>
+          </a:custGeom>
+        </p:spPr>
+      </p:sp>
+    </p:spTree>
+    <p:extLst>
+      <p:ext uri="{BB962C8B-B14F-4D97-AF65-F5344CB8AC3E}">
+        <p14:creationId xmlns:p14="http://schemas.microsoft.com/office/powerpoint/2010/main" val="72557536"/>
+      </p:ext>
+    </p:extLst>
+  </p:cSld>
+  <p:clrMapOvr>
+    <a:masterClrMapping/>
+  </p:clrMapOvr>
+</p:notes>
+</file>
+
+<file path=ppt/notesSlides/notesSlide27.xml><?xml version="1.0" encoding="utf-8"?>
 <p:notes xmlns:a="http://schemas.openxmlformats.org/drawingml/2006/main" xmlns:r="http://schemas.openxmlformats.org/officeDocument/2006/relationships" xmlns:p="http://schemas.openxmlformats.org/presentationml/2006/main" showMasterSp="0" showMasterPhAnim="0">
   <p:cSld>
     <p:spTree>
@@ -4108,6 +3681,430 @@
     <p:extLst>
       <p:ext uri="{BB962C8B-B14F-4D97-AF65-F5344CB8AC3E}">
         <p14:creationId xmlns:p14="http://schemas.microsoft.com/office/powerpoint/2010/main" val="3261610413"/>
+      </p:ext>
+    </p:extLst>
+  </p:cSld>
+  <p:clrMapOvr>
+    <a:masterClrMapping/>
+  </p:clrMapOvr>
+</p:notes>
+</file>
+
+<file path=ppt/notesSlides/notesSlide28.xml><?xml version="1.0" encoding="utf-8"?>
+<p:notes xmlns:a="http://schemas.openxmlformats.org/drawingml/2006/main" xmlns:r="http://schemas.openxmlformats.org/officeDocument/2006/relationships" xmlns:p="http://schemas.openxmlformats.org/presentationml/2006/main" showMasterSp="0" showMasterPhAnim="0">
+  <p:cSld>
+    <p:spTree>
+      <p:nvGrpSpPr>
+        <p:cNvPr id="1" name="Shape 160"/>
+        <p:cNvGrpSpPr/>
+        <p:nvPr/>
+      </p:nvGrpSpPr>
+      <p:grpSpPr>
+        <a:xfrm>
+          <a:off x="0" y="0"/>
+          <a:ext cx="0" cy="0"/>
+          <a:chOff x="0" y="0"/>
+          <a:chExt cx="0" cy="0"/>
+        </a:xfrm>
+      </p:grpSpPr>
+      <p:sp>
+        <p:nvSpPr>
+          <p:cNvPr id="161" name="Shape 161"/>
+          <p:cNvSpPr txBox="1">
+            <a:spLocks noGrp="1"/>
+          </p:cNvSpPr>
+          <p:nvPr>
+            <p:ph type="body" idx="1"/>
+          </p:nvPr>
+        </p:nvSpPr>
+        <p:spPr>
+          <a:xfrm>
+            <a:off x="685800" y="4343400"/>
+            <a:ext cx="5486399" cy="4114800"/>
+          </a:xfrm>
+          <a:prstGeom prst="rect">
+            <a:avLst/>
+          </a:prstGeom>
+        </p:spPr>
+        <p:txBody>
+          <a:bodyPr wrap="square" lIns="91425" tIns="91425" rIns="91425" bIns="91425" anchor="t" anchorCtr="0">
+            <a:noAutofit/>
+          </a:bodyPr>
+          <a:lstStyle/>
+          <a:p>
+            <a:pPr marL="0" lvl="0" indent="76200">
+              <a:spcBef>
+                <a:spcPts val="0"/>
+              </a:spcBef>
+              <a:buNone/>
+            </a:pPr>
+            <a:endParaRPr/>
+          </a:p>
+        </p:txBody>
+      </p:sp>
+      <p:sp>
+        <p:nvSpPr>
+          <p:cNvPr id="162" name="Shape 162"/>
+          <p:cNvSpPr>
+            <a:spLocks noGrp="1" noRot="1" noChangeAspect="1"/>
+          </p:cNvSpPr>
+          <p:nvPr>
+            <p:ph type="sldImg" idx="2"/>
+          </p:nvPr>
+        </p:nvSpPr>
+        <p:spPr>
+          <a:xfrm>
+            <a:off x="381000" y="685800"/>
+            <a:ext cx="6096000" cy="3429000"/>
+          </a:xfrm>
+          <a:custGeom>
+            <a:avLst/>
+            <a:gdLst/>
+            <a:ahLst/>
+            <a:cxnLst/>
+            <a:rect l="0" t="0" r="0" b="0"/>
+            <a:pathLst>
+              <a:path w="120000" h="120000" extrusionOk="0">
+                <a:moveTo>
+                  <a:pt x="0" y="0"/>
+                </a:moveTo>
+                <a:lnTo>
+                  <a:pt x="120000" y="0"/>
+                </a:lnTo>
+                <a:lnTo>
+                  <a:pt x="120000" y="120000"/>
+                </a:lnTo>
+                <a:lnTo>
+                  <a:pt x="0" y="120000"/>
+                </a:lnTo>
+                <a:close/>
+              </a:path>
+            </a:pathLst>
+          </a:custGeom>
+        </p:spPr>
+      </p:sp>
+    </p:spTree>
+    <p:extLst>
+      <p:ext uri="{BB962C8B-B14F-4D97-AF65-F5344CB8AC3E}">
+        <p14:creationId xmlns:p14="http://schemas.microsoft.com/office/powerpoint/2010/main" val="2771631121"/>
+      </p:ext>
+    </p:extLst>
+  </p:cSld>
+  <p:clrMapOvr>
+    <a:masterClrMapping/>
+  </p:clrMapOvr>
+</p:notes>
+</file>
+
+<file path=ppt/notesSlides/notesSlide29.xml><?xml version="1.0" encoding="utf-8"?>
+<p:notes xmlns:a="http://schemas.openxmlformats.org/drawingml/2006/main" xmlns:r="http://schemas.openxmlformats.org/officeDocument/2006/relationships" xmlns:p="http://schemas.openxmlformats.org/presentationml/2006/main" showMasterSp="0" showMasterPhAnim="0">
+  <p:cSld>
+    <p:spTree>
+      <p:nvGrpSpPr>
+        <p:cNvPr id="1" name="Shape 160"/>
+        <p:cNvGrpSpPr/>
+        <p:nvPr/>
+      </p:nvGrpSpPr>
+      <p:grpSpPr>
+        <a:xfrm>
+          <a:off x="0" y="0"/>
+          <a:ext cx="0" cy="0"/>
+          <a:chOff x="0" y="0"/>
+          <a:chExt cx="0" cy="0"/>
+        </a:xfrm>
+      </p:grpSpPr>
+      <p:sp>
+        <p:nvSpPr>
+          <p:cNvPr id="161" name="Shape 161"/>
+          <p:cNvSpPr txBox="1">
+            <a:spLocks noGrp="1"/>
+          </p:cNvSpPr>
+          <p:nvPr>
+            <p:ph type="body" idx="1"/>
+          </p:nvPr>
+        </p:nvSpPr>
+        <p:spPr>
+          <a:xfrm>
+            <a:off x="685800" y="4343400"/>
+            <a:ext cx="5486399" cy="4114800"/>
+          </a:xfrm>
+          <a:prstGeom prst="rect">
+            <a:avLst/>
+          </a:prstGeom>
+        </p:spPr>
+        <p:txBody>
+          <a:bodyPr wrap="square" lIns="91425" tIns="91425" rIns="91425" bIns="91425" anchor="t" anchorCtr="0">
+            <a:noAutofit/>
+          </a:bodyPr>
+          <a:lstStyle/>
+          <a:p>
+            <a:pPr marL="0" lvl="0" indent="76200">
+              <a:spcBef>
+                <a:spcPts val="0"/>
+              </a:spcBef>
+              <a:buNone/>
+            </a:pPr>
+            <a:endParaRPr/>
+          </a:p>
+        </p:txBody>
+      </p:sp>
+      <p:sp>
+        <p:nvSpPr>
+          <p:cNvPr id="162" name="Shape 162"/>
+          <p:cNvSpPr>
+            <a:spLocks noGrp="1" noRot="1" noChangeAspect="1"/>
+          </p:cNvSpPr>
+          <p:nvPr>
+            <p:ph type="sldImg" idx="2"/>
+          </p:nvPr>
+        </p:nvSpPr>
+        <p:spPr>
+          <a:xfrm>
+            <a:off x="381000" y="685800"/>
+            <a:ext cx="6096000" cy="3429000"/>
+          </a:xfrm>
+          <a:custGeom>
+            <a:avLst/>
+            <a:gdLst/>
+            <a:ahLst/>
+            <a:cxnLst/>
+            <a:rect l="0" t="0" r="0" b="0"/>
+            <a:pathLst>
+              <a:path w="120000" h="120000" extrusionOk="0">
+                <a:moveTo>
+                  <a:pt x="0" y="0"/>
+                </a:moveTo>
+                <a:lnTo>
+                  <a:pt x="120000" y="0"/>
+                </a:lnTo>
+                <a:lnTo>
+                  <a:pt x="120000" y="120000"/>
+                </a:lnTo>
+                <a:lnTo>
+                  <a:pt x="0" y="120000"/>
+                </a:lnTo>
+                <a:close/>
+              </a:path>
+            </a:pathLst>
+          </a:custGeom>
+        </p:spPr>
+      </p:sp>
+    </p:spTree>
+    <p:extLst>
+      <p:ext uri="{BB962C8B-B14F-4D97-AF65-F5344CB8AC3E}">
+        <p14:creationId xmlns:p14="http://schemas.microsoft.com/office/powerpoint/2010/main" val="2688356703"/>
+      </p:ext>
+    </p:extLst>
+  </p:cSld>
+  <p:clrMapOvr>
+    <a:masterClrMapping/>
+  </p:clrMapOvr>
+</p:notes>
+</file>
+
+<file path=ppt/notesSlides/notesSlide3.xml><?xml version="1.0" encoding="utf-8"?>
+<p:notes xmlns:a="http://schemas.openxmlformats.org/drawingml/2006/main" xmlns:r="http://schemas.openxmlformats.org/officeDocument/2006/relationships" xmlns:p="http://schemas.openxmlformats.org/presentationml/2006/main" showMasterSp="0" showMasterPhAnim="0">
+  <p:cSld>
+    <p:spTree>
+      <p:nvGrpSpPr>
+        <p:cNvPr id="1" name="Shape 34"/>
+        <p:cNvGrpSpPr/>
+        <p:nvPr/>
+      </p:nvGrpSpPr>
+      <p:grpSpPr>
+        <a:xfrm>
+          <a:off x="0" y="0"/>
+          <a:ext cx="0" cy="0"/>
+          <a:chOff x="0" y="0"/>
+          <a:chExt cx="0" cy="0"/>
+        </a:xfrm>
+      </p:grpSpPr>
+      <p:sp>
+        <p:nvSpPr>
+          <p:cNvPr id="35" name="Shape 35"/>
+          <p:cNvSpPr txBox="1">
+            <a:spLocks noGrp="1"/>
+          </p:cNvSpPr>
+          <p:nvPr>
+            <p:ph type="body" idx="1"/>
+          </p:nvPr>
+        </p:nvSpPr>
+        <p:spPr>
+          <a:xfrm>
+            <a:off x="685800" y="4343400"/>
+            <a:ext cx="5486399" cy="4114800"/>
+          </a:xfrm>
+          <a:prstGeom prst="rect">
+            <a:avLst/>
+          </a:prstGeom>
+        </p:spPr>
+        <p:txBody>
+          <a:bodyPr wrap="square" lIns="91425" tIns="91425" rIns="91425" bIns="91425" anchor="t" anchorCtr="0">
+            <a:noAutofit/>
+          </a:bodyPr>
+          <a:lstStyle/>
+          <a:p>
+            <a:pPr marL="0" lvl="0" indent="76200">
+              <a:spcBef>
+                <a:spcPts val="0"/>
+              </a:spcBef>
+              <a:buNone/>
+            </a:pPr>
+            <a:endParaRPr/>
+          </a:p>
+        </p:txBody>
+      </p:sp>
+      <p:sp>
+        <p:nvSpPr>
+          <p:cNvPr id="36" name="Shape 36"/>
+          <p:cNvSpPr>
+            <a:spLocks noGrp="1" noRot="1" noChangeAspect="1"/>
+          </p:cNvSpPr>
+          <p:nvPr>
+            <p:ph type="sldImg" idx="2"/>
+          </p:nvPr>
+        </p:nvSpPr>
+        <p:spPr>
+          <a:xfrm>
+            <a:off x="381000" y="685800"/>
+            <a:ext cx="6096000" cy="3429000"/>
+          </a:xfrm>
+          <a:custGeom>
+            <a:avLst/>
+            <a:gdLst/>
+            <a:ahLst/>
+            <a:cxnLst/>
+            <a:rect l="0" t="0" r="0" b="0"/>
+            <a:pathLst>
+              <a:path w="120000" h="120000" extrusionOk="0">
+                <a:moveTo>
+                  <a:pt x="0" y="0"/>
+                </a:moveTo>
+                <a:lnTo>
+                  <a:pt x="120000" y="0"/>
+                </a:lnTo>
+                <a:lnTo>
+                  <a:pt x="120000" y="120000"/>
+                </a:lnTo>
+                <a:lnTo>
+                  <a:pt x="0" y="120000"/>
+                </a:lnTo>
+                <a:close/>
+              </a:path>
+            </a:pathLst>
+          </a:custGeom>
+        </p:spPr>
+      </p:sp>
+    </p:spTree>
+    <p:extLst>
+      <p:ext uri="{BB962C8B-B14F-4D97-AF65-F5344CB8AC3E}">
+        <p14:creationId xmlns:p14="http://schemas.microsoft.com/office/powerpoint/2010/main" val="464775550"/>
+      </p:ext>
+    </p:extLst>
+  </p:cSld>
+  <p:clrMapOvr>
+    <a:masterClrMapping/>
+  </p:clrMapOvr>
+</p:notes>
+</file>
+
+<file path=ppt/notesSlides/notesSlide30.xml><?xml version="1.0" encoding="utf-8"?>
+<p:notes xmlns:a="http://schemas.openxmlformats.org/drawingml/2006/main" xmlns:r="http://schemas.openxmlformats.org/officeDocument/2006/relationships" xmlns:p="http://schemas.openxmlformats.org/presentationml/2006/main" showMasterSp="0" showMasterPhAnim="0">
+  <p:cSld>
+    <p:spTree>
+      <p:nvGrpSpPr>
+        <p:cNvPr id="1" name="Shape 160"/>
+        <p:cNvGrpSpPr/>
+        <p:nvPr/>
+      </p:nvGrpSpPr>
+      <p:grpSpPr>
+        <a:xfrm>
+          <a:off x="0" y="0"/>
+          <a:ext cx="0" cy="0"/>
+          <a:chOff x="0" y="0"/>
+          <a:chExt cx="0" cy="0"/>
+        </a:xfrm>
+      </p:grpSpPr>
+      <p:sp>
+        <p:nvSpPr>
+          <p:cNvPr id="161" name="Shape 161"/>
+          <p:cNvSpPr txBox="1">
+            <a:spLocks noGrp="1"/>
+          </p:cNvSpPr>
+          <p:nvPr>
+            <p:ph type="body" idx="1"/>
+          </p:nvPr>
+        </p:nvSpPr>
+        <p:spPr>
+          <a:xfrm>
+            <a:off x="685800" y="4343400"/>
+            <a:ext cx="5486399" cy="4114800"/>
+          </a:xfrm>
+          <a:prstGeom prst="rect">
+            <a:avLst/>
+          </a:prstGeom>
+        </p:spPr>
+        <p:txBody>
+          <a:bodyPr wrap="square" lIns="91425" tIns="91425" rIns="91425" bIns="91425" anchor="t" anchorCtr="0">
+            <a:noAutofit/>
+          </a:bodyPr>
+          <a:lstStyle/>
+          <a:p>
+            <a:pPr marL="0" lvl="0" indent="76200">
+              <a:spcBef>
+                <a:spcPts val="0"/>
+              </a:spcBef>
+              <a:buNone/>
+            </a:pPr>
+            <a:endParaRPr/>
+          </a:p>
+        </p:txBody>
+      </p:sp>
+      <p:sp>
+        <p:nvSpPr>
+          <p:cNvPr id="162" name="Shape 162"/>
+          <p:cNvSpPr>
+            <a:spLocks noGrp="1" noRot="1" noChangeAspect="1"/>
+          </p:cNvSpPr>
+          <p:nvPr>
+            <p:ph type="sldImg" idx="2"/>
+          </p:nvPr>
+        </p:nvSpPr>
+        <p:spPr>
+          <a:xfrm>
+            <a:off x="381000" y="685800"/>
+            <a:ext cx="6096000" cy="3429000"/>
+          </a:xfrm>
+          <a:custGeom>
+            <a:avLst/>
+            <a:gdLst/>
+            <a:ahLst/>
+            <a:cxnLst/>
+            <a:rect l="0" t="0" r="0" b="0"/>
+            <a:pathLst>
+              <a:path w="120000" h="120000" extrusionOk="0">
+                <a:moveTo>
+                  <a:pt x="0" y="0"/>
+                </a:moveTo>
+                <a:lnTo>
+                  <a:pt x="120000" y="0"/>
+                </a:lnTo>
+                <a:lnTo>
+                  <a:pt x="120000" y="120000"/>
+                </a:lnTo>
+                <a:lnTo>
+                  <a:pt x="0" y="120000"/>
+                </a:lnTo>
+                <a:close/>
+              </a:path>
+            </a:pathLst>
+          </a:custGeom>
+        </p:spPr>
+      </p:sp>
+    </p:spTree>
+    <p:extLst>
+      <p:ext uri="{BB962C8B-B14F-4D97-AF65-F5344CB8AC3E}">
+        <p14:creationId xmlns:p14="http://schemas.microsoft.com/office/powerpoint/2010/main" val="2765561504"/>
       </p:ext>
     </p:extLst>
   </p:cSld>
@@ -4213,7 +4210,7 @@
     </p:spTree>
     <p:extLst>
       <p:ext uri="{BB962C8B-B14F-4D97-AF65-F5344CB8AC3E}">
-        <p14:creationId xmlns:p14="http://schemas.microsoft.com/office/powerpoint/2010/main" val="2771631121"/>
+        <p14:creationId xmlns:p14="http://schemas.microsoft.com/office/powerpoint/2010/main" val="2324747615"/>
       </p:ext>
     </p:extLst>
   </p:cSld>
@@ -4224,324 +4221,6 @@
 </file>
 
 <file path=ppt/notesSlides/notesSlide32.xml><?xml version="1.0" encoding="utf-8"?>
-<p:notes xmlns:a="http://schemas.openxmlformats.org/drawingml/2006/main" xmlns:r="http://schemas.openxmlformats.org/officeDocument/2006/relationships" xmlns:p="http://schemas.openxmlformats.org/presentationml/2006/main" showMasterSp="0" showMasterPhAnim="0">
-  <p:cSld>
-    <p:spTree>
-      <p:nvGrpSpPr>
-        <p:cNvPr id="1" name="Shape 160"/>
-        <p:cNvGrpSpPr/>
-        <p:nvPr/>
-      </p:nvGrpSpPr>
-      <p:grpSpPr>
-        <a:xfrm>
-          <a:off x="0" y="0"/>
-          <a:ext cx="0" cy="0"/>
-          <a:chOff x="0" y="0"/>
-          <a:chExt cx="0" cy="0"/>
-        </a:xfrm>
-      </p:grpSpPr>
-      <p:sp>
-        <p:nvSpPr>
-          <p:cNvPr id="161" name="Shape 161"/>
-          <p:cNvSpPr txBox="1">
-            <a:spLocks noGrp="1"/>
-          </p:cNvSpPr>
-          <p:nvPr>
-            <p:ph type="body" idx="1"/>
-          </p:nvPr>
-        </p:nvSpPr>
-        <p:spPr>
-          <a:xfrm>
-            <a:off x="685800" y="4343400"/>
-            <a:ext cx="5486399" cy="4114800"/>
-          </a:xfrm>
-          <a:prstGeom prst="rect">
-            <a:avLst/>
-          </a:prstGeom>
-        </p:spPr>
-        <p:txBody>
-          <a:bodyPr wrap="square" lIns="91425" tIns="91425" rIns="91425" bIns="91425" anchor="t" anchorCtr="0">
-            <a:noAutofit/>
-          </a:bodyPr>
-          <a:lstStyle/>
-          <a:p>
-            <a:pPr marL="0" lvl="0" indent="76200">
-              <a:spcBef>
-                <a:spcPts val="0"/>
-              </a:spcBef>
-              <a:buNone/>
-            </a:pPr>
-            <a:endParaRPr/>
-          </a:p>
-        </p:txBody>
-      </p:sp>
-      <p:sp>
-        <p:nvSpPr>
-          <p:cNvPr id="162" name="Shape 162"/>
-          <p:cNvSpPr>
-            <a:spLocks noGrp="1" noRot="1" noChangeAspect="1"/>
-          </p:cNvSpPr>
-          <p:nvPr>
-            <p:ph type="sldImg" idx="2"/>
-          </p:nvPr>
-        </p:nvSpPr>
-        <p:spPr>
-          <a:xfrm>
-            <a:off x="381000" y="685800"/>
-            <a:ext cx="6096000" cy="3429000"/>
-          </a:xfrm>
-          <a:custGeom>
-            <a:avLst/>
-            <a:gdLst/>
-            <a:ahLst/>
-            <a:cxnLst/>
-            <a:rect l="0" t="0" r="0" b="0"/>
-            <a:pathLst>
-              <a:path w="120000" h="120000" extrusionOk="0">
-                <a:moveTo>
-                  <a:pt x="0" y="0"/>
-                </a:moveTo>
-                <a:lnTo>
-                  <a:pt x="120000" y="0"/>
-                </a:lnTo>
-                <a:lnTo>
-                  <a:pt x="120000" y="120000"/>
-                </a:lnTo>
-                <a:lnTo>
-                  <a:pt x="0" y="120000"/>
-                </a:lnTo>
-                <a:close/>
-              </a:path>
-            </a:pathLst>
-          </a:custGeom>
-        </p:spPr>
-      </p:sp>
-    </p:spTree>
-    <p:extLst>
-      <p:ext uri="{BB962C8B-B14F-4D97-AF65-F5344CB8AC3E}">
-        <p14:creationId xmlns:p14="http://schemas.microsoft.com/office/powerpoint/2010/main" val="2688356703"/>
-      </p:ext>
-    </p:extLst>
-  </p:cSld>
-  <p:clrMapOvr>
-    <a:masterClrMapping/>
-  </p:clrMapOvr>
-</p:notes>
-</file>
-
-<file path=ppt/notesSlides/notesSlide33.xml><?xml version="1.0" encoding="utf-8"?>
-<p:notes xmlns:a="http://schemas.openxmlformats.org/drawingml/2006/main" xmlns:r="http://schemas.openxmlformats.org/officeDocument/2006/relationships" xmlns:p="http://schemas.openxmlformats.org/presentationml/2006/main" showMasterSp="0" showMasterPhAnim="0">
-  <p:cSld>
-    <p:spTree>
-      <p:nvGrpSpPr>
-        <p:cNvPr id="1" name="Shape 160"/>
-        <p:cNvGrpSpPr/>
-        <p:nvPr/>
-      </p:nvGrpSpPr>
-      <p:grpSpPr>
-        <a:xfrm>
-          <a:off x="0" y="0"/>
-          <a:ext cx="0" cy="0"/>
-          <a:chOff x="0" y="0"/>
-          <a:chExt cx="0" cy="0"/>
-        </a:xfrm>
-      </p:grpSpPr>
-      <p:sp>
-        <p:nvSpPr>
-          <p:cNvPr id="161" name="Shape 161"/>
-          <p:cNvSpPr txBox="1">
-            <a:spLocks noGrp="1"/>
-          </p:cNvSpPr>
-          <p:nvPr>
-            <p:ph type="body" idx="1"/>
-          </p:nvPr>
-        </p:nvSpPr>
-        <p:spPr>
-          <a:xfrm>
-            <a:off x="685800" y="4343400"/>
-            <a:ext cx="5486399" cy="4114800"/>
-          </a:xfrm>
-          <a:prstGeom prst="rect">
-            <a:avLst/>
-          </a:prstGeom>
-        </p:spPr>
-        <p:txBody>
-          <a:bodyPr wrap="square" lIns="91425" tIns="91425" rIns="91425" bIns="91425" anchor="t" anchorCtr="0">
-            <a:noAutofit/>
-          </a:bodyPr>
-          <a:lstStyle/>
-          <a:p>
-            <a:pPr marL="0" lvl="0" indent="76200">
-              <a:spcBef>
-                <a:spcPts val="0"/>
-              </a:spcBef>
-              <a:buNone/>
-            </a:pPr>
-            <a:endParaRPr/>
-          </a:p>
-        </p:txBody>
-      </p:sp>
-      <p:sp>
-        <p:nvSpPr>
-          <p:cNvPr id="162" name="Shape 162"/>
-          <p:cNvSpPr>
-            <a:spLocks noGrp="1" noRot="1" noChangeAspect="1"/>
-          </p:cNvSpPr>
-          <p:nvPr>
-            <p:ph type="sldImg" idx="2"/>
-          </p:nvPr>
-        </p:nvSpPr>
-        <p:spPr>
-          <a:xfrm>
-            <a:off x="381000" y="685800"/>
-            <a:ext cx="6096000" cy="3429000"/>
-          </a:xfrm>
-          <a:custGeom>
-            <a:avLst/>
-            <a:gdLst/>
-            <a:ahLst/>
-            <a:cxnLst/>
-            <a:rect l="0" t="0" r="0" b="0"/>
-            <a:pathLst>
-              <a:path w="120000" h="120000" extrusionOk="0">
-                <a:moveTo>
-                  <a:pt x="0" y="0"/>
-                </a:moveTo>
-                <a:lnTo>
-                  <a:pt x="120000" y="0"/>
-                </a:lnTo>
-                <a:lnTo>
-                  <a:pt x="120000" y="120000"/>
-                </a:lnTo>
-                <a:lnTo>
-                  <a:pt x="0" y="120000"/>
-                </a:lnTo>
-                <a:close/>
-              </a:path>
-            </a:pathLst>
-          </a:custGeom>
-        </p:spPr>
-      </p:sp>
-    </p:spTree>
-    <p:extLst>
-      <p:ext uri="{BB962C8B-B14F-4D97-AF65-F5344CB8AC3E}">
-        <p14:creationId xmlns:p14="http://schemas.microsoft.com/office/powerpoint/2010/main" val="2765561504"/>
-      </p:ext>
-    </p:extLst>
-  </p:cSld>
-  <p:clrMapOvr>
-    <a:masterClrMapping/>
-  </p:clrMapOvr>
-</p:notes>
-</file>
-
-<file path=ppt/notesSlides/notesSlide34.xml><?xml version="1.0" encoding="utf-8"?>
-<p:notes xmlns:a="http://schemas.openxmlformats.org/drawingml/2006/main" xmlns:r="http://schemas.openxmlformats.org/officeDocument/2006/relationships" xmlns:p="http://schemas.openxmlformats.org/presentationml/2006/main" showMasterSp="0" showMasterPhAnim="0">
-  <p:cSld>
-    <p:spTree>
-      <p:nvGrpSpPr>
-        <p:cNvPr id="1" name="Shape 160"/>
-        <p:cNvGrpSpPr/>
-        <p:nvPr/>
-      </p:nvGrpSpPr>
-      <p:grpSpPr>
-        <a:xfrm>
-          <a:off x="0" y="0"/>
-          <a:ext cx="0" cy="0"/>
-          <a:chOff x="0" y="0"/>
-          <a:chExt cx="0" cy="0"/>
-        </a:xfrm>
-      </p:grpSpPr>
-      <p:sp>
-        <p:nvSpPr>
-          <p:cNvPr id="161" name="Shape 161"/>
-          <p:cNvSpPr txBox="1">
-            <a:spLocks noGrp="1"/>
-          </p:cNvSpPr>
-          <p:nvPr>
-            <p:ph type="body" idx="1"/>
-          </p:nvPr>
-        </p:nvSpPr>
-        <p:spPr>
-          <a:xfrm>
-            <a:off x="685800" y="4343400"/>
-            <a:ext cx="5486399" cy="4114800"/>
-          </a:xfrm>
-          <a:prstGeom prst="rect">
-            <a:avLst/>
-          </a:prstGeom>
-        </p:spPr>
-        <p:txBody>
-          <a:bodyPr wrap="square" lIns="91425" tIns="91425" rIns="91425" bIns="91425" anchor="t" anchorCtr="0">
-            <a:noAutofit/>
-          </a:bodyPr>
-          <a:lstStyle/>
-          <a:p>
-            <a:pPr marL="0" lvl="0" indent="76200">
-              <a:spcBef>
-                <a:spcPts val="0"/>
-              </a:spcBef>
-              <a:buNone/>
-            </a:pPr>
-            <a:endParaRPr/>
-          </a:p>
-        </p:txBody>
-      </p:sp>
-      <p:sp>
-        <p:nvSpPr>
-          <p:cNvPr id="162" name="Shape 162"/>
-          <p:cNvSpPr>
-            <a:spLocks noGrp="1" noRot="1" noChangeAspect="1"/>
-          </p:cNvSpPr>
-          <p:nvPr>
-            <p:ph type="sldImg" idx="2"/>
-          </p:nvPr>
-        </p:nvSpPr>
-        <p:spPr>
-          <a:xfrm>
-            <a:off x="381000" y="685800"/>
-            <a:ext cx="6096000" cy="3429000"/>
-          </a:xfrm>
-          <a:custGeom>
-            <a:avLst/>
-            <a:gdLst/>
-            <a:ahLst/>
-            <a:cxnLst/>
-            <a:rect l="0" t="0" r="0" b="0"/>
-            <a:pathLst>
-              <a:path w="120000" h="120000" extrusionOk="0">
-                <a:moveTo>
-                  <a:pt x="0" y="0"/>
-                </a:moveTo>
-                <a:lnTo>
-                  <a:pt x="120000" y="0"/>
-                </a:lnTo>
-                <a:lnTo>
-                  <a:pt x="120000" y="120000"/>
-                </a:lnTo>
-                <a:lnTo>
-                  <a:pt x="0" y="120000"/>
-                </a:lnTo>
-                <a:close/>
-              </a:path>
-            </a:pathLst>
-          </a:custGeom>
-        </p:spPr>
-      </p:sp>
-    </p:spTree>
-    <p:extLst>
-      <p:ext uri="{BB962C8B-B14F-4D97-AF65-F5344CB8AC3E}">
-        <p14:creationId xmlns:p14="http://schemas.microsoft.com/office/powerpoint/2010/main" val="2324747615"/>
-      </p:ext>
-    </p:extLst>
-  </p:cSld>
-  <p:clrMapOvr>
-    <a:masterClrMapping/>
-  </p:clrMapOvr>
-</p:notes>
-</file>
-
-<file path=ppt/notesSlides/notesSlide35.xml><?xml version="1.0" encoding="utf-8"?>
 <p:notes xmlns:a="http://schemas.openxmlformats.org/drawingml/2006/main" xmlns:r="http://schemas.openxmlformats.org/officeDocument/2006/relationships" xmlns:p="http://schemas.openxmlformats.org/presentationml/2006/main" showMasterSp="0" showMasterPhAnim="0">
   <p:cSld>
     <p:spTree>
@@ -5279,7 +4958,7 @@
   <p:cSld>
     <p:spTree>
       <p:nvGrpSpPr>
-        <p:cNvPr id="1" name="Shape 74"/>
+        <p:cNvPr id="1" name="Shape 80"/>
         <p:cNvGrpSpPr/>
         <p:nvPr/>
       </p:nvGrpSpPr>
@@ -5293,7 +4972,7 @@
       </p:grpSpPr>
       <p:sp>
         <p:nvSpPr>
-          <p:cNvPr id="75" name="Shape 75"/>
+          <p:cNvPr id="81" name="Shape 81"/>
           <p:cNvSpPr txBox="1">
             <a:spLocks noGrp="1"/>
           </p:cNvSpPr>
@@ -5328,7 +5007,7 @@
       </p:sp>
       <p:sp>
         <p:nvSpPr>
-          <p:cNvPr id="76" name="Shape 76"/>
+          <p:cNvPr id="82" name="Shape 82"/>
           <p:cNvSpPr>
             <a:spLocks noGrp="1" noRot="1" noChangeAspect="1"/>
           </p:cNvSpPr>
@@ -5370,7 +5049,7 @@
     </p:spTree>
     <p:extLst>
       <p:ext uri="{BB962C8B-B14F-4D97-AF65-F5344CB8AC3E}">
-        <p14:creationId xmlns:p14="http://schemas.microsoft.com/office/powerpoint/2010/main" val="1186332728"/>
+        <p14:creationId xmlns:p14="http://schemas.microsoft.com/office/powerpoint/2010/main" val="336285574"/>
       </p:ext>
     </p:extLst>
   </p:cSld>
@@ -6567,307 +6246,6 @@
   <p:cSld>
     <p:spTree>
       <p:nvGrpSpPr>
-        <p:cNvPr id="1" name="Shape 83"/>
-        <p:cNvGrpSpPr/>
-        <p:nvPr/>
-      </p:nvGrpSpPr>
-      <p:grpSpPr>
-        <a:xfrm>
-          <a:off x="0" y="0"/>
-          <a:ext cx="0" cy="0"/>
-          <a:chOff x="0" y="0"/>
-          <a:chExt cx="0" cy="0"/>
-        </a:xfrm>
-      </p:grpSpPr>
-      <p:sp>
-        <p:nvSpPr>
-          <p:cNvPr id="84" name="Shape 84"/>
-          <p:cNvSpPr/>
-          <p:nvPr/>
-        </p:nvSpPr>
-        <p:spPr>
-          <a:xfrm>
-            <a:off x="3635566" y="0"/>
-            <a:ext cx="5508434" cy="5154616"/>
-          </a:xfrm>
-          <a:prstGeom prst="rect">
-            <a:avLst/>
-          </a:prstGeom>
-          <a:noFill/>
-          <a:ln>
-            <a:noFill/>
-          </a:ln>
-        </p:spPr>
-        <p:txBody>
-          <a:bodyPr wrap="square" lIns="91425" tIns="45700" rIns="91425" bIns="45700" anchor="t" anchorCtr="0">
-            <a:noAutofit/>
-          </a:bodyPr>
-          <a:lstStyle/>
-          <a:p>
-            <a:pPr marL="342900" marR="0" lvl="0" indent="-342900" algn="l" rtl="0">
-              <a:lnSpc>
-                <a:spcPct val="106000"/>
-              </a:lnSpc>
-              <a:spcBef>
-                <a:spcPts val="0"/>
-              </a:spcBef>
-              <a:spcAft>
-                <a:spcPts val="0"/>
-              </a:spcAft>
-              <a:buClr>
-                <a:srgbClr val="595959"/>
-              </a:buClr>
-              <a:buSzPts val="2600"/>
-              <a:buFont typeface="Arial"/>
-              <a:buChar char="•"/>
-            </a:pPr>
-            <a:r>
-              <a:rPr lang="es-ES" sz="2600" b="0" i="0" u="none" strike="noStrike" cap="none">
-                <a:solidFill>
-                  <a:srgbClr val="595959"/>
-                </a:solidFill>
-                <a:latin typeface="Calibri"/>
-                <a:ea typeface="Calibri"/>
-                <a:cs typeface="Calibri"/>
-                <a:sym typeface="Calibri"/>
-              </a:rPr>
-              <a:t>¿Cómo le gustaría que fuera su plataforma web?</a:t>
-            </a:r>
-          </a:p>
-          <a:p>
-            <a:pPr marL="742950" marR="0" lvl="0" indent="-285750" algn="l" rtl="0">
-              <a:lnSpc>
-                <a:spcPct val="115000"/>
-              </a:lnSpc>
-              <a:spcBef>
-                <a:spcPts val="1000"/>
-              </a:spcBef>
-              <a:spcAft>
-                <a:spcPts val="0"/>
-              </a:spcAft>
-              <a:buClr>
-                <a:srgbClr val="595959"/>
-              </a:buClr>
-              <a:buSzPts val="2600"/>
-              <a:buFont typeface="Arial"/>
-              <a:buChar char="•"/>
-            </a:pPr>
-            <a:r>
-              <a:rPr lang="es-ES" sz="2600" b="0" i="0" u="none" strike="noStrike" cap="none">
-                <a:solidFill>
-                  <a:srgbClr val="595959"/>
-                </a:solidFill>
-                <a:latin typeface="Calibri"/>
-                <a:ea typeface="Calibri"/>
-                <a:cs typeface="Calibri"/>
-                <a:sym typeface="Calibri"/>
-              </a:rPr>
-              <a:t>Principalmente que muestre cada menú y todos los productos que se venden</a:t>
-            </a:r>
-          </a:p>
-          <a:p>
-            <a:pPr marL="342900" marR="0" lvl="0" indent="-342900" algn="l" rtl="0">
-              <a:lnSpc>
-                <a:spcPct val="106000"/>
-              </a:lnSpc>
-              <a:spcBef>
-                <a:spcPts val="1000"/>
-              </a:spcBef>
-              <a:spcAft>
-                <a:spcPts val="0"/>
-              </a:spcAft>
-              <a:buClr>
-                <a:srgbClr val="595959"/>
-              </a:buClr>
-              <a:buSzPts val="2600"/>
-              <a:buFont typeface="Arial"/>
-              <a:buChar char="•"/>
-            </a:pPr>
-            <a:r>
-              <a:rPr lang="es-ES" sz="2600" b="0" i="0" u="none" strike="noStrike" cap="none">
-                <a:solidFill>
-                  <a:srgbClr val="595959"/>
-                </a:solidFill>
-                <a:latin typeface="Calibri"/>
-                <a:ea typeface="Calibri"/>
-                <a:cs typeface="Calibri"/>
-                <a:sym typeface="Calibri"/>
-              </a:rPr>
-              <a:t>¿Quién maneja la plataforma?</a:t>
-            </a:r>
-          </a:p>
-          <a:p>
-            <a:pPr marL="742950" marR="0" lvl="0" indent="-285750" algn="l" rtl="0">
-              <a:lnSpc>
-                <a:spcPct val="115000"/>
-              </a:lnSpc>
-              <a:spcBef>
-                <a:spcPts val="1000"/>
-              </a:spcBef>
-              <a:spcAft>
-                <a:spcPts val="0"/>
-              </a:spcAft>
-              <a:buClr>
-                <a:srgbClr val="595959"/>
-              </a:buClr>
-              <a:buSzPts val="2600"/>
-              <a:buFont typeface="Arial"/>
-              <a:buChar char="•"/>
-            </a:pPr>
-            <a:r>
-              <a:rPr lang="es-ES" sz="2600" b="0" i="0" u="none" strike="noStrike" cap="none">
-                <a:solidFill>
-                  <a:srgbClr val="595959"/>
-                </a:solidFill>
-                <a:latin typeface="Calibri"/>
-                <a:ea typeface="Calibri"/>
-                <a:cs typeface="Calibri"/>
-                <a:sym typeface="Calibri"/>
-              </a:rPr>
-              <a:t>El dueño de la pizzería</a:t>
-            </a:r>
-          </a:p>
-          <a:p>
-            <a:pPr marL="342900" marR="0" lvl="0" indent="-342900" algn="l" rtl="0">
-              <a:lnSpc>
-                <a:spcPct val="106000"/>
-              </a:lnSpc>
-              <a:spcBef>
-                <a:spcPts val="1000"/>
-              </a:spcBef>
-              <a:spcAft>
-                <a:spcPts val="0"/>
-              </a:spcAft>
-              <a:buClr>
-                <a:srgbClr val="595959"/>
-              </a:buClr>
-              <a:buSzPts val="2600"/>
-              <a:buFont typeface="Arial"/>
-              <a:buChar char="•"/>
-            </a:pPr>
-            <a:r>
-              <a:rPr lang="es-ES" sz="2600" b="0" i="0" u="none" strike="noStrike" cap="none">
-                <a:solidFill>
-                  <a:srgbClr val="595959"/>
-                </a:solidFill>
-                <a:latin typeface="Calibri"/>
-                <a:ea typeface="Calibri"/>
-                <a:cs typeface="Calibri"/>
-                <a:sym typeface="Calibri"/>
-              </a:rPr>
-              <a:t>¿La plataforma local requiere de internet?</a:t>
-            </a:r>
-          </a:p>
-          <a:p>
-            <a:pPr marL="742950" marR="0" lvl="0" indent="-285750" algn="l" rtl="0">
-              <a:lnSpc>
-                <a:spcPct val="115000"/>
-              </a:lnSpc>
-              <a:spcBef>
-                <a:spcPts val="1000"/>
-              </a:spcBef>
-              <a:spcAft>
-                <a:spcPts val="0"/>
-              </a:spcAft>
-              <a:buClr>
-                <a:srgbClr val="595959"/>
-              </a:buClr>
-              <a:buSzPts val="2600"/>
-              <a:buFont typeface="Arial"/>
-              <a:buChar char="•"/>
-            </a:pPr>
-            <a:r>
-              <a:rPr lang="es-ES" sz="2600" b="0" i="0" u="none" strike="noStrike" cap="none">
-                <a:solidFill>
-                  <a:srgbClr val="595959"/>
-                </a:solidFill>
-                <a:latin typeface="Calibri"/>
-                <a:ea typeface="Calibri"/>
-                <a:cs typeface="Calibri"/>
-                <a:sym typeface="Calibri"/>
-              </a:rPr>
-              <a:t>NO</a:t>
-            </a:r>
-          </a:p>
-        </p:txBody>
-      </p:sp>
-      <p:sp>
-        <p:nvSpPr>
-          <p:cNvPr id="85" name="Shape 85"/>
-          <p:cNvSpPr/>
-          <p:nvPr/>
-        </p:nvSpPr>
-        <p:spPr>
-          <a:xfrm>
-            <a:off x="-161242" y="1939440"/>
-            <a:ext cx="3796808" cy="1154162"/>
-          </a:xfrm>
-          <a:prstGeom prst="rect">
-            <a:avLst/>
-          </a:prstGeom>
-          <a:noFill/>
-          <a:ln>
-            <a:noFill/>
-          </a:ln>
-        </p:spPr>
-        <p:txBody>
-          <a:bodyPr wrap="square" lIns="91425" tIns="45700" rIns="91425" bIns="45700" anchor="t" anchorCtr="0">
-            <a:noAutofit/>
-          </a:bodyPr>
-          <a:lstStyle/>
-          <a:p>
-            <a:pPr marL="0" marR="0" lvl="0" indent="-190500" algn="ctr" rtl="0">
-              <a:lnSpc>
-                <a:spcPct val="115000"/>
-              </a:lnSpc>
-              <a:spcBef>
-                <a:spcPts val="0"/>
-              </a:spcBef>
-              <a:spcAft>
-                <a:spcPts val="0"/>
-              </a:spcAft>
-              <a:buClr>
-                <a:schemeClr val="lt1"/>
-              </a:buClr>
-              <a:buSzPts val="3000"/>
-              <a:buFont typeface="Calibri"/>
-              <a:buNone/>
-            </a:pPr>
-            <a:r>
-              <a:rPr lang="es-ES" sz="3000" b="1" i="0" u="none" strike="noStrike" cap="none" dirty="0">
-                <a:solidFill>
-                  <a:schemeClr val="lt1"/>
-                </a:solidFill>
-                <a:latin typeface="Calibri"/>
-                <a:ea typeface="Calibri"/>
-                <a:cs typeface="Calibri"/>
-                <a:sym typeface="Calibri"/>
-              </a:rPr>
-              <a:t>CUESTIONARIO ENTREVISTA </a:t>
-            </a:r>
-          </a:p>
-        </p:txBody>
-      </p:sp>
-    </p:spTree>
-  </p:cSld>
-  <p:clrMapOvr>
-    <a:masterClrMapping/>
-  </p:clrMapOvr>
-  <p:timing>
-    <p:tnLst>
-      <p:par>
-        <p:cTn id="1" dur="indefinite" restart="never" nodeType="tmRoot"/>
-      </p:par>
-    </p:tnLst>
-  </p:timing>
-</p:sld>
-</file>
-
-<file path=ppt/slides/slide11.xml><?xml version="1.0" encoding="utf-8"?>
-<p:sld xmlns:a="http://schemas.openxmlformats.org/drawingml/2006/main" xmlns:r="http://schemas.openxmlformats.org/officeDocument/2006/relationships" xmlns:p="http://schemas.openxmlformats.org/presentationml/2006/main">
-  <p:cSld>
-    <p:spTree>
-      <p:nvGrpSpPr>
         <p:cNvPr id="1" name="Shape 89"/>
         <p:cNvGrpSpPr/>
         <p:nvPr/>
@@ -7047,7 +6425,7 @@
 </p:sld>
 </file>
 
-<file path=ppt/slides/slide12.xml><?xml version="1.0" encoding="utf-8"?>
+<file path=ppt/slides/slide11.xml><?xml version="1.0" encoding="utf-8"?>
 <p:sld xmlns:a="http://schemas.openxmlformats.org/drawingml/2006/main" xmlns:r="http://schemas.openxmlformats.org/officeDocument/2006/relationships" xmlns:p="http://schemas.openxmlformats.org/presentationml/2006/main">
   <p:cSld>
     <p:spTree>
@@ -7168,7 +6546,7 @@
 </p:sld>
 </file>
 
-<file path=ppt/slides/slide13.xml><?xml version="1.0" encoding="utf-8"?>
+<file path=ppt/slides/slide12.xml><?xml version="1.0" encoding="utf-8"?>
 <p:sld xmlns:a="http://schemas.openxmlformats.org/drawingml/2006/main" xmlns:r="http://schemas.openxmlformats.org/officeDocument/2006/relationships" xmlns:p="http://schemas.openxmlformats.org/presentationml/2006/main">
   <p:cSld>
     <p:spTree>
@@ -7439,138 +6817,7 @@
 </p:sld>
 </file>
 
-<file path=ppt/slides/slide14.xml><?xml version="1.0" encoding="utf-8"?>
-<p:sld xmlns:a="http://schemas.openxmlformats.org/drawingml/2006/main" xmlns:r="http://schemas.openxmlformats.org/officeDocument/2006/relationships" xmlns:p="http://schemas.openxmlformats.org/presentationml/2006/main">
-  <p:cSld>
-    <p:spTree>
-      <p:nvGrpSpPr>
-        <p:cNvPr id="1" name="Shape 115"/>
-        <p:cNvGrpSpPr/>
-        <p:nvPr/>
-      </p:nvGrpSpPr>
-      <p:grpSpPr>
-        <a:xfrm>
-          <a:off x="0" y="0"/>
-          <a:ext cx="0" cy="0"/>
-          <a:chOff x="0" y="0"/>
-          <a:chExt cx="0" cy="0"/>
-        </a:xfrm>
-      </p:grpSpPr>
-      <p:sp>
-        <p:nvSpPr>
-          <p:cNvPr id="116" name="Shape 116"/>
-          <p:cNvSpPr/>
-          <p:nvPr/>
-        </p:nvSpPr>
-        <p:spPr>
-          <a:xfrm>
-            <a:off x="4055703" y="132590"/>
-            <a:ext cx="1770035" cy="646331"/>
-          </a:xfrm>
-          <a:prstGeom prst="rect">
-            <a:avLst/>
-          </a:prstGeom>
-          <a:noFill/>
-          <a:ln>
-            <a:noFill/>
-          </a:ln>
-        </p:spPr>
-        <p:txBody>
-          <a:bodyPr wrap="square" lIns="91425" tIns="45700" rIns="91425" bIns="45700" anchor="t" anchorCtr="0">
-            <a:noAutofit/>
-          </a:bodyPr>
-          <a:lstStyle/>
-          <a:p>
-            <a:pPr marL="0" marR="0" lvl="0" indent="-228600" algn="ctr" rtl="0">
-              <a:lnSpc>
-                <a:spcPct val="100000"/>
-              </a:lnSpc>
-              <a:spcBef>
-                <a:spcPts val="0"/>
-              </a:spcBef>
-              <a:spcAft>
-                <a:spcPts val="0"/>
-              </a:spcAft>
-              <a:buClr>
-                <a:schemeClr val="lt1"/>
-              </a:buClr>
-              <a:buSzPts val="3600"/>
-              <a:buFont typeface="Calibri"/>
-              <a:buNone/>
-            </a:pPr>
-            <a:r>
-              <a:rPr lang="es-ES" sz="3600" b="1" i="0" u="none" strike="noStrike" cap="none">
-                <a:solidFill>
-                  <a:schemeClr val="lt1"/>
-                </a:solidFill>
-                <a:latin typeface="Calibri"/>
-                <a:ea typeface="Calibri"/>
-                <a:cs typeface="Calibri"/>
-                <a:sym typeface="Calibri"/>
-              </a:rPr>
-              <a:t>CLIENTE</a:t>
-            </a:r>
-            <a:r>
-              <a:rPr lang="es-ES" sz="1400" b="1" i="0" u="none" strike="noStrike" cap="none">
-                <a:solidFill>
-                  <a:schemeClr val="lt1"/>
-                </a:solidFill>
-                <a:latin typeface="Calibri"/>
-                <a:ea typeface="Calibri"/>
-                <a:cs typeface="Calibri"/>
-                <a:sym typeface="Calibri"/>
-              </a:rPr>
-              <a:t> </a:t>
-            </a:r>
-          </a:p>
-        </p:txBody>
-      </p:sp>
-      <p:pic>
-        <p:nvPicPr>
-          <p:cNvPr id="3" name="Imagen 2"/>
-          <p:cNvPicPr>
-            <a:picLocks noChangeAspect="1"/>
-          </p:cNvPicPr>
-          <p:nvPr/>
-        </p:nvPicPr>
-        <p:blipFill>
-          <a:blip r:embed="rId3">
-            <a:extLst>
-              <a:ext uri="{28A0092B-C50C-407E-A947-70E740481C1C}">
-                <a14:useLocalDpi xmlns:a14="http://schemas.microsoft.com/office/drawing/2010/main" val="0"/>
-              </a:ext>
-            </a:extLst>
-          </a:blip>
-          <a:stretch>
-            <a:fillRect/>
-          </a:stretch>
-        </p:blipFill>
-        <p:spPr>
-          <a:xfrm>
-            <a:off x="413468" y="960377"/>
-            <a:ext cx="8284907" cy="4183123"/>
-          </a:xfrm>
-          <a:prstGeom prst="rect">
-            <a:avLst/>
-          </a:prstGeom>
-        </p:spPr>
-      </p:pic>
-    </p:spTree>
-  </p:cSld>
-  <p:clrMapOvr>
-    <a:masterClrMapping/>
-  </p:clrMapOvr>
-  <p:timing>
-    <p:tnLst>
-      <p:par>
-        <p:cTn id="1" dur="indefinite" restart="never" nodeType="tmRoot"/>
-      </p:par>
-    </p:tnLst>
-  </p:timing>
-</p:sld>
-</file>
-
-<file path=ppt/slides/slide15.xml><?xml version="1.0" encoding="utf-8"?>
+<file path=ppt/slides/slide13.xml><?xml version="1.0" encoding="utf-8"?>
 <p:sld xmlns:a="http://schemas.openxmlformats.org/drawingml/2006/main" xmlns:r="http://schemas.openxmlformats.org/officeDocument/2006/relationships" xmlns:p="http://schemas.openxmlformats.org/presentationml/2006/main">
   <p:cSld>
     <p:spTree>
@@ -7595,8 +6842,8 @@
         </p:nvSpPr>
         <p:spPr>
           <a:xfrm>
-            <a:off x="771181" y="178757"/>
-            <a:ext cx="8372819" cy="646331"/>
+            <a:off x="-80865" y="178757"/>
+            <a:ext cx="9224865" cy="646331"/>
           </a:xfrm>
           <a:prstGeom prst="rect">
             <a:avLst/>
@@ -7630,7 +6877,7 @@
               <a:buNone/>
             </a:pPr>
             <a:r>
-              <a:rPr lang="es-ES" sz="3000" b="0" i="0" u="none" strike="noStrike" cap="none">
+              <a:rPr lang="es-ES" sz="3000" b="0" i="0" u="none" strike="noStrike" cap="none" dirty="0">
                 <a:solidFill>
                   <a:srgbClr val="000000"/>
                 </a:solidFill>
@@ -7642,30 +6889,41 @@
               <a:t> </a:t>
             </a:r>
             <a:r>
-              <a:rPr lang="es-ES" sz="3600" b="1" i="0" u="none" strike="noStrike" cap="none">
+              <a:rPr lang="es-ES" sz="3600" b="1" dirty="0" smtClean="0">
                 <a:solidFill>
-                  <a:schemeClr val="lt1"/>
+                  <a:schemeClr val="bg1"/>
                 </a:solidFill>
                 <a:latin typeface="Calibri"/>
                 <a:ea typeface="Calibri"/>
                 <a:cs typeface="Calibri"/>
                 <a:sym typeface="Calibri"/>
               </a:rPr>
-              <a:t>EMPLEADO</a:t>
+              <a:t>CASOS DE USO</a:t>
             </a:r>
+            <a:endParaRPr lang="es-ES" sz="3600" b="1" i="0" u="none" strike="noStrike" cap="none" dirty="0">
+              <a:solidFill>
+                <a:schemeClr val="bg1"/>
+              </a:solidFill>
+              <a:latin typeface="Calibri"/>
+              <a:ea typeface="Calibri"/>
+              <a:cs typeface="Calibri"/>
+              <a:sym typeface="Calibri"/>
+            </a:endParaRPr>
           </a:p>
         </p:txBody>
       </p:sp>
       <p:pic>
         <p:nvPicPr>
-          <p:cNvPr id="3" name="Imagen 2"/>
+          <p:cNvPr id="3" name="Imagen 2">
+            <a:hlinkClick r:id="rId3" action="ppaction://hlinkfile"/>
+          </p:cNvPr>
           <p:cNvPicPr>
             <a:picLocks noChangeAspect="1"/>
           </p:cNvPicPr>
           <p:nvPr/>
         </p:nvPicPr>
         <p:blipFill>
-          <a:blip r:embed="rId3">
+          <a:blip r:embed="rId4">
             <a:extLst>
               <a:ext uri="{28A0092B-C50C-407E-A947-70E740481C1C}">
                 <a14:useLocalDpi xmlns:a14="http://schemas.microsoft.com/office/drawing/2010/main" val="0"/>
@@ -7678,8 +6936,147 @@
         </p:blipFill>
         <p:spPr>
           <a:xfrm>
-            <a:off x="1596444" y="939654"/>
-            <a:ext cx="6601351" cy="4203846"/>
+            <a:off x="1770992" y="957943"/>
+            <a:ext cx="5388829" cy="4185557"/>
+          </a:xfrm>
+          <a:prstGeom prst="rect">
+            <a:avLst/>
+          </a:prstGeom>
+        </p:spPr>
+      </p:pic>
+    </p:spTree>
+    <p:extLst>
+      <p:ext uri="{BB962C8B-B14F-4D97-AF65-F5344CB8AC3E}">
+        <p14:creationId xmlns:p14="http://schemas.microsoft.com/office/powerpoint/2010/main" val="1656719870"/>
+      </p:ext>
+    </p:extLst>
+  </p:cSld>
+  <p:clrMapOvr>
+    <a:masterClrMapping/>
+  </p:clrMapOvr>
+  <p:timing>
+    <p:tnLst>
+      <p:par>
+        <p:cTn id="1" dur="indefinite" restart="never" nodeType="tmRoot"/>
+      </p:par>
+    </p:tnLst>
+  </p:timing>
+</p:sld>
+</file>
+
+<file path=ppt/slides/slide14.xml><?xml version="1.0" encoding="utf-8"?>
+<p:sld xmlns:a="http://schemas.openxmlformats.org/drawingml/2006/main" xmlns:r="http://schemas.openxmlformats.org/officeDocument/2006/relationships" xmlns:p="http://schemas.openxmlformats.org/presentationml/2006/main">
+  <p:cSld>
+    <p:spTree>
+      <p:nvGrpSpPr>
+        <p:cNvPr id="1" name="Shape 121"/>
+        <p:cNvGrpSpPr/>
+        <p:nvPr/>
+      </p:nvGrpSpPr>
+      <p:grpSpPr>
+        <a:xfrm>
+          <a:off x="0" y="0"/>
+          <a:ext cx="0" cy="0"/>
+          <a:chOff x="0" y="0"/>
+          <a:chExt cx="0" cy="0"/>
+        </a:xfrm>
+      </p:grpSpPr>
+      <p:sp>
+        <p:nvSpPr>
+          <p:cNvPr id="122" name="Shape 122"/>
+          <p:cNvSpPr/>
+          <p:nvPr/>
+        </p:nvSpPr>
+        <p:spPr>
+          <a:xfrm>
+            <a:off x="-80865" y="178757"/>
+            <a:ext cx="9224865" cy="646331"/>
+          </a:xfrm>
+          <a:prstGeom prst="rect">
+            <a:avLst/>
+          </a:prstGeom>
+          <a:noFill/>
+          <a:ln>
+            <a:noFill/>
+          </a:ln>
+        </p:spPr>
+        <p:txBody>
+          <a:bodyPr wrap="square" lIns="91425" tIns="45700" rIns="91425" bIns="45700" anchor="t" anchorCtr="0">
+            <a:noAutofit/>
+          </a:bodyPr>
+          <a:lstStyle/>
+          <a:p>
+            <a:pPr marL="0" marR="0" lvl="0" indent="-228600" algn="ctr" rtl="0">
+              <a:lnSpc>
+                <a:spcPct val="100000"/>
+              </a:lnSpc>
+              <a:spcBef>
+                <a:spcPts val="0"/>
+              </a:spcBef>
+              <a:spcAft>
+                <a:spcPts val="0"/>
+              </a:spcAft>
+              <a:buClr>
+                <a:srgbClr val="000000"/>
+              </a:buClr>
+              <a:buSzPts val="3600"/>
+              <a:buFont typeface="Calibri"/>
+              <a:buNone/>
+            </a:pPr>
+            <a:r>
+              <a:rPr lang="es-ES" sz="3600" b="0" i="0" u="none" strike="noStrike" cap="none" dirty="0">
+                <a:solidFill>
+                  <a:srgbClr val="000000"/>
+                </a:solidFill>
+                <a:latin typeface="Calibri"/>
+                <a:ea typeface="Calibri"/>
+                <a:cs typeface="Calibri"/>
+                <a:sym typeface="Calibri"/>
+              </a:rPr>
+              <a:t> </a:t>
+            </a:r>
+            <a:r>
+              <a:rPr lang="es-ES" sz="3600" b="1" i="0" u="none" strike="noStrike" cap="none" dirty="0" smtClean="0">
+                <a:solidFill>
+                  <a:schemeClr val="bg1"/>
+                </a:solidFill>
+                <a:latin typeface="Calibri"/>
+                <a:ea typeface="Calibri"/>
+                <a:cs typeface="Calibri"/>
+                <a:sym typeface="Calibri"/>
+              </a:rPr>
+              <a:t>CASO DE USO EMPLEADO</a:t>
+            </a:r>
+            <a:endParaRPr lang="es-ES" sz="3600" b="1" i="0" u="none" strike="noStrike" cap="none" dirty="0">
+              <a:solidFill>
+                <a:schemeClr val="bg1"/>
+              </a:solidFill>
+              <a:latin typeface="Calibri"/>
+              <a:ea typeface="Calibri"/>
+              <a:cs typeface="Calibri"/>
+              <a:sym typeface="Calibri"/>
+            </a:endParaRPr>
+          </a:p>
+        </p:txBody>
+      </p:sp>
+      <p:pic>
+        <p:nvPicPr>
+          <p:cNvPr id="2" name="Imagen 1"/>
+          <p:cNvPicPr>
+            <a:picLocks noChangeAspect="1"/>
+          </p:cNvPicPr>
+          <p:nvPr/>
+        </p:nvPicPr>
+        <p:blipFill>
+          <a:blip r:embed="rId3"/>
+          <a:stretch>
+            <a:fillRect/>
+          </a:stretch>
+        </p:blipFill>
+        <p:spPr>
+          <a:xfrm>
+            <a:off x="1409894" y="1020924"/>
+            <a:ext cx="6793288" cy="4122576"/>
           </a:xfrm>
           <a:prstGeom prst="rect">
             <a:avLst/>
@@ -7701,138 +7098,7 @@
 </p:sld>
 </file>
 
-<file path=ppt/slides/slide16.xml><?xml version="1.0" encoding="utf-8"?>
-<p:sld xmlns:a="http://schemas.openxmlformats.org/drawingml/2006/main" xmlns:r="http://schemas.openxmlformats.org/officeDocument/2006/relationships" xmlns:p="http://schemas.openxmlformats.org/presentationml/2006/main">
-  <p:cSld>
-    <p:spTree>
-      <p:nvGrpSpPr>
-        <p:cNvPr id="1" name="Shape 127"/>
-        <p:cNvGrpSpPr/>
-        <p:nvPr/>
-      </p:nvGrpSpPr>
-      <p:grpSpPr>
-        <a:xfrm>
-          <a:off x="0" y="0"/>
-          <a:ext cx="0" cy="0"/>
-          <a:chOff x="0" y="0"/>
-          <a:chExt cx="0" cy="0"/>
-        </a:xfrm>
-      </p:grpSpPr>
-      <p:sp>
-        <p:nvSpPr>
-          <p:cNvPr id="128" name="Shape 128"/>
-          <p:cNvSpPr/>
-          <p:nvPr/>
-        </p:nvSpPr>
-        <p:spPr>
-          <a:xfrm>
-            <a:off x="3592348" y="132590"/>
-            <a:ext cx="2013693" cy="646331"/>
-          </a:xfrm>
-          <a:prstGeom prst="rect">
-            <a:avLst/>
-          </a:prstGeom>
-          <a:noFill/>
-          <a:ln>
-            <a:noFill/>
-          </a:ln>
-        </p:spPr>
-        <p:txBody>
-          <a:bodyPr wrap="square" lIns="91425" tIns="45700" rIns="91425" bIns="45700" anchor="t" anchorCtr="0">
-            <a:noAutofit/>
-          </a:bodyPr>
-          <a:lstStyle/>
-          <a:p>
-            <a:pPr marL="0" marR="0" lvl="0" indent="-228600" algn="ctr" rtl="0">
-              <a:lnSpc>
-                <a:spcPct val="100000"/>
-              </a:lnSpc>
-              <a:spcBef>
-                <a:spcPts val="0"/>
-              </a:spcBef>
-              <a:spcAft>
-                <a:spcPts val="0"/>
-              </a:spcAft>
-              <a:buClr>
-                <a:schemeClr val="lt1"/>
-              </a:buClr>
-              <a:buSzPts val="3600"/>
-              <a:buFont typeface="Calibri"/>
-              <a:buNone/>
-            </a:pPr>
-            <a:r>
-              <a:rPr lang="es-ES" sz="3600" b="0" i="0" u="none" strike="noStrike" cap="none">
-                <a:solidFill>
-                  <a:schemeClr val="lt1"/>
-                </a:solidFill>
-                <a:latin typeface="Calibri"/>
-                <a:ea typeface="Calibri"/>
-                <a:cs typeface="Calibri"/>
-                <a:sym typeface="Calibri"/>
-              </a:rPr>
-              <a:t>GERENTE</a:t>
-            </a:r>
-            <a:r>
-              <a:rPr lang="es-ES" sz="3000" b="0" i="0" u="none" strike="noStrike" cap="none">
-                <a:solidFill>
-                  <a:schemeClr val="lt1"/>
-                </a:solidFill>
-                <a:latin typeface="Calibri"/>
-                <a:ea typeface="Calibri"/>
-                <a:cs typeface="Calibri"/>
-                <a:sym typeface="Calibri"/>
-              </a:rPr>
-              <a:t> </a:t>
-            </a:r>
-          </a:p>
-        </p:txBody>
-      </p:sp>
-      <p:pic>
-        <p:nvPicPr>
-          <p:cNvPr id="3" name="Imagen 2"/>
-          <p:cNvPicPr>
-            <a:picLocks noChangeAspect="1"/>
-          </p:cNvPicPr>
-          <p:nvPr/>
-        </p:nvPicPr>
-        <p:blipFill>
-          <a:blip r:embed="rId3">
-            <a:extLst>
-              <a:ext uri="{28A0092B-C50C-407E-A947-70E740481C1C}">
-                <a14:useLocalDpi xmlns:a14="http://schemas.microsoft.com/office/drawing/2010/main" val="0"/>
-              </a:ext>
-            </a:extLst>
-          </a:blip>
-          <a:stretch>
-            <a:fillRect/>
-          </a:stretch>
-        </p:blipFill>
-        <p:spPr>
-          <a:xfrm>
-            <a:off x="1000045" y="977515"/>
-            <a:ext cx="6943308" cy="4165985"/>
-          </a:xfrm>
-          <a:prstGeom prst="rect">
-            <a:avLst/>
-          </a:prstGeom>
-        </p:spPr>
-      </p:pic>
-    </p:spTree>
-  </p:cSld>
-  <p:clrMapOvr>
-    <a:masterClrMapping/>
-  </p:clrMapOvr>
-  <p:timing>
-    <p:tnLst>
-      <p:par>
-        <p:cTn id="1" dur="indefinite" restart="never" nodeType="tmRoot"/>
-      </p:par>
-    </p:tnLst>
-  </p:timing>
-</p:sld>
-</file>
-
-<file path=ppt/slides/slide17.xml><?xml version="1.0" encoding="utf-8"?>
+<file path=ppt/slides/slide15.xml><?xml version="1.0" encoding="utf-8"?>
 <p:sld xmlns:a="http://schemas.openxmlformats.org/drawingml/2006/main" xmlns:r="http://schemas.openxmlformats.org/officeDocument/2006/relationships" xmlns:p="http://schemas.openxmlformats.org/presentationml/2006/main">
   <p:cSld>
     <p:spTree>
@@ -7980,14 +7246,14 @@
                 <a:gridCol w="1736827">
                   <a:extLst>
                     <a:ext uri="{9D8B030D-6E8A-4147-A177-3AD203B41FA5}">
-                      <a16:colId xmlns:a16="http://schemas.microsoft.com/office/drawing/2014/main" val="989727314"/>
+                      <a16:colId xmlns:a16="http://schemas.microsoft.com/office/drawing/2014/main" xmlns="" val="989727314"/>
                     </a:ext>
                   </a:extLst>
                 </a:gridCol>
                 <a:gridCol w="5958269">
                   <a:extLst>
                     <a:ext uri="{9D8B030D-6E8A-4147-A177-3AD203B41FA5}">
-                      <a16:colId xmlns:a16="http://schemas.microsoft.com/office/drawing/2014/main" val="3484507881"/>
+                      <a16:colId xmlns:a16="http://schemas.microsoft.com/office/drawing/2014/main" xmlns="" val="3484507881"/>
                     </a:ext>
                   </a:extLst>
                 </a:gridCol>
@@ -8053,7 +7319,7 @@
                 </a:tc>
                 <a:extLst>
                   <a:ext uri="{0D108BD9-81ED-4DB2-BD59-A6C34878D82A}">
-                    <a16:rowId xmlns:a16="http://schemas.microsoft.com/office/drawing/2014/main" val="1358438765"/>
+                    <a16:rowId xmlns:a16="http://schemas.microsoft.com/office/drawing/2014/main" xmlns="" val="1358438765"/>
                   </a:ext>
                 </a:extLst>
               </a:tr>
@@ -8118,7 +7384,7 @@
                 </a:tc>
                 <a:extLst>
                   <a:ext uri="{0D108BD9-81ED-4DB2-BD59-A6C34878D82A}">
-                    <a16:rowId xmlns:a16="http://schemas.microsoft.com/office/drawing/2014/main" val="449528634"/>
+                    <a16:rowId xmlns:a16="http://schemas.microsoft.com/office/drawing/2014/main" xmlns="" val="449528634"/>
                   </a:ext>
                 </a:extLst>
               </a:tr>
@@ -8183,7 +7449,7 @@
                 </a:tc>
                 <a:extLst>
                   <a:ext uri="{0D108BD9-81ED-4DB2-BD59-A6C34878D82A}">
-                    <a16:rowId xmlns:a16="http://schemas.microsoft.com/office/drawing/2014/main" val="2787902746"/>
+                    <a16:rowId xmlns:a16="http://schemas.microsoft.com/office/drawing/2014/main" xmlns="" val="2787902746"/>
                   </a:ext>
                 </a:extLst>
               </a:tr>
@@ -8248,7 +7514,7 @@
                 </a:tc>
                 <a:extLst>
                   <a:ext uri="{0D108BD9-81ED-4DB2-BD59-A6C34878D82A}">
-                    <a16:rowId xmlns:a16="http://schemas.microsoft.com/office/drawing/2014/main" val="2853434205"/>
+                    <a16:rowId xmlns:a16="http://schemas.microsoft.com/office/drawing/2014/main" xmlns="" val="2853434205"/>
                   </a:ext>
                 </a:extLst>
               </a:tr>
@@ -8357,7 +7623,7 @@
                 </a:tc>
                 <a:extLst>
                   <a:ext uri="{0D108BD9-81ED-4DB2-BD59-A6C34878D82A}">
-                    <a16:rowId xmlns:a16="http://schemas.microsoft.com/office/drawing/2014/main" val="2893995208"/>
+                    <a16:rowId xmlns:a16="http://schemas.microsoft.com/office/drawing/2014/main" xmlns="" val="2893995208"/>
                   </a:ext>
                 </a:extLst>
               </a:tr>
@@ -8422,7 +7688,7 @@
                 </a:tc>
                 <a:extLst>
                   <a:ext uri="{0D108BD9-81ED-4DB2-BD59-A6C34878D82A}">
-                    <a16:rowId xmlns:a16="http://schemas.microsoft.com/office/drawing/2014/main" val="2695641922"/>
+                    <a16:rowId xmlns:a16="http://schemas.microsoft.com/office/drawing/2014/main" xmlns="" val="2695641922"/>
                   </a:ext>
                 </a:extLst>
               </a:tr>
@@ -8445,1025 +7711,7 @@
 </p:sld>
 </file>
 
-<file path=ppt/slides/slide18.xml><?xml version="1.0" encoding="utf-8"?>
-<p:sld xmlns:a="http://schemas.openxmlformats.org/drawingml/2006/main" xmlns:r="http://schemas.openxmlformats.org/officeDocument/2006/relationships" xmlns:p="http://schemas.openxmlformats.org/presentationml/2006/main">
-  <p:cSld>
-    <p:spTree>
-      <p:nvGrpSpPr>
-        <p:cNvPr id="1" name="Shape 145"/>
-        <p:cNvGrpSpPr/>
-        <p:nvPr/>
-      </p:nvGrpSpPr>
-      <p:grpSpPr>
-        <a:xfrm>
-          <a:off x="0" y="0"/>
-          <a:ext cx="0" cy="0"/>
-          <a:chOff x="0" y="0"/>
-          <a:chExt cx="0" cy="0"/>
-        </a:xfrm>
-      </p:grpSpPr>
-      <p:sp>
-        <p:nvSpPr>
-          <p:cNvPr id="146" name="Shape 146"/>
-          <p:cNvSpPr/>
-          <p:nvPr/>
-        </p:nvSpPr>
-        <p:spPr>
-          <a:xfrm>
-            <a:off x="929590" y="0"/>
-            <a:ext cx="8060174" cy="1015663"/>
-          </a:xfrm>
-          <a:prstGeom prst="rect">
-            <a:avLst/>
-          </a:prstGeom>
-          <a:noFill/>
-          <a:ln>
-            <a:noFill/>
-          </a:ln>
-        </p:spPr>
-        <p:txBody>
-          <a:bodyPr wrap="square" lIns="91425" tIns="45700" rIns="91425" bIns="45700" anchor="t" anchorCtr="0">
-            <a:noAutofit/>
-          </a:bodyPr>
-          <a:lstStyle/>
-          <a:p>
-            <a:pPr marL="0" marR="0" lvl="0" indent="-190500" algn="ctr" rtl="0">
-              <a:lnSpc>
-                <a:spcPct val="100000"/>
-              </a:lnSpc>
-              <a:spcBef>
-                <a:spcPts val="0"/>
-              </a:spcBef>
-              <a:spcAft>
-                <a:spcPts val="0"/>
-              </a:spcAft>
-              <a:buClr>
-                <a:schemeClr val="lt1"/>
-              </a:buClr>
-              <a:buSzPts val="3000"/>
-              <a:buFont typeface="Calibri"/>
-              <a:buNone/>
-            </a:pPr>
-            <a:r>
-              <a:rPr lang="es-ES" sz="3000" b="1" i="0" u="none" strike="noStrike" cap="none" dirty="0">
-                <a:solidFill>
-                  <a:schemeClr val="lt1"/>
-                </a:solidFill>
-                <a:latin typeface="Calibri"/>
-                <a:ea typeface="Calibri"/>
-                <a:cs typeface="Calibri"/>
-                <a:sym typeface="Calibri"/>
-              </a:rPr>
-              <a:t>CASO DE USO EXTENDIDO CONSULTAR OPINION DEL CLIENTE</a:t>
-            </a:r>
-            <a:r>
-              <a:rPr lang="es-ES" sz="3000" b="1" i="0" u="sng" strike="noStrike" cap="none" dirty="0">
-                <a:solidFill>
-                  <a:schemeClr val="hlink"/>
-                </a:solidFill>
-                <a:latin typeface="Calibri"/>
-                <a:ea typeface="Calibri"/>
-                <a:cs typeface="Calibri"/>
-                <a:sym typeface="Calibri"/>
-                <a:hlinkClick r:id="rId3" action="ppaction://hlinkfile"/>
-              </a:rPr>
-              <a:t>.</a:t>
-            </a:r>
-            <a:endParaRPr lang="es-ES" sz="3000" b="1" i="0" u="sng" strike="noStrike" cap="none" dirty="0">
-              <a:solidFill>
-                <a:schemeClr val="hlink"/>
-              </a:solidFill>
-              <a:latin typeface="Calibri"/>
-              <a:ea typeface="Calibri"/>
-              <a:cs typeface="Calibri"/>
-              <a:sym typeface="Calibri"/>
-              <a:hlinkClick r:id="rId4"/>
-            </a:endParaRPr>
-          </a:p>
-        </p:txBody>
-      </p:sp>
-      <p:graphicFrame>
-        <p:nvGraphicFramePr>
-          <p:cNvPr id="2" name="Tabla 1"/>
-          <p:cNvGraphicFramePr>
-            <a:graphicFrameLocks noGrp="1"/>
-          </p:cNvGraphicFramePr>
-          <p:nvPr>
-            <p:extLst>
-              <p:ext uri="{D42A27DB-BD31-4B8C-83A1-F6EECF244321}">
-                <p14:modId xmlns:p14="http://schemas.microsoft.com/office/powerpoint/2010/main" val="3648696042"/>
-              </p:ext>
-            </p:extLst>
-          </p:nvPr>
-        </p:nvGraphicFramePr>
-        <p:xfrm>
-          <a:off x="0" y="954159"/>
-          <a:ext cx="9064487" cy="3989513"/>
-        </p:xfrm>
-        <a:graphic>
-          <a:graphicData uri="http://schemas.openxmlformats.org/drawingml/2006/table">
-            <a:tbl>
-              <a:tblPr>
-                <a:tableStyleId>{22838BEF-8BB2-4498-84A7-C5851F593DF1}</a:tableStyleId>
-              </a:tblPr>
-              <a:tblGrid>
-                <a:gridCol w="1991601">
-                  <a:extLst>
-                    <a:ext uri="{9D8B030D-6E8A-4147-A177-3AD203B41FA5}">
-                      <a16:colId xmlns:a16="http://schemas.microsoft.com/office/drawing/2014/main" val="3873724575"/>
-                    </a:ext>
-                  </a:extLst>
-                </a:gridCol>
-                <a:gridCol w="552816">
-                  <a:extLst>
-                    <a:ext uri="{9D8B030D-6E8A-4147-A177-3AD203B41FA5}">
-                      <a16:colId xmlns:a16="http://schemas.microsoft.com/office/drawing/2014/main" val="4003013749"/>
-                    </a:ext>
-                  </a:extLst>
-                </a:gridCol>
-                <a:gridCol w="1566574">
-                  <a:extLst>
-                    <a:ext uri="{9D8B030D-6E8A-4147-A177-3AD203B41FA5}">
-                      <a16:colId xmlns:a16="http://schemas.microsoft.com/office/drawing/2014/main" val="277165094"/>
-                    </a:ext>
-                  </a:extLst>
-                </a:gridCol>
-                <a:gridCol w="4953496">
-                  <a:extLst>
-                    <a:ext uri="{9D8B030D-6E8A-4147-A177-3AD203B41FA5}">
-                      <a16:colId xmlns:a16="http://schemas.microsoft.com/office/drawing/2014/main" val="3244557486"/>
-                    </a:ext>
-                  </a:extLst>
-                </a:gridCol>
-              </a:tblGrid>
-              <a:tr h="578487">
-                <a:tc>
-                  <a:txBody>
-                    <a:bodyPr/>
-                    <a:lstStyle/>
-                    <a:p>
-                      <a:pPr algn="l" fontAlgn="b"/>
-                      <a:r>
-                        <a:rPr lang="es-MX" sz="1400" u="none" strike="noStrike">
-                          <a:effectLst/>
-                        </a:rPr>
-                        <a:t>Nombre del caso de uso </a:t>
-                      </a:r>
-                      <a:endParaRPr lang="es-MX" sz="1400" b="1" i="0" u="none" strike="noStrike">
-                        <a:solidFill>
-                          <a:srgbClr val="000000"/>
-                        </a:solidFill>
-                        <a:effectLst/>
-                        <a:latin typeface="Calibri" panose="020F0502020204030204" pitchFamily="34" charset="0"/>
-                      </a:endParaRPr>
-                    </a:p>
-                  </a:txBody>
-                  <a:tcPr marL="7988" marR="7988" marT="7988" marB="0" anchor="b"/>
-                </a:tc>
-                <a:tc gridSpan="3">
-                  <a:txBody>
-                    <a:bodyPr/>
-                    <a:lstStyle/>
-                    <a:p>
-                      <a:pPr algn="l" fontAlgn="b"/>
-                      <a:r>
-                        <a:rPr lang="en-US" sz="1400" u="none" strike="noStrike">
-                          <a:effectLst/>
-                        </a:rPr>
-                        <a:t>Consultar opinion del cliente/CU9</a:t>
-                      </a:r>
-                      <a:endParaRPr lang="en-US" sz="1400" b="0" i="0" u="none" strike="noStrike">
-                        <a:solidFill>
-                          <a:srgbClr val="000000"/>
-                        </a:solidFill>
-                        <a:effectLst/>
-                        <a:latin typeface="Calibri" panose="020F0502020204030204" pitchFamily="34" charset="0"/>
-                      </a:endParaRPr>
-                    </a:p>
-                  </a:txBody>
-                  <a:tcPr marL="7988" marR="7988" marT="7988" marB="0" anchor="b"/>
-                </a:tc>
-                <a:tc hMerge="1">
-                  <a:txBody>
-                    <a:bodyPr/>
-                    <a:lstStyle/>
-                    <a:p>
-                      <a:endParaRPr lang="en-US"/>
-                    </a:p>
-                  </a:txBody>
-                  <a:tcPr/>
-                </a:tc>
-                <a:tc hMerge="1">
-                  <a:txBody>
-                    <a:bodyPr/>
-                    <a:lstStyle/>
-                    <a:p>
-                      <a:endParaRPr lang="en-US"/>
-                    </a:p>
-                  </a:txBody>
-                  <a:tcPr/>
-                </a:tc>
-                <a:extLst>
-                  <a:ext uri="{0D108BD9-81ED-4DB2-BD59-A6C34878D82A}">
-                    <a16:rowId xmlns:a16="http://schemas.microsoft.com/office/drawing/2014/main" val="1213436539"/>
-                  </a:ext>
-                </a:extLst>
-              </a:tr>
-              <a:tr h="228169">
-                <a:tc>
-                  <a:txBody>
-                    <a:bodyPr/>
-                    <a:lstStyle/>
-                    <a:p>
-                      <a:pPr algn="l" fontAlgn="b"/>
-                      <a:r>
-                        <a:rPr lang="en-US" sz="1400" u="none" strike="noStrike">
-                          <a:effectLst/>
-                        </a:rPr>
-                        <a:t>Actor </a:t>
-                      </a:r>
-                      <a:endParaRPr lang="en-US" sz="1400" b="1" i="0" u="none" strike="noStrike">
-                        <a:solidFill>
-                          <a:srgbClr val="000000"/>
-                        </a:solidFill>
-                        <a:effectLst/>
-                        <a:latin typeface="Calibri" panose="020F0502020204030204" pitchFamily="34" charset="0"/>
-                      </a:endParaRPr>
-                    </a:p>
-                  </a:txBody>
-                  <a:tcPr marL="7988" marR="7988" marT="7988" marB="0" anchor="b"/>
-                </a:tc>
-                <a:tc gridSpan="2">
-                  <a:txBody>
-                    <a:bodyPr/>
-                    <a:lstStyle/>
-                    <a:p>
-                      <a:pPr algn="l" fontAlgn="b"/>
-                      <a:r>
-                        <a:rPr lang="en-US" sz="1400" u="none" strike="noStrike">
-                          <a:effectLst/>
-                        </a:rPr>
-                        <a:t>Gerente</a:t>
-                      </a:r>
-                      <a:endParaRPr lang="en-US" sz="1400" b="0" i="0" u="none" strike="noStrike">
-                        <a:solidFill>
-                          <a:srgbClr val="000000"/>
-                        </a:solidFill>
-                        <a:effectLst/>
-                        <a:latin typeface="Calibri" panose="020F0502020204030204" pitchFamily="34" charset="0"/>
-                      </a:endParaRPr>
-                    </a:p>
-                  </a:txBody>
-                  <a:tcPr marL="7988" marR="7988" marT="7988" marB="0" anchor="b"/>
-                </a:tc>
-                <a:tc hMerge="1">
-                  <a:txBody>
-                    <a:bodyPr/>
-                    <a:lstStyle/>
-                    <a:p>
-                      <a:endParaRPr lang="en-US"/>
-                    </a:p>
-                  </a:txBody>
-                  <a:tcPr/>
-                </a:tc>
-                <a:tc>
-                  <a:txBody>
-                    <a:bodyPr/>
-                    <a:lstStyle/>
-                    <a:p>
-                      <a:pPr algn="l" fontAlgn="b"/>
-                      <a:r>
-                        <a:rPr lang="en-US" sz="900" u="none" strike="noStrike">
-                          <a:effectLst/>
-                        </a:rPr>
-                        <a:t> </a:t>
-                      </a:r>
-                      <a:endParaRPr lang="en-US" sz="900" b="0" i="0" u="none" strike="noStrike">
-                        <a:solidFill>
-                          <a:srgbClr val="000000"/>
-                        </a:solidFill>
-                        <a:effectLst/>
-                        <a:latin typeface="Calibri" panose="020F0502020204030204" pitchFamily="34" charset="0"/>
-                      </a:endParaRPr>
-                    </a:p>
-                  </a:txBody>
-                  <a:tcPr marL="7988" marR="7988" marT="7988" marB="0" anchor="b"/>
-                </a:tc>
-                <a:extLst>
-                  <a:ext uri="{0D108BD9-81ED-4DB2-BD59-A6C34878D82A}">
-                    <a16:rowId xmlns:a16="http://schemas.microsoft.com/office/drawing/2014/main" val="568642258"/>
-                  </a:ext>
-                </a:extLst>
-              </a:tr>
-              <a:tr h="668039">
-                <a:tc>
-                  <a:txBody>
-                    <a:bodyPr/>
-                    <a:lstStyle/>
-                    <a:p>
-                      <a:pPr algn="l" fontAlgn="b"/>
-                      <a:r>
-                        <a:rPr lang="en-US" sz="1400" u="none" strike="noStrike">
-                          <a:effectLst/>
-                        </a:rPr>
-                        <a:t>Descripción </a:t>
-                      </a:r>
-                      <a:endParaRPr lang="en-US" sz="1400" b="1" i="0" u="none" strike="noStrike">
-                        <a:solidFill>
-                          <a:srgbClr val="000000"/>
-                        </a:solidFill>
-                        <a:effectLst/>
-                        <a:latin typeface="Calibri" panose="020F0502020204030204" pitchFamily="34" charset="0"/>
-                      </a:endParaRPr>
-                    </a:p>
-                  </a:txBody>
-                  <a:tcPr marL="7988" marR="7988" marT="7988" marB="0" anchor="b"/>
-                </a:tc>
-                <a:tc gridSpan="2">
-                  <a:txBody>
-                    <a:bodyPr/>
-                    <a:lstStyle/>
-                    <a:p>
-                      <a:pPr algn="l" fontAlgn="ctr"/>
-                      <a:r>
-                        <a:rPr lang="es-MX" sz="1400" u="none" strike="noStrike" dirty="0">
-                          <a:effectLst/>
-                        </a:rPr>
-                        <a:t>El gerente </a:t>
-                      </a:r>
-                      <a:r>
-                        <a:rPr lang="es-MX" sz="1400" u="none" strike="noStrike" dirty="0" err="1">
-                          <a:effectLst/>
-                        </a:rPr>
-                        <a:t>podra</a:t>
-                      </a:r>
-                      <a:r>
-                        <a:rPr lang="es-MX" sz="1400" u="none" strike="noStrike" dirty="0">
-                          <a:effectLst/>
-                        </a:rPr>
-                        <a:t> ver las opiniones registradas por los usuarios</a:t>
-                      </a:r>
-                      <a:endParaRPr lang="es-MX" sz="1400" b="0" i="0" u="none" strike="noStrike" dirty="0">
-                        <a:solidFill>
-                          <a:srgbClr val="000000"/>
-                        </a:solidFill>
-                        <a:effectLst/>
-                        <a:latin typeface="Calibri" panose="020F0502020204030204" pitchFamily="34" charset="0"/>
-                      </a:endParaRPr>
-                    </a:p>
-                  </a:txBody>
-                  <a:tcPr marL="7988" marR="7988" marT="7988" marB="0" anchor="ctr"/>
-                </a:tc>
-                <a:tc hMerge="1">
-                  <a:txBody>
-                    <a:bodyPr/>
-                    <a:lstStyle/>
-                    <a:p>
-                      <a:endParaRPr lang="en-US"/>
-                    </a:p>
-                  </a:txBody>
-                  <a:tcPr/>
-                </a:tc>
-                <a:tc>
-                  <a:txBody>
-                    <a:bodyPr/>
-                    <a:lstStyle/>
-                    <a:p>
-                      <a:pPr algn="l" fontAlgn="b"/>
-                      <a:r>
-                        <a:rPr lang="en-US" sz="900" u="none" strike="noStrike" dirty="0">
-                          <a:effectLst/>
-                        </a:rPr>
-                        <a:t> </a:t>
-                      </a:r>
-                      <a:endParaRPr lang="en-US" sz="900" b="0" i="0" u="none" strike="noStrike" dirty="0">
-                        <a:solidFill>
-                          <a:srgbClr val="000000"/>
-                        </a:solidFill>
-                        <a:effectLst/>
-                        <a:latin typeface="Calibri" panose="020F0502020204030204" pitchFamily="34" charset="0"/>
-                      </a:endParaRPr>
-                    </a:p>
-                  </a:txBody>
-                  <a:tcPr marL="7988" marR="7988" marT="7988" marB="0" anchor="b"/>
-                </a:tc>
-                <a:extLst>
-                  <a:ext uri="{0D108BD9-81ED-4DB2-BD59-A6C34878D82A}">
-                    <a16:rowId xmlns:a16="http://schemas.microsoft.com/office/drawing/2014/main" val="3348850072"/>
-                  </a:ext>
-                </a:extLst>
-              </a:tr>
-              <a:tr h="293328">
-                <a:tc>
-                  <a:txBody>
-                    <a:bodyPr/>
-                    <a:lstStyle/>
-                    <a:p>
-                      <a:pPr algn="l" fontAlgn="b"/>
-                      <a:r>
-                        <a:rPr lang="en-US" sz="1400" u="none" strike="noStrike">
-                          <a:effectLst/>
-                        </a:rPr>
-                        <a:t>Precondición</a:t>
-                      </a:r>
-                      <a:endParaRPr lang="en-US" sz="1400" b="1" i="0" u="none" strike="noStrike">
-                        <a:solidFill>
-                          <a:srgbClr val="000000"/>
-                        </a:solidFill>
-                        <a:effectLst/>
-                        <a:latin typeface="Calibri" panose="020F0502020204030204" pitchFamily="34" charset="0"/>
-                      </a:endParaRPr>
-                    </a:p>
-                  </a:txBody>
-                  <a:tcPr marL="7988" marR="7988" marT="7988" marB="0" anchor="b"/>
-                </a:tc>
-                <a:tc gridSpan="3">
-                  <a:txBody>
-                    <a:bodyPr/>
-                    <a:lstStyle/>
-                    <a:p>
-                      <a:pPr algn="l" fontAlgn="b"/>
-                      <a:r>
-                        <a:rPr lang="es-MX" sz="1400" u="none" strike="noStrike" dirty="0">
-                          <a:effectLst/>
-                        </a:rPr>
-                        <a:t>1.Ingresar con el usuario y contraseña</a:t>
-                      </a:r>
-                      <a:endParaRPr lang="es-MX" sz="1400" b="0" i="0" u="none" strike="noStrike" dirty="0">
-                        <a:solidFill>
-                          <a:srgbClr val="000000"/>
-                        </a:solidFill>
-                        <a:effectLst/>
-                        <a:latin typeface="Calibri" panose="020F0502020204030204" pitchFamily="34" charset="0"/>
-                      </a:endParaRPr>
-                    </a:p>
-                  </a:txBody>
-                  <a:tcPr marL="7988" marR="7988" marT="7988" marB="0" anchor="b"/>
-                </a:tc>
-                <a:tc hMerge="1">
-                  <a:txBody>
-                    <a:bodyPr/>
-                    <a:lstStyle/>
-                    <a:p>
-                      <a:endParaRPr lang="en-US"/>
-                    </a:p>
-                  </a:txBody>
-                  <a:tcPr/>
-                </a:tc>
-                <a:tc hMerge="1">
-                  <a:txBody>
-                    <a:bodyPr/>
-                    <a:lstStyle/>
-                    <a:p>
-                      <a:endParaRPr lang="en-US"/>
-                    </a:p>
-                  </a:txBody>
-                  <a:tcPr/>
-                </a:tc>
-                <a:extLst>
-                  <a:ext uri="{0D108BD9-81ED-4DB2-BD59-A6C34878D82A}">
-                    <a16:rowId xmlns:a16="http://schemas.microsoft.com/office/drawing/2014/main" val="1405132451"/>
-                  </a:ext>
-                </a:extLst>
-              </a:tr>
-              <a:tr h="228169">
-                <a:tc>
-                  <a:txBody>
-                    <a:bodyPr/>
-                    <a:lstStyle/>
-                    <a:p>
-                      <a:pPr algn="l" fontAlgn="b"/>
-                      <a:r>
-                        <a:rPr lang="en-US" sz="1400" u="none" strike="noStrike">
-                          <a:effectLst/>
-                        </a:rPr>
-                        <a:t> </a:t>
-                      </a:r>
-                      <a:endParaRPr lang="en-US" sz="1400" b="1" i="0" u="none" strike="noStrike">
-                        <a:solidFill>
-                          <a:srgbClr val="000000"/>
-                        </a:solidFill>
-                        <a:effectLst/>
-                        <a:latin typeface="Calibri" panose="020F0502020204030204" pitchFamily="34" charset="0"/>
-                      </a:endParaRPr>
-                    </a:p>
-                  </a:txBody>
-                  <a:tcPr marL="7988" marR="7988" marT="7988" marB="0" anchor="b"/>
-                </a:tc>
-                <a:tc gridSpan="3">
-                  <a:txBody>
-                    <a:bodyPr/>
-                    <a:lstStyle/>
-                    <a:p>
-                      <a:pPr algn="l" fontAlgn="b"/>
-                      <a:r>
-                        <a:rPr lang="es-MX" sz="1400" u="none" strike="noStrike">
-                          <a:effectLst/>
-                        </a:rPr>
-                        <a:t>2.Los clientes hayan realizado su opinion</a:t>
-                      </a:r>
-                      <a:endParaRPr lang="es-MX" sz="1400" b="0" i="0" u="none" strike="noStrike">
-                        <a:solidFill>
-                          <a:srgbClr val="000000"/>
-                        </a:solidFill>
-                        <a:effectLst/>
-                        <a:latin typeface="Calibri" panose="020F0502020204030204" pitchFamily="34" charset="0"/>
-                      </a:endParaRPr>
-                    </a:p>
-                  </a:txBody>
-                  <a:tcPr marL="7988" marR="7988" marT="7988" marB="0" anchor="b"/>
-                </a:tc>
-                <a:tc hMerge="1">
-                  <a:txBody>
-                    <a:bodyPr/>
-                    <a:lstStyle/>
-                    <a:p>
-                      <a:endParaRPr lang="en-US"/>
-                    </a:p>
-                  </a:txBody>
-                  <a:tcPr/>
-                </a:tc>
-                <a:tc hMerge="1">
-                  <a:txBody>
-                    <a:bodyPr/>
-                    <a:lstStyle/>
-                    <a:p>
-                      <a:endParaRPr lang="en-US"/>
-                    </a:p>
-                  </a:txBody>
-                  <a:tcPr/>
-                </a:tc>
-                <a:extLst>
-                  <a:ext uri="{0D108BD9-81ED-4DB2-BD59-A6C34878D82A}">
-                    <a16:rowId xmlns:a16="http://schemas.microsoft.com/office/drawing/2014/main" val="673575572"/>
-                  </a:ext>
-                </a:extLst>
-              </a:tr>
-              <a:tr h="887974">
-                <a:tc>
-                  <a:txBody>
-                    <a:bodyPr/>
-                    <a:lstStyle/>
-                    <a:p>
-                      <a:pPr algn="l" fontAlgn="b"/>
-                      <a:r>
-                        <a:rPr lang="en-US" sz="1400" u="none" strike="noStrike">
-                          <a:effectLst/>
-                        </a:rPr>
-                        <a:t>Flujo de secuencia</a:t>
-                      </a:r>
-                      <a:endParaRPr lang="en-US" sz="1400" b="1" i="0" u="none" strike="noStrike">
-                        <a:solidFill>
-                          <a:srgbClr val="000000"/>
-                        </a:solidFill>
-                        <a:effectLst/>
-                        <a:latin typeface="Calibri" panose="020F0502020204030204" pitchFamily="34" charset="0"/>
-                      </a:endParaRPr>
-                    </a:p>
-                  </a:txBody>
-                  <a:tcPr marL="7988" marR="7988" marT="7988" marB="0" anchor="b"/>
-                </a:tc>
-                <a:tc>
-                  <a:txBody>
-                    <a:bodyPr/>
-                    <a:lstStyle/>
-                    <a:p>
-                      <a:pPr algn="l" fontAlgn="b"/>
-                      <a:r>
-                        <a:rPr lang="en-US" sz="1400" u="none" strike="noStrike">
-                          <a:effectLst/>
-                        </a:rPr>
-                        <a:t>Paso</a:t>
-                      </a:r>
-                      <a:endParaRPr lang="en-US" sz="1400" b="1" i="0" u="none" strike="noStrike">
-                        <a:solidFill>
-                          <a:srgbClr val="000000"/>
-                        </a:solidFill>
-                        <a:effectLst/>
-                        <a:latin typeface="Calibri" panose="020F0502020204030204" pitchFamily="34" charset="0"/>
-                      </a:endParaRPr>
-                    </a:p>
-                  </a:txBody>
-                  <a:tcPr marL="7988" marR="7988" marT="7988" marB="0" anchor="b"/>
-                </a:tc>
-                <a:tc gridSpan="2">
-                  <a:txBody>
-                    <a:bodyPr/>
-                    <a:lstStyle/>
-                    <a:p>
-                      <a:pPr algn="l" fontAlgn="b"/>
-                      <a:r>
-                        <a:rPr lang="en-US" sz="1400" u="none" strike="noStrike" dirty="0" err="1">
-                          <a:effectLst/>
-                        </a:rPr>
-                        <a:t>Acción</a:t>
-                      </a:r>
-                      <a:endParaRPr lang="en-US" sz="1400" b="1" i="0" u="none" strike="noStrike" dirty="0">
-                        <a:solidFill>
-                          <a:srgbClr val="000000"/>
-                        </a:solidFill>
-                        <a:effectLst/>
-                        <a:latin typeface="Calibri" panose="020F0502020204030204" pitchFamily="34" charset="0"/>
-                      </a:endParaRPr>
-                    </a:p>
-                  </a:txBody>
-                  <a:tcPr marL="7988" marR="7988" marT="7988" marB="0" anchor="b"/>
-                </a:tc>
-                <a:tc hMerge="1">
-                  <a:txBody>
-                    <a:bodyPr/>
-                    <a:lstStyle/>
-                    <a:p>
-                      <a:pPr algn="l" fontAlgn="b"/>
-                      <a:endParaRPr lang="en-US" sz="900" b="1" i="0" u="none" strike="noStrike">
-                        <a:solidFill>
-                          <a:srgbClr val="000000"/>
-                        </a:solidFill>
-                        <a:effectLst/>
-                        <a:latin typeface="Calibri" panose="020F0502020204030204" pitchFamily="34" charset="0"/>
-                      </a:endParaRPr>
-                    </a:p>
-                  </a:txBody>
-                  <a:tcPr marL="7988" marR="7988" marT="7988" marB="0" anchor="b"/>
-                </a:tc>
-                <a:extLst>
-                  <a:ext uri="{0D108BD9-81ED-4DB2-BD59-A6C34878D82A}">
-                    <a16:rowId xmlns:a16="http://schemas.microsoft.com/office/drawing/2014/main" val="2935761313"/>
-                  </a:ext>
-                </a:extLst>
-              </a:tr>
-              <a:tr h="291925">
-                <a:tc>
-                  <a:txBody>
-                    <a:bodyPr/>
-                    <a:lstStyle/>
-                    <a:p>
-                      <a:pPr algn="l" fontAlgn="b"/>
-                      <a:r>
-                        <a:rPr lang="en-US" sz="1400" u="none" strike="noStrike">
-                          <a:effectLst/>
-                        </a:rPr>
-                        <a:t> </a:t>
-                      </a:r>
-                      <a:endParaRPr lang="en-US" sz="1400" b="0" i="0" u="none" strike="noStrike">
-                        <a:solidFill>
-                          <a:srgbClr val="000000"/>
-                        </a:solidFill>
-                        <a:effectLst/>
-                        <a:latin typeface="Calibri" panose="020F0502020204030204" pitchFamily="34" charset="0"/>
-                      </a:endParaRPr>
-                    </a:p>
-                  </a:txBody>
-                  <a:tcPr marL="7988" marR="7988" marT="7988" marB="0" anchor="b"/>
-                </a:tc>
-                <a:tc>
-                  <a:txBody>
-                    <a:bodyPr/>
-                    <a:lstStyle/>
-                    <a:p>
-                      <a:pPr algn="l" fontAlgn="ctr"/>
-                      <a:r>
-                        <a:rPr lang="en-US" sz="1400" u="none" strike="noStrike">
-                          <a:effectLst/>
-                        </a:rPr>
-                        <a:t>1</a:t>
-                      </a:r>
-                      <a:endParaRPr lang="en-US" sz="1400" b="0" i="0" u="none" strike="noStrike">
-                        <a:solidFill>
-                          <a:srgbClr val="000000"/>
-                        </a:solidFill>
-                        <a:effectLst/>
-                        <a:latin typeface="Calibri" panose="020F0502020204030204" pitchFamily="34" charset="0"/>
-                      </a:endParaRPr>
-                    </a:p>
-                  </a:txBody>
-                  <a:tcPr marL="7988" marR="7988" marT="7988" marB="0" anchor="ctr"/>
-                </a:tc>
-                <a:tc gridSpan="2">
-                  <a:txBody>
-                    <a:bodyPr/>
-                    <a:lstStyle/>
-                    <a:p>
-                      <a:pPr algn="l" fontAlgn="b"/>
-                      <a:r>
-                        <a:rPr lang="es-MX" sz="1400" u="none" strike="noStrike">
-                          <a:effectLst/>
-                        </a:rPr>
-                        <a:t>El gerente ingresará a la opción consultar opinion de clientes</a:t>
-                      </a:r>
-                      <a:endParaRPr lang="es-MX" sz="1400" b="0" i="0" u="none" strike="noStrike">
-                        <a:solidFill>
-                          <a:srgbClr val="000000"/>
-                        </a:solidFill>
-                        <a:effectLst/>
-                        <a:latin typeface="Calibri" panose="020F0502020204030204" pitchFamily="34" charset="0"/>
-                      </a:endParaRPr>
-                    </a:p>
-                  </a:txBody>
-                  <a:tcPr marL="7988" marR="7988" marT="7988" marB="0" anchor="b"/>
-                </a:tc>
-                <a:tc hMerge="1">
-                  <a:txBody>
-                    <a:bodyPr/>
-                    <a:lstStyle/>
-                    <a:p>
-                      <a:pPr algn="l" fontAlgn="b"/>
-                      <a:endParaRPr lang="es-MX" sz="900" b="0" i="0" u="none" strike="noStrike">
-                        <a:solidFill>
-                          <a:srgbClr val="000000"/>
-                        </a:solidFill>
-                        <a:effectLst/>
-                        <a:latin typeface="Calibri" panose="020F0502020204030204" pitchFamily="34" charset="0"/>
-                      </a:endParaRPr>
-                    </a:p>
-                  </a:txBody>
-                  <a:tcPr marL="7988" marR="7988" marT="7988" marB="0" anchor="b"/>
-                </a:tc>
-                <a:extLst>
-                  <a:ext uri="{0D108BD9-81ED-4DB2-BD59-A6C34878D82A}">
-                    <a16:rowId xmlns:a16="http://schemas.microsoft.com/office/drawing/2014/main" val="1478161395"/>
-                  </a:ext>
-                </a:extLst>
-              </a:tr>
-              <a:tr h="291925">
-                <a:tc>
-                  <a:txBody>
-                    <a:bodyPr/>
-                    <a:lstStyle/>
-                    <a:p>
-                      <a:pPr algn="l" fontAlgn="b"/>
-                      <a:r>
-                        <a:rPr lang="en-US" sz="1400" u="none" strike="noStrike">
-                          <a:effectLst/>
-                        </a:rPr>
-                        <a:t> </a:t>
-                      </a:r>
-                      <a:endParaRPr lang="en-US" sz="1400" b="0" i="0" u="none" strike="noStrike">
-                        <a:solidFill>
-                          <a:srgbClr val="000000"/>
-                        </a:solidFill>
-                        <a:effectLst/>
-                        <a:latin typeface="Calibri" panose="020F0502020204030204" pitchFamily="34" charset="0"/>
-                      </a:endParaRPr>
-                    </a:p>
-                  </a:txBody>
-                  <a:tcPr marL="7988" marR="7988" marT="7988" marB="0" anchor="b"/>
-                </a:tc>
-                <a:tc>
-                  <a:txBody>
-                    <a:bodyPr/>
-                    <a:lstStyle/>
-                    <a:p>
-                      <a:pPr algn="l" fontAlgn="b"/>
-                      <a:r>
-                        <a:rPr lang="en-US" sz="1400" u="none" strike="noStrike">
-                          <a:effectLst/>
-                        </a:rPr>
-                        <a:t>2</a:t>
-                      </a:r>
-                      <a:endParaRPr lang="en-US" sz="1400" b="0" i="0" u="none" strike="noStrike">
-                        <a:solidFill>
-                          <a:srgbClr val="000000"/>
-                        </a:solidFill>
-                        <a:effectLst/>
-                        <a:latin typeface="Calibri" panose="020F0502020204030204" pitchFamily="34" charset="0"/>
-                      </a:endParaRPr>
-                    </a:p>
-                  </a:txBody>
-                  <a:tcPr marL="7988" marR="7988" marT="7988" marB="0" anchor="b"/>
-                </a:tc>
-                <a:tc gridSpan="2">
-                  <a:txBody>
-                    <a:bodyPr/>
-                    <a:lstStyle/>
-                    <a:p>
-                      <a:pPr algn="l" fontAlgn="b"/>
-                      <a:r>
-                        <a:rPr lang="es-MX" sz="1400" u="none" strike="noStrike">
-                          <a:effectLst/>
-                        </a:rPr>
-                        <a:t>El cliente visulizara las opiniones que los clientes han registrado</a:t>
-                      </a:r>
-                      <a:endParaRPr lang="es-MX" sz="1400" b="0" i="0" u="none" strike="noStrike">
-                        <a:solidFill>
-                          <a:srgbClr val="000000"/>
-                        </a:solidFill>
-                        <a:effectLst/>
-                        <a:latin typeface="Calibri" panose="020F0502020204030204" pitchFamily="34" charset="0"/>
-                      </a:endParaRPr>
-                    </a:p>
-                  </a:txBody>
-                  <a:tcPr marL="7988" marR="7988" marT="7988" marB="0" anchor="b"/>
-                </a:tc>
-                <a:tc hMerge="1">
-                  <a:txBody>
-                    <a:bodyPr/>
-                    <a:lstStyle/>
-                    <a:p>
-                      <a:pPr algn="l" fontAlgn="b"/>
-                      <a:endParaRPr lang="es-MX" sz="900" b="0" i="0" u="none" strike="noStrike">
-                        <a:solidFill>
-                          <a:srgbClr val="000000"/>
-                        </a:solidFill>
-                        <a:effectLst/>
-                        <a:latin typeface="Calibri" panose="020F0502020204030204" pitchFamily="34" charset="0"/>
-                      </a:endParaRPr>
-                    </a:p>
-                  </a:txBody>
-                  <a:tcPr marL="7988" marR="7988" marT="7988" marB="0" anchor="b"/>
-                </a:tc>
-                <a:extLst>
-                  <a:ext uri="{0D108BD9-81ED-4DB2-BD59-A6C34878D82A}">
-                    <a16:rowId xmlns:a16="http://schemas.microsoft.com/office/drawing/2014/main" val="541481467"/>
-                  </a:ext>
-                </a:extLst>
-              </a:tr>
-              <a:tr h="293328">
-                <a:tc>
-                  <a:txBody>
-                    <a:bodyPr/>
-                    <a:lstStyle/>
-                    <a:p>
-                      <a:pPr algn="l" fontAlgn="b"/>
-                      <a:r>
-                        <a:rPr lang="en-US" sz="1400" u="none" strike="noStrike">
-                          <a:effectLst/>
-                        </a:rPr>
-                        <a:t>Postcondición</a:t>
-                      </a:r>
-                      <a:endParaRPr lang="en-US" sz="1400" b="1" i="0" u="none" strike="noStrike">
-                        <a:solidFill>
-                          <a:srgbClr val="000000"/>
-                        </a:solidFill>
-                        <a:effectLst/>
-                        <a:latin typeface="Calibri" panose="020F0502020204030204" pitchFamily="34" charset="0"/>
-                      </a:endParaRPr>
-                    </a:p>
-                  </a:txBody>
-                  <a:tcPr marL="7988" marR="7988" marT="7988" marB="0" anchor="b"/>
-                </a:tc>
-                <a:tc>
-                  <a:txBody>
-                    <a:bodyPr/>
-                    <a:lstStyle/>
-                    <a:p>
-                      <a:pPr algn="l" fontAlgn="b"/>
-                      <a:r>
-                        <a:rPr lang="en-US" sz="1400" u="none" strike="noStrike">
-                          <a:effectLst/>
-                        </a:rPr>
-                        <a:t> </a:t>
-                      </a:r>
-                      <a:endParaRPr lang="en-US" sz="1400" b="0" i="0" u="none" strike="noStrike">
-                        <a:solidFill>
-                          <a:srgbClr val="000000"/>
-                        </a:solidFill>
-                        <a:effectLst/>
-                        <a:latin typeface="Calibri" panose="020F0502020204030204" pitchFamily="34" charset="0"/>
-                      </a:endParaRPr>
-                    </a:p>
-                  </a:txBody>
-                  <a:tcPr marL="7988" marR="7988" marT="7988" marB="0" anchor="b"/>
-                </a:tc>
-                <a:tc gridSpan="2">
-                  <a:txBody>
-                    <a:bodyPr/>
-                    <a:lstStyle/>
-                    <a:p>
-                      <a:pPr algn="l" fontAlgn="b"/>
-                      <a:r>
-                        <a:rPr lang="en-US" sz="1400" u="none" strike="noStrike">
-                          <a:effectLst/>
-                        </a:rPr>
-                        <a:t> </a:t>
-                      </a:r>
-                      <a:endParaRPr lang="en-US" sz="1400" b="0" i="0" u="none" strike="noStrike">
-                        <a:solidFill>
-                          <a:srgbClr val="000000"/>
-                        </a:solidFill>
-                        <a:effectLst/>
-                        <a:latin typeface="Calibri" panose="020F0502020204030204" pitchFamily="34" charset="0"/>
-                      </a:endParaRPr>
-                    </a:p>
-                  </a:txBody>
-                  <a:tcPr marL="7988" marR="7988" marT="7988" marB="0" anchor="b"/>
-                </a:tc>
-                <a:tc hMerge="1">
-                  <a:txBody>
-                    <a:bodyPr/>
-                    <a:lstStyle/>
-                    <a:p>
-                      <a:pPr algn="l" fontAlgn="b"/>
-                      <a:endParaRPr lang="en-US" sz="900" b="0" i="0" u="none" strike="noStrike">
-                        <a:solidFill>
-                          <a:srgbClr val="000000"/>
-                        </a:solidFill>
-                        <a:effectLst/>
-                        <a:latin typeface="Calibri" panose="020F0502020204030204" pitchFamily="34" charset="0"/>
-                      </a:endParaRPr>
-                    </a:p>
-                  </a:txBody>
-                  <a:tcPr marL="7988" marR="7988" marT="7988" marB="0" anchor="b"/>
-                </a:tc>
-                <a:extLst>
-                  <a:ext uri="{0D108BD9-81ED-4DB2-BD59-A6C34878D82A}">
-                    <a16:rowId xmlns:a16="http://schemas.microsoft.com/office/drawing/2014/main" val="1587723366"/>
-                  </a:ext>
-                </a:extLst>
-              </a:tr>
-              <a:tr h="228169">
-                <a:tc>
-                  <a:txBody>
-                    <a:bodyPr/>
-                    <a:lstStyle/>
-                    <a:p>
-                      <a:pPr algn="l" fontAlgn="ctr"/>
-                      <a:r>
-                        <a:rPr lang="en-US" sz="1400" u="none" strike="noStrike">
-                          <a:effectLst/>
-                        </a:rPr>
-                        <a:t>Tipo</a:t>
-                      </a:r>
-                      <a:endParaRPr lang="en-US" sz="1400" b="1" i="0" u="none" strike="noStrike">
-                        <a:solidFill>
-                          <a:srgbClr val="000000"/>
-                        </a:solidFill>
-                        <a:effectLst/>
-                        <a:latin typeface="Calibri" panose="020F0502020204030204" pitchFamily="34" charset="0"/>
-                      </a:endParaRPr>
-                    </a:p>
-                  </a:txBody>
-                  <a:tcPr marL="7988" marR="7988" marT="7988" marB="0" anchor="ctr"/>
-                </a:tc>
-                <a:tc gridSpan="3">
-                  <a:txBody>
-                    <a:bodyPr/>
-                    <a:lstStyle/>
-                    <a:p>
-                      <a:pPr algn="l" fontAlgn="b"/>
-                      <a:r>
-                        <a:rPr lang="en-US" sz="1400" u="none" strike="noStrike" dirty="0" err="1">
-                          <a:effectLst/>
-                        </a:rPr>
-                        <a:t>Secundario</a:t>
-                      </a:r>
-                      <a:endParaRPr lang="en-US" sz="1400" b="0" i="0" u="none" strike="noStrike" dirty="0">
-                        <a:solidFill>
-                          <a:srgbClr val="000000"/>
-                        </a:solidFill>
-                        <a:effectLst/>
-                        <a:latin typeface="Calibri" panose="020F0502020204030204" pitchFamily="34" charset="0"/>
-                      </a:endParaRPr>
-                    </a:p>
-                  </a:txBody>
-                  <a:tcPr marL="7988" marR="7988" marT="7988" marB="0" anchor="b"/>
-                </a:tc>
-                <a:tc hMerge="1">
-                  <a:txBody>
-                    <a:bodyPr/>
-                    <a:lstStyle/>
-                    <a:p>
-                      <a:endParaRPr lang="en-US"/>
-                    </a:p>
-                  </a:txBody>
-                  <a:tcPr/>
-                </a:tc>
-                <a:tc hMerge="1">
-                  <a:txBody>
-                    <a:bodyPr/>
-                    <a:lstStyle/>
-                    <a:p>
-                      <a:endParaRPr lang="en-US"/>
-                    </a:p>
-                  </a:txBody>
-                  <a:tcPr/>
-                </a:tc>
-                <a:extLst>
-                  <a:ext uri="{0D108BD9-81ED-4DB2-BD59-A6C34878D82A}">
-                    <a16:rowId xmlns:a16="http://schemas.microsoft.com/office/drawing/2014/main" val="1615082656"/>
-                  </a:ext>
-                </a:extLst>
-              </a:tr>
-            </a:tbl>
-          </a:graphicData>
-        </a:graphic>
-      </p:graphicFrame>
-    </p:spTree>
-  </p:cSld>
-  <p:clrMapOvr>
-    <a:masterClrMapping/>
-  </p:clrMapOvr>
-  <p:timing>
-    <p:tnLst>
-      <p:par>
-        <p:cTn id="1" dur="indefinite" restart="never" nodeType="tmRoot"/>
-      </p:par>
-    </p:tnLst>
-  </p:timing>
-</p:sld>
-</file>
-
-<file path=ppt/slides/slide19.xml><?xml version="1.0" encoding="utf-8"?>
+<file path=ppt/slides/slide16.xml><?xml version="1.0" encoding="utf-8"?>
 <p:sld xmlns:a="http://schemas.openxmlformats.org/drawingml/2006/main" xmlns:r="http://schemas.openxmlformats.org/officeDocument/2006/relationships" xmlns:p="http://schemas.openxmlformats.org/presentationml/2006/main">
   <p:cSld>
     <p:spTree>
@@ -9640,28 +7888,28 @@
                 <a:gridCol w="1514854">
                   <a:extLst>
                     <a:ext uri="{9D8B030D-6E8A-4147-A177-3AD203B41FA5}">
-                      <a16:colId xmlns:a16="http://schemas.microsoft.com/office/drawing/2014/main" val="916269891"/>
+                      <a16:colId xmlns:a16="http://schemas.microsoft.com/office/drawing/2014/main" xmlns="" val="916269891"/>
                     </a:ext>
                   </a:extLst>
                 </a:gridCol>
                 <a:gridCol w="444988">
                   <a:extLst>
                     <a:ext uri="{9D8B030D-6E8A-4147-A177-3AD203B41FA5}">
-                      <a16:colId xmlns:a16="http://schemas.microsoft.com/office/drawing/2014/main" val="2804435175"/>
+                      <a16:colId xmlns:a16="http://schemas.microsoft.com/office/drawing/2014/main" xmlns="" val="2804435175"/>
                     </a:ext>
                   </a:extLst>
                 </a:gridCol>
                 <a:gridCol w="5204922">
                   <a:extLst>
                     <a:ext uri="{9D8B030D-6E8A-4147-A177-3AD203B41FA5}">
-                      <a16:colId xmlns:a16="http://schemas.microsoft.com/office/drawing/2014/main" val="1159216118"/>
+                      <a16:colId xmlns:a16="http://schemas.microsoft.com/office/drawing/2014/main" xmlns="" val="1159216118"/>
                     </a:ext>
                   </a:extLst>
                 </a:gridCol>
                 <a:gridCol w="1207959">
                   <a:extLst>
                     <a:ext uri="{9D8B030D-6E8A-4147-A177-3AD203B41FA5}">
-                      <a16:colId xmlns:a16="http://schemas.microsoft.com/office/drawing/2014/main" val="370459741"/>
+                      <a16:colId xmlns:a16="http://schemas.microsoft.com/office/drawing/2014/main" xmlns="" val="370459741"/>
                     </a:ext>
                   </a:extLst>
                 </a:gridCol>
@@ -9755,7 +8003,7 @@
                 </a:tc>
                 <a:extLst>
                   <a:ext uri="{0D108BD9-81ED-4DB2-BD59-A6C34878D82A}">
-                    <a16:rowId xmlns:a16="http://schemas.microsoft.com/office/drawing/2014/main" val="1481055751"/>
+                    <a16:rowId xmlns:a16="http://schemas.microsoft.com/office/drawing/2014/main" xmlns="" val="1481055751"/>
                   </a:ext>
                 </a:extLst>
               </a:tr>
@@ -9848,7 +8096,7 @@
                 </a:tc>
                 <a:extLst>
                   <a:ext uri="{0D108BD9-81ED-4DB2-BD59-A6C34878D82A}">
-                    <a16:rowId xmlns:a16="http://schemas.microsoft.com/office/drawing/2014/main" val="1375321284"/>
+                    <a16:rowId xmlns:a16="http://schemas.microsoft.com/office/drawing/2014/main" xmlns="" val="1375321284"/>
                   </a:ext>
                 </a:extLst>
               </a:tr>
@@ -9959,7 +8207,7 @@
                 </a:tc>
                 <a:extLst>
                   <a:ext uri="{0D108BD9-81ED-4DB2-BD59-A6C34878D82A}">
-                    <a16:rowId xmlns:a16="http://schemas.microsoft.com/office/drawing/2014/main" val="674842109"/>
+                    <a16:rowId xmlns:a16="http://schemas.microsoft.com/office/drawing/2014/main" xmlns="" val="674842109"/>
                   </a:ext>
                 </a:extLst>
               </a:tr>
@@ -10032,7 +8280,7 @@
                 </a:tc>
                 <a:extLst>
                   <a:ext uri="{0D108BD9-81ED-4DB2-BD59-A6C34878D82A}">
-                    <a16:rowId xmlns:a16="http://schemas.microsoft.com/office/drawing/2014/main" val="3328598905"/>
+                    <a16:rowId xmlns:a16="http://schemas.microsoft.com/office/drawing/2014/main" xmlns="" val="3328598905"/>
                   </a:ext>
                 </a:extLst>
               </a:tr>
@@ -10118,7 +8366,7 @@
                 </a:tc>
                 <a:extLst>
                   <a:ext uri="{0D108BD9-81ED-4DB2-BD59-A6C34878D82A}">
-                    <a16:rowId xmlns:a16="http://schemas.microsoft.com/office/drawing/2014/main" val="1219454432"/>
+                    <a16:rowId xmlns:a16="http://schemas.microsoft.com/office/drawing/2014/main" xmlns="" val="1219454432"/>
                   </a:ext>
                 </a:extLst>
               </a:tr>
@@ -10204,7 +8452,7 @@
                 </a:tc>
                 <a:extLst>
                   <a:ext uri="{0D108BD9-81ED-4DB2-BD59-A6C34878D82A}">
-                    <a16:rowId xmlns:a16="http://schemas.microsoft.com/office/drawing/2014/main" val="3523370552"/>
+                    <a16:rowId xmlns:a16="http://schemas.microsoft.com/office/drawing/2014/main" xmlns="" val="3523370552"/>
                   </a:ext>
                 </a:extLst>
               </a:tr>
@@ -10290,7 +8538,7 @@
                 </a:tc>
                 <a:extLst>
                   <a:ext uri="{0D108BD9-81ED-4DB2-BD59-A6C34878D82A}">
-                    <a16:rowId xmlns:a16="http://schemas.microsoft.com/office/drawing/2014/main" val="2719550418"/>
+                    <a16:rowId xmlns:a16="http://schemas.microsoft.com/office/drawing/2014/main" xmlns="" val="2719550418"/>
                   </a:ext>
                 </a:extLst>
               </a:tr>
@@ -10376,7 +8624,7 @@
                 </a:tc>
                 <a:extLst>
                   <a:ext uri="{0D108BD9-81ED-4DB2-BD59-A6C34878D82A}">
-                    <a16:rowId xmlns:a16="http://schemas.microsoft.com/office/drawing/2014/main" val="3271497254"/>
+                    <a16:rowId xmlns:a16="http://schemas.microsoft.com/office/drawing/2014/main" xmlns="" val="3271497254"/>
                   </a:ext>
                 </a:extLst>
               </a:tr>
@@ -10462,7 +8710,7 @@
                 </a:tc>
                 <a:extLst>
                   <a:ext uri="{0D108BD9-81ED-4DB2-BD59-A6C34878D82A}">
-                    <a16:rowId xmlns:a16="http://schemas.microsoft.com/office/drawing/2014/main" val="2261823245"/>
+                    <a16:rowId xmlns:a16="http://schemas.microsoft.com/office/drawing/2014/main" xmlns="" val="2261823245"/>
                   </a:ext>
                 </a:extLst>
               </a:tr>
@@ -10485,153 +8733,7 @@
 </p:sld>
 </file>
 
-<file path=ppt/slides/slide2.xml><?xml version="1.0" encoding="utf-8"?>
-<p:sld xmlns:a="http://schemas.openxmlformats.org/drawingml/2006/main" xmlns:r="http://schemas.openxmlformats.org/officeDocument/2006/relationships" xmlns:p="http://schemas.openxmlformats.org/presentationml/2006/main">
-  <p:cSld>
-    <p:spTree>
-      <p:nvGrpSpPr>
-        <p:cNvPr id="1" name="Shape 37"/>
-        <p:cNvGrpSpPr/>
-        <p:nvPr/>
-      </p:nvGrpSpPr>
-      <p:grpSpPr>
-        <a:xfrm>
-          <a:off x="0" y="0"/>
-          <a:ext cx="0" cy="0"/>
-          <a:chOff x="0" y="0"/>
-          <a:chExt cx="0" cy="0"/>
-        </a:xfrm>
-      </p:grpSpPr>
-      <p:sp>
-        <p:nvSpPr>
-          <p:cNvPr id="38" name="Shape 38"/>
-          <p:cNvSpPr txBox="1"/>
-          <p:nvPr/>
-        </p:nvSpPr>
-        <p:spPr>
-          <a:xfrm>
-            <a:off x="0" y="1639809"/>
-            <a:ext cx="3591499" cy="1200327"/>
-          </a:xfrm>
-          <a:prstGeom prst="rect">
-            <a:avLst/>
-          </a:prstGeom>
-          <a:noFill/>
-          <a:ln>
-            <a:noFill/>
-          </a:ln>
-        </p:spPr>
-        <p:txBody>
-          <a:bodyPr wrap="square" lIns="91425" tIns="45700" rIns="91425" bIns="45700" anchor="t" anchorCtr="0">
-            <a:noAutofit/>
-          </a:bodyPr>
-          <a:lstStyle/>
-          <a:p>
-            <a:pPr marL="0" marR="0" lvl="0" indent="-190500" algn="ctr" rtl="0">
-              <a:lnSpc>
-                <a:spcPct val="107000"/>
-              </a:lnSpc>
-              <a:spcBef>
-                <a:spcPts val="0"/>
-              </a:spcBef>
-              <a:spcAft>
-                <a:spcPts val="0"/>
-              </a:spcAft>
-              <a:buClr>
-                <a:schemeClr val="lt1"/>
-              </a:buClr>
-              <a:buSzPts val="3000"/>
-              <a:buFont typeface="Calibri"/>
-              <a:buNone/>
-            </a:pPr>
-            <a:r>
-              <a:rPr lang="es-ES" sz="3000" b="1" i="0" u="none" strike="noStrike" cap="none">
-                <a:solidFill>
-                  <a:schemeClr val="lt1"/>
-                </a:solidFill>
-                <a:latin typeface="Calibri"/>
-                <a:ea typeface="Calibri"/>
-                <a:cs typeface="Calibri"/>
-                <a:sym typeface="Calibri"/>
-              </a:rPr>
-              <a:t>PLANTEAMIENTO DEL PROBLEMA</a:t>
-            </a:r>
-          </a:p>
-        </p:txBody>
-      </p:sp>
-      <p:sp>
-        <p:nvSpPr>
-          <p:cNvPr id="39" name="Shape 39"/>
-          <p:cNvSpPr txBox="1"/>
-          <p:nvPr/>
-        </p:nvSpPr>
-        <p:spPr>
-          <a:xfrm>
-            <a:off x="3800819" y="1149997"/>
-            <a:ext cx="5155893" cy="4490639"/>
-          </a:xfrm>
-          <a:prstGeom prst="rect">
-            <a:avLst/>
-          </a:prstGeom>
-          <a:noFill/>
-          <a:ln>
-            <a:noFill/>
-          </a:ln>
-        </p:spPr>
-        <p:txBody>
-          <a:bodyPr wrap="square" lIns="91425" tIns="45700" rIns="91425" bIns="45700" anchor="t" anchorCtr="0">
-            <a:noAutofit/>
-          </a:bodyPr>
-          <a:lstStyle/>
-          <a:p>
-            <a:pPr marL="0" marR="0" lvl="0" indent="-177800" algn="l" rtl="0">
-              <a:lnSpc>
-                <a:spcPct val="107000"/>
-              </a:lnSpc>
-              <a:spcBef>
-                <a:spcPts val="0"/>
-              </a:spcBef>
-              <a:spcAft>
-                <a:spcPts val="0"/>
-              </a:spcAft>
-              <a:buClr>
-                <a:srgbClr val="595959"/>
-              </a:buClr>
-              <a:buSzPts val="2800"/>
-              <a:buFont typeface="Calibri"/>
-              <a:buNone/>
-            </a:pPr>
-            <a:r>
-              <a:rPr lang="es-ES" sz="2800" b="0" i="0" u="none" strike="noStrike" cap="none">
-                <a:solidFill>
-                  <a:srgbClr val="595959"/>
-                </a:solidFill>
-                <a:latin typeface="Calibri"/>
-                <a:ea typeface="Calibri"/>
-                <a:cs typeface="Calibri"/>
-                <a:sym typeface="Calibri"/>
-              </a:rPr>
-              <a:t>El restaurante pizzería la abuela no dispone de un sistema de información que facilite la manera por la cual se hacen pedidos para entregas a domicilio de las pizzas, lo cual ha generado desorden y decadencia del sistema de ventas.</a:t>
-            </a:r>
-          </a:p>
-        </p:txBody>
-      </p:sp>
-    </p:spTree>
-  </p:cSld>
-  <p:clrMapOvr>
-    <a:masterClrMapping/>
-  </p:clrMapOvr>
-  <p:timing>
-    <p:tnLst>
-      <p:par>
-        <p:cTn id="1" dur="indefinite" restart="never" nodeType="tmRoot"/>
-      </p:par>
-    </p:tnLst>
-  </p:timing>
-</p:sld>
-</file>
-
-<file path=ppt/slides/slide20.xml><?xml version="1.0" encoding="utf-8"?>
+<file path=ppt/slides/slide17.xml><?xml version="1.0" encoding="utf-8"?>
 <p:sld xmlns:a="http://schemas.openxmlformats.org/drawingml/2006/main" xmlns:r="http://schemas.openxmlformats.org/officeDocument/2006/relationships" xmlns:p="http://schemas.openxmlformats.org/presentationml/2006/main">
   <p:cSld>
     <p:spTree>
@@ -10746,7 +8848,7 @@
 </p:sld>
 </file>
 
-<file path=ppt/slides/slide21.xml><?xml version="1.0" encoding="utf-8"?>
+<file path=ppt/slides/slide18.xml><?xml version="1.0" encoding="utf-8"?>
 <p:sld xmlns:a="http://schemas.openxmlformats.org/drawingml/2006/main" xmlns:r="http://schemas.openxmlformats.org/officeDocument/2006/relationships" xmlns:p="http://schemas.openxmlformats.org/presentationml/2006/main">
   <p:cSld>
     <p:spTree>
@@ -10861,7 +8963,7 @@
 </p:sld>
 </file>
 
-<file path=ppt/slides/slide22.xml><?xml version="1.0" encoding="utf-8"?>
+<file path=ppt/slides/slide19.xml><?xml version="1.0" encoding="utf-8"?>
 <p:sld xmlns:a="http://schemas.openxmlformats.org/drawingml/2006/main" xmlns:r="http://schemas.openxmlformats.org/officeDocument/2006/relationships" xmlns:p="http://schemas.openxmlformats.org/presentationml/2006/main">
   <p:cSld>
     <p:spTree>
@@ -10982,7 +9084,293 @@
 </p:sld>
 </file>
 
-<file path=ppt/slides/slide23.xml><?xml version="1.0" encoding="utf-8"?>
+<file path=ppt/slides/slide2.xml><?xml version="1.0" encoding="utf-8"?>
+<p:sld xmlns:a="http://schemas.openxmlformats.org/drawingml/2006/main" xmlns:r="http://schemas.openxmlformats.org/officeDocument/2006/relationships" xmlns:p="http://schemas.openxmlformats.org/presentationml/2006/main">
+  <p:cSld>
+    <p:spTree>
+      <p:nvGrpSpPr>
+        <p:cNvPr id="1" name="Shape 30"/>
+        <p:cNvGrpSpPr/>
+        <p:nvPr/>
+      </p:nvGrpSpPr>
+      <p:grpSpPr>
+        <a:xfrm>
+          <a:off x="0" y="0"/>
+          <a:ext cx="0" cy="0"/>
+          <a:chOff x="0" y="0"/>
+          <a:chExt cx="0" cy="0"/>
+        </a:xfrm>
+      </p:grpSpPr>
+      <p:sp>
+        <p:nvSpPr>
+          <p:cNvPr id="31" name="Shape 31"/>
+          <p:cNvSpPr txBox="1"/>
+          <p:nvPr/>
+        </p:nvSpPr>
+        <p:spPr>
+          <a:xfrm>
+            <a:off x="4260646" y="735338"/>
+            <a:ext cx="3715566" cy="1013093"/>
+          </a:xfrm>
+          <a:prstGeom prst="rect">
+            <a:avLst/>
+          </a:prstGeom>
+          <a:noFill/>
+          <a:ln>
+            <a:noFill/>
+          </a:ln>
+        </p:spPr>
+        <p:txBody>
+          <a:bodyPr wrap="square" lIns="91425" tIns="45700" rIns="91425" bIns="45700" anchor="t" anchorCtr="0">
+            <a:noAutofit/>
+          </a:bodyPr>
+          <a:lstStyle/>
+          <a:p>
+            <a:pPr marL="0" marR="0" lvl="0" indent="-46037" algn="ctr" rtl="0">
+              <a:lnSpc>
+                <a:spcPct val="100000"/>
+              </a:lnSpc>
+              <a:spcBef>
+                <a:spcPts val="0"/>
+              </a:spcBef>
+              <a:spcAft>
+                <a:spcPts val="0"/>
+              </a:spcAft>
+              <a:buClr>
+                <a:srgbClr val="595959"/>
+              </a:buClr>
+              <a:buSzPts val="725"/>
+              <a:buFont typeface="Calibri"/>
+              <a:buNone/>
+            </a:pPr>
+            <a:r>
+              <a:rPr lang="es-ES" sz="2900" b="1" i="0" u="none" strike="noStrike" cap="none">
+                <a:solidFill>
+                  <a:srgbClr val="595959"/>
+                </a:solidFill>
+                <a:latin typeface="Calibri"/>
+                <a:ea typeface="Calibri"/>
+                <a:cs typeface="Calibri"/>
+                <a:sym typeface="Calibri"/>
+              </a:rPr>
+              <a:t>Información general del proyecto</a:t>
+            </a:r>
+          </a:p>
+          <a:p>
+            <a:pPr marL="0" marR="0" lvl="0" indent="-28575" algn="l" rtl="0">
+              <a:lnSpc>
+                <a:spcPct val="100000"/>
+              </a:lnSpc>
+              <a:spcBef>
+                <a:spcPts val="0"/>
+              </a:spcBef>
+              <a:spcAft>
+                <a:spcPts val="0"/>
+              </a:spcAft>
+              <a:buClr>
+                <a:srgbClr val="000000"/>
+              </a:buClr>
+              <a:buSzPts val="450"/>
+              <a:buFont typeface="Arial"/>
+              <a:buNone/>
+            </a:pPr>
+            <a:endParaRPr sz="1800" b="1" i="0" u="none" strike="noStrike" cap="none">
+              <a:solidFill>
+                <a:srgbClr val="5E5C5D"/>
+              </a:solidFill>
+              <a:latin typeface="Calibri"/>
+              <a:ea typeface="Calibri"/>
+              <a:cs typeface="Calibri"/>
+              <a:sym typeface="Calibri"/>
+            </a:endParaRPr>
+          </a:p>
+        </p:txBody>
+      </p:sp>
+      <p:sp>
+        <p:nvSpPr>
+          <p:cNvPr id="32" name="Shape 32"/>
+          <p:cNvSpPr/>
+          <p:nvPr/>
+        </p:nvSpPr>
+        <p:spPr>
+          <a:xfrm>
+            <a:off x="-151729" y="1463436"/>
+            <a:ext cx="3808954" cy="2148922"/>
+          </a:xfrm>
+          <a:prstGeom prst="rect">
+            <a:avLst/>
+          </a:prstGeom>
+          <a:noFill/>
+          <a:ln>
+            <a:noFill/>
+          </a:ln>
+        </p:spPr>
+        <p:txBody>
+          <a:bodyPr wrap="square" lIns="91425" tIns="45700" rIns="91425" bIns="45700" anchor="t" anchorCtr="0">
+            <a:noAutofit/>
+          </a:bodyPr>
+          <a:lstStyle/>
+          <a:p>
+            <a:pPr marL="0" marR="0" lvl="0" indent="-190500" algn="ctr" rtl="0">
+              <a:lnSpc>
+                <a:spcPct val="107000"/>
+              </a:lnSpc>
+              <a:spcBef>
+                <a:spcPts val="0"/>
+              </a:spcBef>
+              <a:spcAft>
+                <a:spcPts val="0"/>
+              </a:spcAft>
+              <a:buClr>
+                <a:schemeClr val="lt1"/>
+              </a:buClr>
+              <a:buSzPts val="3000"/>
+              <a:buFont typeface="Calibri"/>
+              <a:buNone/>
+            </a:pPr>
+            <a:r>
+              <a:rPr lang="es-ES" sz="3000" b="1" i="0" u="none" strike="noStrike" cap="none" dirty="0">
+                <a:solidFill>
+                  <a:schemeClr val="lt1"/>
+                </a:solidFill>
+                <a:latin typeface="Calibri"/>
+                <a:ea typeface="Calibri"/>
+                <a:cs typeface="Calibri"/>
+                <a:sym typeface="Calibri"/>
+              </a:rPr>
+              <a:t>SISTEMA DE </a:t>
+            </a:r>
+            <a:r>
+              <a:rPr lang="es-ES" sz="3000" b="1" dirty="0">
+                <a:solidFill>
+                  <a:schemeClr val="lt1"/>
+                </a:solidFill>
+                <a:latin typeface="Calibri"/>
+                <a:ea typeface="Calibri"/>
+                <a:cs typeface="Calibri"/>
+                <a:sym typeface="Calibri"/>
+              </a:rPr>
+              <a:t>INFORMACIÓN</a:t>
+            </a:r>
+            <a:r>
+              <a:rPr lang="es-ES" sz="3000" b="1" i="0" u="none" strike="noStrike" cap="none" dirty="0">
+                <a:solidFill>
+                  <a:schemeClr val="lt1"/>
+                </a:solidFill>
+                <a:latin typeface="Calibri"/>
+                <a:ea typeface="Calibri"/>
+                <a:cs typeface="Calibri"/>
+                <a:sym typeface="Calibri"/>
+              </a:rPr>
+              <a:t>  </a:t>
+            </a:r>
+          </a:p>
+          <a:p>
+            <a:pPr marL="0" marR="0" lvl="0" indent="-190500" algn="ctr" rtl="0">
+              <a:lnSpc>
+                <a:spcPct val="107000"/>
+              </a:lnSpc>
+              <a:spcBef>
+                <a:spcPts val="800"/>
+              </a:spcBef>
+              <a:spcAft>
+                <a:spcPts val="0"/>
+              </a:spcAft>
+              <a:buClr>
+                <a:schemeClr val="lt1"/>
+              </a:buClr>
+              <a:buSzPts val="3000"/>
+              <a:buFont typeface="Calibri"/>
+              <a:buNone/>
+            </a:pPr>
+            <a:r>
+              <a:rPr lang="es-ES" sz="3000" b="1" i="0" u="none" strike="noStrike" cap="none" dirty="0">
+                <a:solidFill>
+                  <a:schemeClr val="lt1"/>
+                </a:solidFill>
+                <a:latin typeface="Calibri"/>
+                <a:ea typeface="Calibri"/>
+                <a:cs typeface="Calibri"/>
+                <a:sym typeface="Calibri"/>
+              </a:rPr>
+              <a:t>DOMICILIOS PIZZERIA LA ABUELA</a:t>
+            </a:r>
+          </a:p>
+        </p:txBody>
+      </p:sp>
+      <p:sp>
+        <p:nvSpPr>
+          <p:cNvPr id="33" name="Shape 33"/>
+          <p:cNvSpPr/>
+          <p:nvPr/>
+        </p:nvSpPr>
+        <p:spPr>
+          <a:xfrm>
+            <a:off x="3828362" y="2098674"/>
+            <a:ext cx="4930048" cy="2397451"/>
+          </a:xfrm>
+          <a:prstGeom prst="rect">
+            <a:avLst/>
+          </a:prstGeom>
+          <a:noFill/>
+          <a:ln>
+            <a:noFill/>
+          </a:ln>
+        </p:spPr>
+        <p:txBody>
+          <a:bodyPr wrap="square" lIns="91425" tIns="45700" rIns="91425" bIns="45700" anchor="t" anchorCtr="0">
+            <a:noAutofit/>
+          </a:bodyPr>
+          <a:lstStyle/>
+          <a:p>
+            <a:pPr marL="0" marR="0" lvl="0" indent="-177800" algn="l" rtl="0">
+              <a:lnSpc>
+                <a:spcPct val="107000"/>
+              </a:lnSpc>
+              <a:spcBef>
+                <a:spcPts val="0"/>
+              </a:spcBef>
+              <a:spcAft>
+                <a:spcPts val="0"/>
+              </a:spcAft>
+              <a:buClr>
+                <a:srgbClr val="595959"/>
+              </a:buClr>
+              <a:buSzPts val="2800"/>
+              <a:buFont typeface="Calibri"/>
+              <a:buNone/>
+            </a:pPr>
+            <a:r>
+              <a:rPr lang="es-ES" sz="2800" b="0" i="0" u="none" strike="noStrike" cap="none">
+                <a:solidFill>
+                  <a:srgbClr val="595959"/>
+                </a:solidFill>
+                <a:latin typeface="Calibri"/>
+                <a:ea typeface="Calibri"/>
+                <a:cs typeface="Calibri"/>
+                <a:sym typeface="Calibri"/>
+              </a:rPr>
+              <a:t>Se pretende realizar un sistema de información que facilite a  los clientes de la pizzería  hacer pedidos a domicilios por medio de la internet. </a:t>
+            </a:r>
+          </a:p>
+        </p:txBody>
+      </p:sp>
+    </p:spTree>
+  </p:cSld>
+  <p:clrMapOvr>
+    <a:masterClrMapping/>
+  </p:clrMapOvr>
+  <p:timing>
+    <p:tnLst>
+      <p:par>
+        <p:cTn id="1" dur="indefinite" restart="never" nodeType="tmRoot"/>
+      </p:par>
+    </p:tnLst>
+  </p:timing>
+</p:sld>
+</file>
+
+<file path=ppt/slides/slide20.xml><?xml version="1.0" encoding="utf-8"?>
 <p:sld xmlns:a="http://schemas.openxmlformats.org/drawingml/2006/main" xmlns:r="http://schemas.openxmlformats.org/officeDocument/2006/relationships" xmlns:p="http://schemas.openxmlformats.org/presentationml/2006/main">
   <p:cSld>
     <p:spTree>
@@ -11128,7 +9516,7 @@
 </p:sld>
 </file>
 
-<file path=ppt/slides/slide24.xml><?xml version="1.0" encoding="utf-8"?>
+<file path=ppt/slides/slide21.xml><?xml version="1.0" encoding="utf-8"?>
 <p:sld xmlns:a="http://schemas.openxmlformats.org/drawingml/2006/main" xmlns:r="http://schemas.openxmlformats.org/officeDocument/2006/relationships" xmlns:p="http://schemas.openxmlformats.org/presentationml/2006/main">
   <p:cSld>
     <p:spTree>
@@ -11249,7 +9637,7 @@
 </p:sld>
 </file>
 
-<file path=ppt/slides/slide25.xml><?xml version="1.0" encoding="utf-8"?>
+<file path=ppt/slides/slide22.xml><?xml version="1.0" encoding="utf-8"?>
 <p:sld xmlns:a="http://schemas.openxmlformats.org/drawingml/2006/main" xmlns:r="http://schemas.openxmlformats.org/officeDocument/2006/relationships" xmlns:p="http://schemas.openxmlformats.org/presentationml/2006/main">
   <p:cSld>
     <p:spTree>
@@ -11370,7 +9758,7 @@
 </p:sld>
 </file>
 
-<file path=ppt/slides/slide26.xml><?xml version="1.0" encoding="utf-8"?>
+<file path=ppt/slides/slide23.xml><?xml version="1.0" encoding="utf-8"?>
 <p:sld xmlns:a="http://schemas.openxmlformats.org/drawingml/2006/main" xmlns:r="http://schemas.openxmlformats.org/officeDocument/2006/relationships" xmlns:p="http://schemas.openxmlformats.org/presentationml/2006/main">
   <p:cSld>
     <p:spTree>
@@ -11607,7 +9995,7 @@
 </p:sld>
 </file>
 
-<file path=ppt/slides/slide27.xml><?xml version="1.0" encoding="utf-8"?>
+<file path=ppt/slides/slide24.xml><?xml version="1.0" encoding="utf-8"?>
 <p:sld xmlns:a="http://schemas.openxmlformats.org/drawingml/2006/main" xmlns:r="http://schemas.openxmlformats.org/officeDocument/2006/relationships" xmlns:p="http://schemas.openxmlformats.org/presentationml/2006/main">
   <p:cSld>
     <p:spTree>
@@ -11679,30 +10067,26 @@
       </p:sp>
       <p:pic>
         <p:nvPicPr>
-          <p:cNvPr id="209" name="Shape 209"/>
-          <p:cNvPicPr preferRelativeResize="0"/>
+          <p:cNvPr id="2" name="Imagen 1"/>
+          <p:cNvPicPr>
+            <a:picLocks noChangeAspect="1"/>
+          </p:cNvPicPr>
           <p:nvPr/>
         </p:nvPicPr>
         <p:blipFill>
-          <a:blip r:embed="rId3">
-            <a:alphaModFix/>
-          </a:blip>
+          <a:blip r:embed="rId3"/>
           <a:stretch>
             <a:fillRect/>
           </a:stretch>
         </p:blipFill>
         <p:spPr>
           <a:xfrm>
-            <a:off x="304675" y="1166670"/>
-            <a:ext cx="8839200" cy="3558516"/>
+            <a:off x="960809" y="976991"/>
+            <a:ext cx="6928323" cy="4040150"/>
           </a:xfrm>
           <a:prstGeom prst="rect">
             <a:avLst/>
           </a:prstGeom>
-          <a:noFill/>
-          <a:ln>
-            <a:noFill/>
-          </a:ln>
         </p:spPr>
       </p:pic>
     </p:spTree>
@@ -11720,7 +10104,7 @@
 </p:sld>
 </file>
 
-<file path=ppt/slides/slide28.xml><?xml version="1.0" encoding="utf-8"?>
+<file path=ppt/slides/slide25.xml><?xml version="1.0" encoding="utf-8"?>
 <p:sld xmlns:a="http://schemas.openxmlformats.org/drawingml/2006/main" xmlns:r="http://schemas.openxmlformats.org/officeDocument/2006/relationships" xmlns:p="http://schemas.openxmlformats.org/presentationml/2006/main">
   <p:cSld>
     <p:spTree>
@@ -11793,201 +10177,6 @@
       <p:sp>
         <p:nvSpPr>
           <p:cNvPr id="215" name="Shape 215" descr="Imágenes integradas 1"/>
-          <p:cNvSpPr/>
-          <p:nvPr/>
-        </p:nvSpPr>
-        <p:spPr>
-          <a:xfrm>
-            <a:off x="155575" y="92359"/>
-            <a:ext cx="304800" cy="304800"/>
-          </a:xfrm>
-          <a:prstGeom prst="rect">
-            <a:avLst/>
-          </a:prstGeom>
-          <a:noFill/>
-          <a:ln>
-            <a:noFill/>
-          </a:ln>
-        </p:spPr>
-        <p:txBody>
-          <a:bodyPr wrap="square" lIns="91425" tIns="45700" rIns="91425" bIns="45700" anchor="t" anchorCtr="0">
-            <a:noAutofit/>
-          </a:bodyPr>
-          <a:lstStyle/>
-          <a:p>
-            <a:pPr marL="0" marR="0" lvl="0" indent="-88900" algn="l" rtl="0">
-              <a:lnSpc>
-                <a:spcPct val="100000"/>
-              </a:lnSpc>
-              <a:spcBef>
-                <a:spcPts val="0"/>
-              </a:spcBef>
-              <a:spcAft>
-                <a:spcPts val="0"/>
-              </a:spcAft>
-              <a:buClr>
-                <a:srgbClr val="000000"/>
-              </a:buClr>
-              <a:buSzPts val="1400"/>
-              <a:buFont typeface="Arial"/>
-              <a:buNone/>
-            </a:pPr>
-            <a:endParaRPr sz="1400" b="0" i="0" u="none" strike="noStrike" cap="none">
-              <a:solidFill>
-                <a:srgbClr val="000000"/>
-              </a:solidFill>
-              <a:latin typeface="Arial"/>
-              <a:ea typeface="Arial"/>
-              <a:cs typeface="Arial"/>
-              <a:sym typeface="Arial"/>
-            </a:endParaRPr>
-          </a:p>
-        </p:txBody>
-      </p:sp>
-      <p:pic>
-        <p:nvPicPr>
-          <p:cNvPr id="216" name="Shape 216"/>
-          <p:cNvPicPr preferRelativeResize="0"/>
-          <p:nvPr/>
-        </p:nvPicPr>
-        <p:blipFill>
-          <a:blip r:embed="rId3">
-            <a:alphaModFix/>
-          </a:blip>
-          <a:stretch>
-            <a:fillRect/>
-          </a:stretch>
-        </p:blipFill>
-        <p:spPr>
-          <a:xfrm>
-            <a:off x="902625" y="1260608"/>
-            <a:ext cx="6257925" cy="1000125"/>
-          </a:xfrm>
-          <a:prstGeom prst="rect">
-            <a:avLst/>
-          </a:prstGeom>
-          <a:noFill/>
-          <a:ln>
-            <a:noFill/>
-          </a:ln>
-        </p:spPr>
-      </p:pic>
-      <p:pic>
-        <p:nvPicPr>
-          <p:cNvPr id="217" name="Shape 217"/>
-          <p:cNvPicPr preferRelativeResize="0"/>
-          <p:nvPr/>
-        </p:nvPicPr>
-        <p:blipFill>
-          <a:blip r:embed="rId4">
-            <a:alphaModFix/>
-          </a:blip>
-          <a:stretch>
-            <a:fillRect/>
-          </a:stretch>
-        </p:blipFill>
-        <p:spPr>
-          <a:xfrm>
-            <a:off x="1269338" y="2831733"/>
-            <a:ext cx="5524500" cy="1200150"/>
-          </a:xfrm>
-          <a:prstGeom prst="rect">
-            <a:avLst/>
-          </a:prstGeom>
-          <a:noFill/>
-          <a:ln>
-            <a:noFill/>
-          </a:ln>
-        </p:spPr>
-      </p:pic>
-    </p:spTree>
-  </p:cSld>
-  <p:clrMapOvr>
-    <a:masterClrMapping/>
-  </p:clrMapOvr>
-  <p:timing>
-    <p:tnLst>
-      <p:par>
-        <p:cTn id="1" dur="indefinite" restart="never" nodeType="tmRoot"/>
-      </p:par>
-    </p:tnLst>
-  </p:timing>
-</p:sld>
-</file>
-
-<file path=ppt/slides/slide29.xml><?xml version="1.0" encoding="utf-8"?>
-<p:sld xmlns:a="http://schemas.openxmlformats.org/drawingml/2006/main" xmlns:r="http://schemas.openxmlformats.org/officeDocument/2006/relationships" xmlns:p="http://schemas.openxmlformats.org/presentationml/2006/main">
-  <p:cSld>
-    <p:spTree>
-      <p:nvGrpSpPr>
-        <p:cNvPr id="1" name="Shape 221"/>
-        <p:cNvGrpSpPr/>
-        <p:nvPr/>
-      </p:nvGrpSpPr>
-      <p:grpSpPr>
-        <a:xfrm>
-          <a:off x="0" y="0"/>
-          <a:ext cx="0" cy="0"/>
-          <a:chOff x="0" y="0"/>
-          <a:chExt cx="0" cy="0"/>
-        </a:xfrm>
-      </p:grpSpPr>
-      <p:sp>
-        <p:nvSpPr>
-          <p:cNvPr id="222" name="Shape 222"/>
-          <p:cNvSpPr/>
-          <p:nvPr/>
-        </p:nvSpPr>
-        <p:spPr>
-          <a:xfrm>
-            <a:off x="771181" y="164568"/>
-            <a:ext cx="8372700" cy="646200"/>
-          </a:xfrm>
-          <a:prstGeom prst="rect">
-            <a:avLst/>
-          </a:prstGeom>
-          <a:noFill/>
-          <a:ln>
-            <a:noFill/>
-          </a:ln>
-        </p:spPr>
-        <p:txBody>
-          <a:bodyPr wrap="square" lIns="91425" tIns="45700" rIns="91425" bIns="45700" anchor="t" anchorCtr="0">
-            <a:noAutofit/>
-          </a:bodyPr>
-          <a:lstStyle/>
-          <a:p>
-            <a:pPr marL="0" marR="0" lvl="0" indent="-228600" algn="ctr" rtl="0">
-              <a:lnSpc>
-                <a:spcPct val="100000"/>
-              </a:lnSpc>
-              <a:spcBef>
-                <a:spcPts val="0"/>
-              </a:spcBef>
-              <a:spcAft>
-                <a:spcPts val="0"/>
-              </a:spcAft>
-              <a:buClr>
-                <a:schemeClr val="lt1"/>
-              </a:buClr>
-              <a:buSzPts val="3600"/>
-              <a:buFont typeface="Arial"/>
-              <a:buNone/>
-            </a:pPr>
-            <a:r>
-              <a:rPr lang="es-ES" sz="3600" b="1">
-                <a:solidFill>
-                  <a:schemeClr val="lt1"/>
-                </a:solidFill>
-              </a:rPr>
-              <a:t>CONSULTAS JOINS</a:t>
-            </a:r>
-          </a:p>
-        </p:txBody>
-      </p:sp>
-      <p:sp>
-        <p:nvSpPr>
-          <p:cNvPr id="223" name="Shape 223" descr="Imágenes integradas 1"/>
           <p:cNvSpPr/>
           <p:nvPr/>
         </p:nvSpPr>
@@ -12055,8 +10244,8 @@
         </p:blipFill>
         <p:spPr>
           <a:xfrm>
-            <a:off x="771181" y="1523172"/>
-            <a:ext cx="7105650" cy="2971800"/>
+            <a:off x="38100" y="1733550"/>
+            <a:ext cx="9067800" cy="1676400"/>
           </a:xfrm>
           <a:prstGeom prst="rect">
             <a:avLst/>
@@ -12078,12 +10267,12 @@
 </p:sld>
 </file>
 
-<file path=ppt/slides/slide3.xml><?xml version="1.0" encoding="utf-8"?>
+<file path=ppt/slides/slide26.xml><?xml version="1.0" encoding="utf-8"?>
 <p:sld xmlns:a="http://schemas.openxmlformats.org/drawingml/2006/main" xmlns:r="http://schemas.openxmlformats.org/officeDocument/2006/relationships" xmlns:p="http://schemas.openxmlformats.org/presentationml/2006/main">
   <p:cSld>
     <p:spTree>
       <p:nvGrpSpPr>
-        <p:cNvPr id="1" name="Shape 30"/>
+        <p:cNvPr id="1" name="Shape 221"/>
         <p:cNvGrpSpPr/>
         <p:nvPr/>
       </p:nvGrpSpPr>
@@ -12097,14 +10286,14 @@
       </p:grpSpPr>
       <p:sp>
         <p:nvSpPr>
-          <p:cNvPr id="31" name="Shape 31"/>
-          <p:cNvSpPr txBox="1"/>
+          <p:cNvPr id="222" name="Shape 222"/>
+          <p:cNvSpPr/>
           <p:nvPr/>
         </p:nvSpPr>
         <p:spPr>
           <a:xfrm>
-            <a:off x="4260646" y="735338"/>
-            <a:ext cx="3715566" cy="1013093"/>
+            <a:off x="771181" y="164568"/>
+            <a:ext cx="8372700" cy="646200"/>
           </a:xfrm>
           <a:prstGeom prst="rect">
             <a:avLst/>
@@ -12120,7 +10309,7 @@
           </a:bodyPr>
           <a:lstStyle/>
           <a:p>
-            <a:pPr marL="0" marR="0" lvl="0" indent="-46037" algn="ctr" rtl="0">
+            <a:pPr marL="0" marR="0" lvl="0" indent="-228600" algn="ctr" rtl="0">
               <a:lnSpc>
                 <a:spcPct val="100000"/>
               </a:lnSpc>
@@ -12131,65 +10320,33 @@
                 <a:spcPts val="0"/>
               </a:spcAft>
               <a:buClr>
-                <a:srgbClr val="595959"/>
+                <a:schemeClr val="lt1"/>
               </a:buClr>
-              <a:buSzPts val="725"/>
-              <a:buFont typeface="Calibri"/>
+              <a:buSzPts val="3600"/>
+              <a:buFont typeface="Arial"/>
               <a:buNone/>
             </a:pPr>
             <a:r>
-              <a:rPr lang="es-ES" sz="2900" b="1" i="0" u="none" strike="noStrike" cap="none">
+              <a:rPr lang="es-ES" sz="3600" b="1">
                 <a:solidFill>
-                  <a:srgbClr val="595959"/>
+                  <a:schemeClr val="lt1"/>
                 </a:solidFill>
-                <a:latin typeface="Calibri"/>
-                <a:ea typeface="Calibri"/>
-                <a:cs typeface="Calibri"/>
-                <a:sym typeface="Calibri"/>
               </a:rPr>
-              <a:t>Información general del proyecto</a:t>
+              <a:t>CONSULTAS JOINS</a:t>
             </a:r>
-          </a:p>
-          <a:p>
-            <a:pPr marL="0" marR="0" lvl="0" indent="-28575" algn="l" rtl="0">
-              <a:lnSpc>
-                <a:spcPct val="100000"/>
-              </a:lnSpc>
-              <a:spcBef>
-                <a:spcPts val="0"/>
-              </a:spcBef>
-              <a:spcAft>
-                <a:spcPts val="0"/>
-              </a:spcAft>
-              <a:buClr>
-                <a:srgbClr val="000000"/>
-              </a:buClr>
-              <a:buSzPts val="450"/>
-              <a:buFont typeface="Arial"/>
-              <a:buNone/>
-            </a:pPr>
-            <a:endParaRPr sz="1800" b="1" i="0" u="none" strike="noStrike" cap="none">
-              <a:solidFill>
-                <a:srgbClr val="5E5C5D"/>
-              </a:solidFill>
-              <a:latin typeface="Calibri"/>
-              <a:ea typeface="Calibri"/>
-              <a:cs typeface="Calibri"/>
-              <a:sym typeface="Calibri"/>
-            </a:endParaRPr>
           </a:p>
         </p:txBody>
       </p:sp>
       <p:sp>
         <p:nvSpPr>
-          <p:cNvPr id="32" name="Shape 32"/>
+          <p:cNvPr id="223" name="Shape 223" descr="Imágenes integradas 1"/>
           <p:cNvSpPr/>
           <p:nvPr/>
         </p:nvSpPr>
         <p:spPr>
           <a:xfrm>
-            <a:off x="-151729" y="1463436"/>
-            <a:ext cx="3808954" cy="2148922"/>
+            <a:off x="155575" y="92359"/>
+            <a:ext cx="304800" cy="304800"/>
           </a:xfrm>
           <a:prstGeom prst="rect">
             <a:avLst/>
@@ -12205,9 +10362,9 @@
           </a:bodyPr>
           <a:lstStyle/>
           <a:p>
-            <a:pPr marL="0" marR="0" lvl="0" indent="-190500" algn="ctr" rtl="0">
+            <a:pPr marL="0" marR="0" lvl="0" indent="-88900" algn="l" rtl="0">
               <a:lnSpc>
-                <a:spcPct val="107000"/>
+                <a:spcPct val="100000"/>
               </a:lnSpc>
               <a:spcBef>
                 <a:spcPts val="0"/>
@@ -12216,139 +10373,72 @@
                 <a:spcPts val="0"/>
               </a:spcAft>
               <a:buClr>
-                <a:schemeClr val="lt1"/>
+                <a:srgbClr val="000000"/>
               </a:buClr>
-              <a:buSzPts val="3000"/>
-              <a:buFont typeface="Calibri"/>
+              <a:buSzPts val="1400"/>
+              <a:buFont typeface="Arial"/>
               <a:buNone/>
             </a:pPr>
-            <a:r>
-              <a:rPr lang="es-ES" sz="3000" b="1" i="0" u="none" strike="noStrike" cap="none" dirty="0">
-                <a:solidFill>
-                  <a:schemeClr val="lt1"/>
-                </a:solidFill>
-                <a:latin typeface="Calibri"/>
-                <a:ea typeface="Calibri"/>
-                <a:cs typeface="Calibri"/>
-                <a:sym typeface="Calibri"/>
-              </a:rPr>
-              <a:t>SISTEMA DE </a:t>
-            </a:r>
-            <a:r>
-              <a:rPr lang="es-ES" sz="3000" b="1" dirty="0">
-                <a:solidFill>
-                  <a:schemeClr val="lt1"/>
-                </a:solidFill>
-                <a:latin typeface="Calibri"/>
-                <a:ea typeface="Calibri"/>
-                <a:cs typeface="Calibri"/>
-                <a:sym typeface="Calibri"/>
-              </a:rPr>
-              <a:t>INFORMACIÓN</a:t>
-            </a:r>
-            <a:r>
-              <a:rPr lang="es-ES" sz="3000" b="1" i="0" u="none" strike="noStrike" cap="none" dirty="0">
-                <a:solidFill>
-                  <a:schemeClr val="lt1"/>
-                </a:solidFill>
-                <a:latin typeface="Calibri"/>
-                <a:ea typeface="Calibri"/>
-                <a:cs typeface="Calibri"/>
-                <a:sym typeface="Calibri"/>
-              </a:rPr>
-              <a:t>  </a:t>
-            </a:r>
-          </a:p>
-          <a:p>
-            <a:pPr marL="0" marR="0" lvl="0" indent="-190500" algn="ctr" rtl="0">
-              <a:lnSpc>
-                <a:spcPct val="107000"/>
-              </a:lnSpc>
-              <a:spcBef>
-                <a:spcPts val="800"/>
-              </a:spcBef>
-              <a:spcAft>
-                <a:spcPts val="0"/>
-              </a:spcAft>
-              <a:buClr>
-                <a:schemeClr val="lt1"/>
-              </a:buClr>
-              <a:buSzPts val="3000"/>
-              <a:buFont typeface="Calibri"/>
-              <a:buNone/>
-            </a:pPr>
-            <a:r>
-              <a:rPr lang="es-ES" sz="3000" b="1" i="0" u="none" strike="noStrike" cap="none" dirty="0">
-                <a:solidFill>
-                  <a:schemeClr val="lt1"/>
-                </a:solidFill>
-                <a:latin typeface="Calibri"/>
-                <a:ea typeface="Calibri"/>
-                <a:cs typeface="Calibri"/>
-                <a:sym typeface="Calibri"/>
-              </a:rPr>
-              <a:t>DOMICILIOS PIZZERIA LA ABUELA</a:t>
-            </a:r>
+            <a:endParaRPr sz="1400" b="0" i="0" u="none" strike="noStrike" cap="none">
+              <a:solidFill>
+                <a:srgbClr val="000000"/>
+              </a:solidFill>
+              <a:latin typeface="Arial"/>
+              <a:ea typeface="Arial"/>
+              <a:cs typeface="Arial"/>
+              <a:sym typeface="Arial"/>
+            </a:endParaRPr>
           </a:p>
         </p:txBody>
       </p:sp>
-      <p:sp>
-        <p:nvSpPr>
-          <p:cNvPr id="33" name="Shape 33"/>
-          <p:cNvSpPr/>
+      <p:pic>
+        <p:nvPicPr>
+          <p:cNvPr id="3" name="Imagen 2"/>
+          <p:cNvPicPr>
+            <a:picLocks noChangeAspect="1"/>
+          </p:cNvPicPr>
           <p:nvPr/>
-        </p:nvSpPr>
-        <p:spPr>
-          <a:xfrm>
-            <a:off x="3828362" y="2098674"/>
-            <a:ext cx="4930048" cy="2397451"/>
+        </p:nvPicPr>
+        <p:blipFill>
+          <a:blip r:embed="rId3"/>
+          <a:stretch>
+            <a:fillRect/>
+          </a:stretch>
+        </p:blipFill>
+        <p:spPr>
+          <a:xfrm>
+            <a:off x="0" y="1309890"/>
+            <a:ext cx="9010650" cy="714375"/>
           </a:xfrm>
           <a:prstGeom prst="rect">
             <a:avLst/>
           </a:prstGeom>
-          <a:noFill/>
-          <a:ln>
-            <a:noFill/>
-          </a:ln>
-        </p:spPr>
-        <p:txBody>
-          <a:bodyPr wrap="square" lIns="91425" tIns="45700" rIns="91425" bIns="45700" anchor="t" anchorCtr="0">
-            <a:noAutofit/>
-          </a:bodyPr>
-          <a:lstStyle/>
-          <a:p>
-            <a:pPr marL="0" marR="0" lvl="0" indent="-177800" algn="l" rtl="0">
-              <a:lnSpc>
-                <a:spcPct val="107000"/>
-              </a:lnSpc>
-              <a:spcBef>
-                <a:spcPts val="0"/>
-              </a:spcBef>
-              <a:spcAft>
-                <a:spcPts val="0"/>
-              </a:spcAft>
-              <a:buClr>
-                <a:srgbClr val="595959"/>
-              </a:buClr>
-              <a:buSzPts val="2800"/>
-              <a:buFont typeface="Calibri"/>
-              <a:buNone/>
-            </a:pPr>
-            <a:r>
-              <a:rPr lang="es-ES" sz="2800" b="0" i="0" u="none" strike="noStrike" cap="none">
-                <a:solidFill>
-                  <a:srgbClr val="595959"/>
-                </a:solidFill>
-                <a:latin typeface="Calibri"/>
-                <a:ea typeface="Calibri"/>
-                <a:cs typeface="Calibri"/>
-                <a:sym typeface="Calibri"/>
-              </a:rPr>
-              <a:t>Se pretende realizar un sistema de información que facilite a  los clientes de la pizzería  hacer pedidos a domicilios por medio de la internet. </a:t>
-            </a:r>
-          </a:p>
-        </p:txBody>
-      </p:sp>
+        </p:spPr>
+      </p:pic>
+      <p:pic>
+        <p:nvPicPr>
+          <p:cNvPr id="4" name="Imagen 3"/>
+          <p:cNvPicPr>
+            <a:picLocks noChangeAspect="1"/>
+          </p:cNvPicPr>
+          <p:nvPr/>
+        </p:nvPicPr>
+        <p:blipFill>
+          <a:blip r:embed="rId4"/>
+          <a:stretch>
+            <a:fillRect/>
+          </a:stretch>
+        </p:blipFill>
+        <p:spPr>
+          <a:xfrm>
+            <a:off x="647700" y="2468944"/>
+            <a:ext cx="7715250" cy="1343025"/>
+          </a:xfrm>
+          <a:prstGeom prst="rect">
+            <a:avLst/>
+          </a:prstGeom>
+        </p:spPr>
+      </p:pic>
     </p:spTree>
   </p:cSld>
   <p:clrMapOvr>
@@ -12364,7 +10454,7 @@
 </p:sld>
 </file>
 
-<file path=ppt/slides/slide30.xml><?xml version="1.0" encoding="utf-8"?>
+<file path=ppt/slides/slide27.xml><?xml version="1.0" encoding="utf-8"?>
 <p:sld xmlns:a="http://schemas.openxmlformats.org/drawingml/2006/main" xmlns:r="http://schemas.openxmlformats.org/officeDocument/2006/relationships" xmlns:p="http://schemas.openxmlformats.org/presentationml/2006/main">
   <p:cSld>
     <p:spTree>
@@ -12536,7 +10626,7 @@
 </p:sld>
 </file>
 
-<file path=ppt/slides/slide31.xml><?xml version="1.0" encoding="utf-8"?>
+<file path=ppt/slides/slide28.xml><?xml version="1.0" encoding="utf-8"?>
 <p:sld xmlns:a="http://schemas.openxmlformats.org/drawingml/2006/main" xmlns:r="http://schemas.openxmlformats.org/officeDocument/2006/relationships" xmlns:p="http://schemas.openxmlformats.org/presentationml/2006/main">
   <p:cSld>
     <p:spTree>
@@ -12663,7 +10753,7 @@
 </p:sld>
 </file>
 
-<file path=ppt/slides/slide32.xml><?xml version="1.0" encoding="utf-8"?>
+<file path=ppt/slides/slide29.xml><?xml version="1.0" encoding="utf-8"?>
 <p:sld xmlns:a="http://schemas.openxmlformats.org/drawingml/2006/main" xmlns:r="http://schemas.openxmlformats.org/officeDocument/2006/relationships" xmlns:p="http://schemas.openxmlformats.org/presentationml/2006/main">
   <p:cSld>
     <p:spTree>
@@ -12792,7 +10882,153 @@
 </p:sld>
 </file>
 
-<file path=ppt/slides/slide33.xml><?xml version="1.0" encoding="utf-8"?>
+<file path=ppt/slides/slide3.xml><?xml version="1.0" encoding="utf-8"?>
+<p:sld xmlns:a="http://schemas.openxmlformats.org/drawingml/2006/main" xmlns:r="http://schemas.openxmlformats.org/officeDocument/2006/relationships" xmlns:p="http://schemas.openxmlformats.org/presentationml/2006/main">
+  <p:cSld>
+    <p:spTree>
+      <p:nvGrpSpPr>
+        <p:cNvPr id="1" name="Shape 37"/>
+        <p:cNvGrpSpPr/>
+        <p:nvPr/>
+      </p:nvGrpSpPr>
+      <p:grpSpPr>
+        <a:xfrm>
+          <a:off x="0" y="0"/>
+          <a:ext cx="0" cy="0"/>
+          <a:chOff x="0" y="0"/>
+          <a:chExt cx="0" cy="0"/>
+        </a:xfrm>
+      </p:grpSpPr>
+      <p:sp>
+        <p:nvSpPr>
+          <p:cNvPr id="38" name="Shape 38"/>
+          <p:cNvSpPr txBox="1"/>
+          <p:nvPr/>
+        </p:nvSpPr>
+        <p:spPr>
+          <a:xfrm>
+            <a:off x="0" y="1639809"/>
+            <a:ext cx="3591499" cy="1200327"/>
+          </a:xfrm>
+          <a:prstGeom prst="rect">
+            <a:avLst/>
+          </a:prstGeom>
+          <a:noFill/>
+          <a:ln>
+            <a:noFill/>
+          </a:ln>
+        </p:spPr>
+        <p:txBody>
+          <a:bodyPr wrap="square" lIns="91425" tIns="45700" rIns="91425" bIns="45700" anchor="t" anchorCtr="0">
+            <a:noAutofit/>
+          </a:bodyPr>
+          <a:lstStyle/>
+          <a:p>
+            <a:pPr marL="0" marR="0" lvl="0" indent="-190500" algn="ctr" rtl="0">
+              <a:lnSpc>
+                <a:spcPct val="107000"/>
+              </a:lnSpc>
+              <a:spcBef>
+                <a:spcPts val="0"/>
+              </a:spcBef>
+              <a:spcAft>
+                <a:spcPts val="0"/>
+              </a:spcAft>
+              <a:buClr>
+                <a:schemeClr val="lt1"/>
+              </a:buClr>
+              <a:buSzPts val="3000"/>
+              <a:buFont typeface="Calibri"/>
+              <a:buNone/>
+            </a:pPr>
+            <a:r>
+              <a:rPr lang="es-ES" sz="3000" b="1" i="0" u="none" strike="noStrike" cap="none">
+                <a:solidFill>
+                  <a:schemeClr val="lt1"/>
+                </a:solidFill>
+                <a:latin typeface="Calibri"/>
+                <a:ea typeface="Calibri"/>
+                <a:cs typeface="Calibri"/>
+                <a:sym typeface="Calibri"/>
+              </a:rPr>
+              <a:t>PLANTEAMIENTO DEL PROBLEMA</a:t>
+            </a:r>
+          </a:p>
+        </p:txBody>
+      </p:sp>
+      <p:sp>
+        <p:nvSpPr>
+          <p:cNvPr id="39" name="Shape 39"/>
+          <p:cNvSpPr txBox="1"/>
+          <p:nvPr/>
+        </p:nvSpPr>
+        <p:spPr>
+          <a:xfrm>
+            <a:off x="3800819" y="1149997"/>
+            <a:ext cx="5155893" cy="4490639"/>
+          </a:xfrm>
+          <a:prstGeom prst="rect">
+            <a:avLst/>
+          </a:prstGeom>
+          <a:noFill/>
+          <a:ln>
+            <a:noFill/>
+          </a:ln>
+        </p:spPr>
+        <p:txBody>
+          <a:bodyPr wrap="square" lIns="91425" tIns="45700" rIns="91425" bIns="45700" anchor="t" anchorCtr="0">
+            <a:noAutofit/>
+          </a:bodyPr>
+          <a:lstStyle/>
+          <a:p>
+            <a:pPr marL="0" marR="0" lvl="0" indent="-177800" algn="l" rtl="0">
+              <a:lnSpc>
+                <a:spcPct val="107000"/>
+              </a:lnSpc>
+              <a:spcBef>
+                <a:spcPts val="0"/>
+              </a:spcBef>
+              <a:spcAft>
+                <a:spcPts val="0"/>
+              </a:spcAft>
+              <a:buClr>
+                <a:srgbClr val="595959"/>
+              </a:buClr>
+              <a:buSzPts val="2800"/>
+              <a:buFont typeface="Calibri"/>
+              <a:buNone/>
+            </a:pPr>
+            <a:r>
+              <a:rPr lang="es-ES" sz="2800" b="0" i="0" u="none" strike="noStrike" cap="none">
+                <a:solidFill>
+                  <a:srgbClr val="595959"/>
+                </a:solidFill>
+                <a:latin typeface="Calibri"/>
+                <a:ea typeface="Calibri"/>
+                <a:cs typeface="Calibri"/>
+                <a:sym typeface="Calibri"/>
+              </a:rPr>
+              <a:t>El restaurante pizzería la abuela no dispone de un sistema de información que facilite la manera por la cual se hacen pedidos para entregas a domicilio de las pizzas, lo cual ha generado desorden y decadencia del sistema de ventas.</a:t>
+            </a:r>
+          </a:p>
+        </p:txBody>
+      </p:sp>
+    </p:spTree>
+  </p:cSld>
+  <p:clrMapOvr>
+    <a:masterClrMapping/>
+  </p:clrMapOvr>
+  <p:timing>
+    <p:tnLst>
+      <p:par>
+        <p:cTn id="1" dur="indefinite" restart="never" nodeType="tmRoot"/>
+      </p:par>
+    </p:tnLst>
+  </p:timing>
+</p:sld>
+</file>
+
+<file path=ppt/slides/slide30.xml><?xml version="1.0" encoding="utf-8"?>
 <p:sld xmlns:a="http://schemas.openxmlformats.org/drawingml/2006/main" xmlns:r="http://schemas.openxmlformats.org/officeDocument/2006/relationships" xmlns:p="http://schemas.openxmlformats.org/presentationml/2006/main">
   <p:cSld>
     <p:spTree>
@@ -12921,7 +11157,7 @@
 </p:sld>
 </file>
 
-<file path=ppt/slides/slide34.xml><?xml version="1.0" encoding="utf-8"?>
+<file path=ppt/slides/slide31.xml><?xml version="1.0" encoding="utf-8"?>
 <p:sld xmlns:a="http://schemas.openxmlformats.org/drawingml/2006/main" xmlns:r="http://schemas.openxmlformats.org/officeDocument/2006/relationships" xmlns:p="http://schemas.openxmlformats.org/presentationml/2006/main">
   <p:cSld>
     <p:spTree>
@@ -13050,7 +11286,7 @@
 </p:sld>
 </file>
 
-<file path=ppt/slides/slide35.xml><?xml version="1.0" encoding="utf-8"?>
+<file path=ppt/slides/slide32.xml><?xml version="1.0" encoding="utf-8"?>
 <p:sld xmlns:a="http://schemas.openxmlformats.org/drawingml/2006/main" xmlns:r="http://schemas.openxmlformats.org/officeDocument/2006/relationships" xmlns:p="http://schemas.openxmlformats.org/presentationml/2006/main">
   <p:cSld>
     <p:spTree>
@@ -14434,7 +12670,7 @@
   <p:cSld>
     <p:spTree>
       <p:nvGrpSpPr>
-        <p:cNvPr id="1" name="Shape 77"/>
+        <p:cNvPr id="1" name="Shape 83"/>
         <p:cNvGrpSpPr/>
         <p:nvPr/>
       </p:nvGrpSpPr>
@@ -14448,14 +12684,226 @@
       </p:grpSpPr>
       <p:sp>
         <p:nvSpPr>
-          <p:cNvPr id="78" name="Shape 78"/>
+          <p:cNvPr id="84" name="Shape 84"/>
           <p:cNvSpPr/>
           <p:nvPr/>
         </p:nvSpPr>
         <p:spPr>
           <a:xfrm>
-            <a:off x="0" y="1994669"/>
-            <a:ext cx="3395035" cy="1154162"/>
+            <a:off x="3635566" y="0"/>
+            <a:ext cx="5508434" cy="5154616"/>
+          </a:xfrm>
+          <a:prstGeom prst="rect">
+            <a:avLst/>
+          </a:prstGeom>
+          <a:noFill/>
+          <a:ln>
+            <a:noFill/>
+          </a:ln>
+        </p:spPr>
+        <p:txBody>
+          <a:bodyPr wrap="square" lIns="91425" tIns="45700" rIns="91425" bIns="45700" anchor="t" anchorCtr="0">
+            <a:noAutofit/>
+          </a:bodyPr>
+          <a:lstStyle/>
+          <a:p>
+            <a:pPr marL="342900" marR="0" lvl="0" indent="-342900" algn="l" rtl="0">
+              <a:lnSpc>
+                <a:spcPct val="106000"/>
+              </a:lnSpc>
+              <a:spcBef>
+                <a:spcPts val="0"/>
+              </a:spcBef>
+              <a:spcAft>
+                <a:spcPts val="0"/>
+              </a:spcAft>
+              <a:buClr>
+                <a:srgbClr val="595959"/>
+              </a:buClr>
+              <a:buSzPts val="2600"/>
+              <a:buFont typeface="Arial"/>
+              <a:buChar char="•"/>
+            </a:pPr>
+            <a:r>
+              <a:rPr lang="es-ES" sz="2600" b="0" i="0" u="none" strike="noStrike" cap="none">
+                <a:solidFill>
+                  <a:srgbClr val="595959"/>
+                </a:solidFill>
+                <a:latin typeface="Calibri"/>
+                <a:ea typeface="Calibri"/>
+                <a:cs typeface="Calibri"/>
+                <a:sym typeface="Calibri"/>
+              </a:rPr>
+              <a:t>¿Cómo le gustaría que fuera su plataforma web?</a:t>
+            </a:r>
+          </a:p>
+          <a:p>
+            <a:pPr marL="742950" marR="0" lvl="0" indent="-285750" algn="l" rtl="0">
+              <a:lnSpc>
+                <a:spcPct val="115000"/>
+              </a:lnSpc>
+              <a:spcBef>
+                <a:spcPts val="1000"/>
+              </a:spcBef>
+              <a:spcAft>
+                <a:spcPts val="0"/>
+              </a:spcAft>
+              <a:buClr>
+                <a:srgbClr val="595959"/>
+              </a:buClr>
+              <a:buSzPts val="2600"/>
+              <a:buFont typeface="Arial"/>
+              <a:buChar char="•"/>
+            </a:pPr>
+            <a:r>
+              <a:rPr lang="es-ES" sz="2600" b="0" i="0" u="none" strike="noStrike" cap="none">
+                <a:solidFill>
+                  <a:srgbClr val="595959"/>
+                </a:solidFill>
+                <a:latin typeface="Calibri"/>
+                <a:ea typeface="Calibri"/>
+                <a:cs typeface="Calibri"/>
+                <a:sym typeface="Calibri"/>
+              </a:rPr>
+              <a:t>Principalmente que muestre cada menú y todos los productos que se venden</a:t>
+            </a:r>
+          </a:p>
+          <a:p>
+            <a:pPr marL="342900" marR="0" lvl="0" indent="-342900" algn="l" rtl="0">
+              <a:lnSpc>
+                <a:spcPct val="106000"/>
+              </a:lnSpc>
+              <a:spcBef>
+                <a:spcPts val="1000"/>
+              </a:spcBef>
+              <a:spcAft>
+                <a:spcPts val="0"/>
+              </a:spcAft>
+              <a:buClr>
+                <a:srgbClr val="595959"/>
+              </a:buClr>
+              <a:buSzPts val="2600"/>
+              <a:buFont typeface="Arial"/>
+              <a:buChar char="•"/>
+            </a:pPr>
+            <a:r>
+              <a:rPr lang="es-ES" sz="2600" b="0" i="0" u="none" strike="noStrike" cap="none">
+                <a:solidFill>
+                  <a:srgbClr val="595959"/>
+                </a:solidFill>
+                <a:latin typeface="Calibri"/>
+                <a:ea typeface="Calibri"/>
+                <a:cs typeface="Calibri"/>
+                <a:sym typeface="Calibri"/>
+              </a:rPr>
+              <a:t>¿Quién maneja la plataforma?</a:t>
+            </a:r>
+          </a:p>
+          <a:p>
+            <a:pPr marL="742950" marR="0" lvl="0" indent="-285750" algn="l" rtl="0">
+              <a:lnSpc>
+                <a:spcPct val="115000"/>
+              </a:lnSpc>
+              <a:spcBef>
+                <a:spcPts val="1000"/>
+              </a:spcBef>
+              <a:spcAft>
+                <a:spcPts val="0"/>
+              </a:spcAft>
+              <a:buClr>
+                <a:srgbClr val="595959"/>
+              </a:buClr>
+              <a:buSzPts val="2600"/>
+              <a:buFont typeface="Arial"/>
+              <a:buChar char="•"/>
+            </a:pPr>
+            <a:r>
+              <a:rPr lang="es-ES" sz="2600" b="0" i="0" u="none" strike="noStrike" cap="none">
+                <a:solidFill>
+                  <a:srgbClr val="595959"/>
+                </a:solidFill>
+                <a:latin typeface="Calibri"/>
+                <a:ea typeface="Calibri"/>
+                <a:cs typeface="Calibri"/>
+                <a:sym typeface="Calibri"/>
+              </a:rPr>
+              <a:t>El dueño de la pizzería</a:t>
+            </a:r>
+          </a:p>
+          <a:p>
+            <a:pPr marL="342900" marR="0" lvl="0" indent="-342900" algn="l" rtl="0">
+              <a:lnSpc>
+                <a:spcPct val="106000"/>
+              </a:lnSpc>
+              <a:spcBef>
+                <a:spcPts val="1000"/>
+              </a:spcBef>
+              <a:spcAft>
+                <a:spcPts val="0"/>
+              </a:spcAft>
+              <a:buClr>
+                <a:srgbClr val="595959"/>
+              </a:buClr>
+              <a:buSzPts val="2600"/>
+              <a:buFont typeface="Arial"/>
+              <a:buChar char="•"/>
+            </a:pPr>
+            <a:r>
+              <a:rPr lang="es-ES" sz="2600" b="0" i="0" u="none" strike="noStrike" cap="none">
+                <a:solidFill>
+                  <a:srgbClr val="595959"/>
+                </a:solidFill>
+                <a:latin typeface="Calibri"/>
+                <a:ea typeface="Calibri"/>
+                <a:cs typeface="Calibri"/>
+                <a:sym typeface="Calibri"/>
+              </a:rPr>
+              <a:t>¿La plataforma local requiere de internet?</a:t>
+            </a:r>
+          </a:p>
+          <a:p>
+            <a:pPr marL="742950" marR="0" lvl="0" indent="-285750" algn="l" rtl="0">
+              <a:lnSpc>
+                <a:spcPct val="115000"/>
+              </a:lnSpc>
+              <a:spcBef>
+                <a:spcPts val="1000"/>
+              </a:spcBef>
+              <a:spcAft>
+                <a:spcPts val="0"/>
+              </a:spcAft>
+              <a:buClr>
+                <a:srgbClr val="595959"/>
+              </a:buClr>
+              <a:buSzPts val="2600"/>
+              <a:buFont typeface="Arial"/>
+              <a:buChar char="•"/>
+            </a:pPr>
+            <a:r>
+              <a:rPr lang="es-ES" sz="2600" b="0" i="0" u="none" strike="noStrike" cap="none">
+                <a:solidFill>
+                  <a:srgbClr val="595959"/>
+                </a:solidFill>
+                <a:latin typeface="Calibri"/>
+                <a:ea typeface="Calibri"/>
+                <a:cs typeface="Calibri"/>
+                <a:sym typeface="Calibri"/>
+              </a:rPr>
+              <a:t>NO</a:t>
+            </a:r>
+          </a:p>
+        </p:txBody>
+      </p:sp>
+      <p:sp>
+        <p:nvSpPr>
+          <p:cNvPr id="85" name="Shape 85"/>
+          <p:cNvSpPr/>
+          <p:nvPr/>
+        </p:nvSpPr>
+        <p:spPr>
+          <a:xfrm>
+            <a:off x="-161242" y="1939440"/>
+            <a:ext cx="3796808" cy="1154162"/>
           </a:xfrm>
           <a:prstGeom prst="rect">
             <a:avLst/>
@@ -14499,273 +12947,6 @@
                 <a:sym typeface="Calibri"/>
               </a:rPr>
               <a:t>CUESTIONARIO ENTREVISTA </a:t>
-            </a:r>
-          </a:p>
-        </p:txBody>
-      </p:sp>
-      <p:sp>
-        <p:nvSpPr>
-          <p:cNvPr id="79" name="Shape 79"/>
-          <p:cNvSpPr/>
-          <p:nvPr/>
-        </p:nvSpPr>
-        <p:spPr>
-          <a:xfrm>
-            <a:off x="3690651" y="0"/>
-            <a:ext cx="5453349" cy="4529189"/>
-          </a:xfrm>
-          <a:prstGeom prst="rect">
-            <a:avLst/>
-          </a:prstGeom>
-          <a:noFill/>
-          <a:ln>
-            <a:noFill/>
-          </a:ln>
-        </p:spPr>
-        <p:txBody>
-          <a:bodyPr wrap="square" lIns="91425" tIns="45700" rIns="91425" bIns="45700" anchor="t" anchorCtr="0">
-            <a:noAutofit/>
-          </a:bodyPr>
-          <a:lstStyle/>
-          <a:p>
-            <a:pPr marL="457200" marR="0" lvl="0" indent="-127000" algn="l" rtl="0">
-              <a:lnSpc>
-                <a:spcPct val="115000"/>
-              </a:lnSpc>
-              <a:spcBef>
-                <a:spcPts val="0"/>
-              </a:spcBef>
-              <a:spcAft>
-                <a:spcPts val="0"/>
-              </a:spcAft>
-              <a:buClr>
-                <a:srgbClr val="7F7F7F"/>
-              </a:buClr>
-              <a:buSzPts val="2000"/>
-              <a:buFont typeface="Arial"/>
-              <a:buNone/>
-            </a:pPr>
-            <a:r>
-              <a:rPr lang="es-ES" sz="2000" b="0" i="0" u="none" strike="noStrike" cap="none" dirty="0">
-                <a:solidFill>
-                  <a:srgbClr val="7F7F7F"/>
-                </a:solidFill>
-                <a:latin typeface="Arial"/>
-                <a:ea typeface="Arial"/>
-                <a:cs typeface="Arial"/>
-                <a:sym typeface="Arial"/>
-              </a:rPr>
-              <a:t> </a:t>
-            </a:r>
-          </a:p>
-          <a:p>
-            <a:pPr marL="342900" marR="0" lvl="0" indent="-342900" algn="l" rtl="0">
-              <a:lnSpc>
-                <a:spcPct val="106000"/>
-              </a:lnSpc>
-              <a:spcBef>
-                <a:spcPts val="1000"/>
-              </a:spcBef>
-              <a:spcAft>
-                <a:spcPts val="0"/>
-              </a:spcAft>
-              <a:buClr>
-                <a:srgbClr val="595959"/>
-              </a:buClr>
-              <a:buSzPts val="2800"/>
-              <a:buFont typeface="Arial"/>
-              <a:buChar char="•"/>
-            </a:pPr>
-            <a:r>
-              <a:rPr lang="es-ES" sz="2800" b="0" i="0" u="none" strike="noStrike" cap="none" dirty="0">
-                <a:solidFill>
-                  <a:srgbClr val="595959"/>
-                </a:solidFill>
-                <a:latin typeface="Calibri"/>
-                <a:ea typeface="Calibri"/>
-                <a:cs typeface="Calibri"/>
-                <a:sym typeface="Calibri"/>
-              </a:rPr>
-              <a:t>¿la empresa cuenta con conexión a internet?</a:t>
-            </a:r>
-          </a:p>
-          <a:p>
-            <a:pPr marL="742950" marR="0" lvl="0" indent="-285750" algn="l" rtl="0">
-              <a:lnSpc>
-                <a:spcPct val="115000"/>
-              </a:lnSpc>
-              <a:spcBef>
-                <a:spcPts val="1000"/>
-              </a:spcBef>
-              <a:spcAft>
-                <a:spcPts val="0"/>
-              </a:spcAft>
-              <a:buClr>
-                <a:srgbClr val="595959"/>
-              </a:buClr>
-              <a:buSzPts val="2800"/>
-              <a:buFont typeface="Arial"/>
-              <a:buChar char="•"/>
-            </a:pPr>
-            <a:r>
-              <a:rPr lang="es-ES" sz="2800" b="0" i="0" u="none" strike="noStrike" cap="none" dirty="0">
-                <a:solidFill>
-                  <a:srgbClr val="595959"/>
-                </a:solidFill>
-                <a:latin typeface="Calibri"/>
-                <a:ea typeface="Calibri"/>
-                <a:cs typeface="Calibri"/>
-                <a:sym typeface="Calibri"/>
-              </a:rPr>
-              <a:t>Si manejan internet</a:t>
-            </a:r>
-          </a:p>
-          <a:p>
-            <a:pPr marL="342900" marR="0" lvl="0" indent="-342900" algn="l" rtl="0">
-              <a:lnSpc>
-                <a:spcPct val="106000"/>
-              </a:lnSpc>
-              <a:spcBef>
-                <a:spcPts val="1000"/>
-              </a:spcBef>
-              <a:spcAft>
-                <a:spcPts val="0"/>
-              </a:spcAft>
-              <a:buClr>
-                <a:srgbClr val="595959"/>
-              </a:buClr>
-              <a:buSzPts val="2800"/>
-              <a:buFont typeface="Arial"/>
-              <a:buChar char="•"/>
-            </a:pPr>
-            <a:r>
-              <a:rPr lang="es-ES" sz="2800" b="0" i="0" u="none" strike="noStrike" cap="none" dirty="0">
-                <a:solidFill>
-                  <a:srgbClr val="595959"/>
-                </a:solidFill>
-                <a:latin typeface="Calibri"/>
-                <a:ea typeface="Calibri"/>
-                <a:cs typeface="Calibri"/>
-                <a:sym typeface="Calibri"/>
-              </a:rPr>
-              <a:t>¿poseen dispositivos tecnológicos?</a:t>
-            </a:r>
-          </a:p>
-          <a:p>
-            <a:pPr marL="742950" marR="0" lvl="0" indent="-285750" algn="l" rtl="0">
-              <a:lnSpc>
-                <a:spcPct val="115000"/>
-              </a:lnSpc>
-              <a:spcBef>
-                <a:spcPts val="1000"/>
-              </a:spcBef>
-              <a:spcAft>
-                <a:spcPts val="0"/>
-              </a:spcAft>
-              <a:buClr>
-                <a:srgbClr val="595959"/>
-              </a:buClr>
-              <a:buSzPts val="2800"/>
-              <a:buFont typeface="Arial"/>
-              <a:buChar char="•"/>
-            </a:pPr>
-            <a:r>
-              <a:rPr lang="es-ES" sz="2800" b="0" i="0" u="none" strike="noStrike" cap="none" dirty="0">
-                <a:solidFill>
-                  <a:srgbClr val="595959"/>
-                </a:solidFill>
-                <a:latin typeface="Calibri"/>
-                <a:ea typeface="Calibri"/>
-                <a:cs typeface="Calibri"/>
-                <a:sym typeface="Calibri"/>
-              </a:rPr>
-              <a:t>Si</a:t>
-            </a:r>
-          </a:p>
-          <a:p>
-            <a:pPr marL="342900" marR="0" lvl="0" indent="-342900" algn="l" rtl="0">
-              <a:lnSpc>
-                <a:spcPct val="106000"/>
-              </a:lnSpc>
-              <a:spcBef>
-                <a:spcPts val="1000"/>
-              </a:spcBef>
-              <a:spcAft>
-                <a:spcPts val="0"/>
-              </a:spcAft>
-              <a:buClr>
-                <a:srgbClr val="595959"/>
-              </a:buClr>
-              <a:buSzPts val="2800"/>
-              <a:buFont typeface="Arial"/>
-              <a:buChar char="•"/>
-            </a:pPr>
-            <a:r>
-              <a:rPr lang="es-ES" sz="2800" b="0" i="0" u="none" strike="noStrike" cap="none" dirty="0">
-                <a:solidFill>
-                  <a:srgbClr val="595959"/>
-                </a:solidFill>
-                <a:latin typeface="Calibri"/>
-                <a:ea typeface="Calibri"/>
-                <a:cs typeface="Calibri"/>
-                <a:sym typeface="Calibri"/>
-              </a:rPr>
-              <a:t>¿cuentan con </a:t>
-            </a:r>
-            <a:r>
-              <a:rPr lang="es-ES" sz="2800" dirty="0">
-                <a:solidFill>
-                  <a:srgbClr val="595959"/>
-                </a:solidFill>
-                <a:latin typeface="Calibri"/>
-                <a:ea typeface="Calibri"/>
-                <a:cs typeface="Calibri"/>
-                <a:sym typeface="Calibri"/>
-              </a:rPr>
-              <a:t>página</a:t>
-            </a:r>
-            <a:r>
-              <a:rPr lang="es-ES" sz="2800" b="0" i="0" u="none" strike="noStrike" cap="none" dirty="0">
-                <a:solidFill>
-                  <a:srgbClr val="595959"/>
-                </a:solidFill>
-                <a:latin typeface="Calibri"/>
-                <a:ea typeface="Calibri"/>
-                <a:cs typeface="Calibri"/>
-                <a:sym typeface="Calibri"/>
-              </a:rPr>
-              <a:t> web?</a:t>
-            </a:r>
-          </a:p>
-          <a:p>
-            <a:pPr marL="742950" marR="0" lvl="0" indent="-285750" algn="l" rtl="0">
-              <a:lnSpc>
-                <a:spcPct val="115000"/>
-              </a:lnSpc>
-              <a:spcBef>
-                <a:spcPts val="1000"/>
-              </a:spcBef>
-              <a:spcAft>
-                <a:spcPts val="0"/>
-              </a:spcAft>
-              <a:buClr>
-                <a:srgbClr val="595959"/>
-              </a:buClr>
-              <a:buSzPts val="2800"/>
-              <a:buFont typeface="Arial"/>
-              <a:buChar char="•"/>
-            </a:pPr>
-            <a:r>
-              <a:rPr lang="es-ES" sz="2800" b="0" i="0" u="none" strike="noStrike" cap="none" dirty="0">
-                <a:solidFill>
-                  <a:srgbClr val="595959"/>
-                </a:solidFill>
-                <a:latin typeface="Calibri"/>
-                <a:ea typeface="Calibri"/>
-                <a:cs typeface="Calibri"/>
-                <a:sym typeface="Calibri"/>
-              </a:rPr>
-              <a:t>No</a:t>
             </a:r>
           </a:p>
         </p:txBody>

--- a/NUEVO ORGANIZADO/Presentaciones/Cuarto Trimestre/Presentacion-Proyectos-ADSI-I-Diurno.pptx
+++ b/NUEVO ORGANIZADO/Presentaciones/Cuarto Trimestre/Presentacion-Proyectos-ADSI-I-Diurno.pptx
@@ -5,7 +5,7 @@
     <p:sldMasterId id="2147483652" r:id="rId1"/>
   </p:sldMasterIdLst>
   <p:notesMasterIdLst>
-    <p:notesMasterId r:id="rId34"/>
+    <p:notesMasterId r:id="rId33"/>
   </p:notesMasterIdLst>
   <p:sldIdLst>
     <p:sldId id="256" r:id="rId2"/>
@@ -20,26 +20,25 @@
     <p:sldId id="266" r:id="rId11"/>
     <p:sldId id="268" r:id="rId12"/>
     <p:sldId id="269" r:id="rId13"/>
-    <p:sldId id="296" r:id="rId14"/>
-    <p:sldId id="271" r:id="rId15"/>
-    <p:sldId id="273" r:id="rId16"/>
-    <p:sldId id="276" r:id="rId17"/>
-    <p:sldId id="277" r:id="rId18"/>
-    <p:sldId id="278" r:id="rId19"/>
-    <p:sldId id="279" r:id="rId20"/>
-    <p:sldId id="280" r:id="rId21"/>
-    <p:sldId id="281" r:id="rId22"/>
-    <p:sldId id="282" r:id="rId23"/>
-    <p:sldId id="284" r:id="rId24"/>
-    <p:sldId id="285" r:id="rId25"/>
-    <p:sldId id="286" r:id="rId26"/>
-    <p:sldId id="287" r:id="rId27"/>
-    <p:sldId id="288" r:id="rId28"/>
-    <p:sldId id="292" r:id="rId29"/>
-    <p:sldId id="293" r:id="rId30"/>
-    <p:sldId id="294" r:id="rId31"/>
-    <p:sldId id="295" r:id="rId32"/>
-    <p:sldId id="290" r:id="rId33"/>
+    <p:sldId id="271" r:id="rId14"/>
+    <p:sldId id="273" r:id="rId15"/>
+    <p:sldId id="276" r:id="rId16"/>
+    <p:sldId id="277" r:id="rId17"/>
+    <p:sldId id="278" r:id="rId18"/>
+    <p:sldId id="279" r:id="rId19"/>
+    <p:sldId id="280" r:id="rId20"/>
+    <p:sldId id="281" r:id="rId21"/>
+    <p:sldId id="282" r:id="rId22"/>
+    <p:sldId id="284" r:id="rId23"/>
+    <p:sldId id="285" r:id="rId24"/>
+    <p:sldId id="286" r:id="rId25"/>
+    <p:sldId id="287" r:id="rId26"/>
+    <p:sldId id="288" r:id="rId27"/>
+    <p:sldId id="292" r:id="rId28"/>
+    <p:sldId id="293" r:id="rId29"/>
+    <p:sldId id="294" r:id="rId30"/>
+    <p:sldId id="295" r:id="rId31"/>
+    <p:sldId id="290" r:id="rId32"/>
   </p:sldIdLst>
   <p:sldSz cx="9144000" cy="5143500" type="screen16x9"/>
   <p:notesSz cx="6858000" cy="9144000"/>
@@ -2063,7 +2062,7 @@
     </p:spTree>
     <p:extLst>
       <p:ext uri="{BB962C8B-B14F-4D97-AF65-F5344CB8AC3E}">
-        <p14:creationId xmlns:p14="http://schemas.microsoft.com/office/powerpoint/2010/main" val="3525412482"/>
+        <p14:creationId xmlns:p14="http://schemas.microsoft.com/office/powerpoint/2010/main" val="2283158798"/>
       </p:ext>
     </p:extLst>
   </p:cSld>
@@ -2074,112 +2073,6 @@
 </file>
 
 <file path=ppt/notesSlides/notesSlide14.xml><?xml version="1.0" encoding="utf-8"?>
-<p:notes xmlns:a="http://schemas.openxmlformats.org/drawingml/2006/main" xmlns:r="http://schemas.openxmlformats.org/officeDocument/2006/relationships" xmlns:p="http://schemas.openxmlformats.org/presentationml/2006/main" showMasterSp="0" showMasterPhAnim="0">
-  <p:cSld>
-    <p:spTree>
-      <p:nvGrpSpPr>
-        <p:cNvPr id="1" name="Shape 118"/>
-        <p:cNvGrpSpPr/>
-        <p:nvPr/>
-      </p:nvGrpSpPr>
-      <p:grpSpPr>
-        <a:xfrm>
-          <a:off x="0" y="0"/>
-          <a:ext cx="0" cy="0"/>
-          <a:chOff x="0" y="0"/>
-          <a:chExt cx="0" cy="0"/>
-        </a:xfrm>
-      </p:grpSpPr>
-      <p:sp>
-        <p:nvSpPr>
-          <p:cNvPr id="119" name="Shape 119"/>
-          <p:cNvSpPr txBox="1">
-            <a:spLocks noGrp="1"/>
-          </p:cNvSpPr>
-          <p:nvPr>
-            <p:ph type="body" idx="1"/>
-          </p:nvPr>
-        </p:nvSpPr>
-        <p:spPr>
-          <a:xfrm>
-            <a:off x="685800" y="4343400"/>
-            <a:ext cx="5486399" cy="4114800"/>
-          </a:xfrm>
-          <a:prstGeom prst="rect">
-            <a:avLst/>
-          </a:prstGeom>
-        </p:spPr>
-        <p:txBody>
-          <a:bodyPr wrap="square" lIns="91425" tIns="91425" rIns="91425" bIns="91425" anchor="t" anchorCtr="0">
-            <a:noAutofit/>
-          </a:bodyPr>
-          <a:lstStyle/>
-          <a:p>
-            <a:pPr marL="0" lvl="0" indent="76200">
-              <a:spcBef>
-                <a:spcPts val="0"/>
-              </a:spcBef>
-              <a:buNone/>
-            </a:pPr>
-            <a:endParaRPr/>
-          </a:p>
-        </p:txBody>
-      </p:sp>
-      <p:sp>
-        <p:nvSpPr>
-          <p:cNvPr id="120" name="Shape 120"/>
-          <p:cNvSpPr>
-            <a:spLocks noGrp="1" noRot="1" noChangeAspect="1"/>
-          </p:cNvSpPr>
-          <p:nvPr>
-            <p:ph type="sldImg" idx="2"/>
-          </p:nvPr>
-        </p:nvSpPr>
-        <p:spPr>
-          <a:xfrm>
-            <a:off x="381000" y="685800"/>
-            <a:ext cx="6096000" cy="3429000"/>
-          </a:xfrm>
-          <a:custGeom>
-            <a:avLst/>
-            <a:gdLst/>
-            <a:ahLst/>
-            <a:cxnLst/>
-            <a:rect l="0" t="0" r="0" b="0"/>
-            <a:pathLst>
-              <a:path w="120000" h="120000" extrusionOk="0">
-                <a:moveTo>
-                  <a:pt x="0" y="0"/>
-                </a:moveTo>
-                <a:lnTo>
-                  <a:pt x="120000" y="0"/>
-                </a:lnTo>
-                <a:lnTo>
-                  <a:pt x="120000" y="120000"/>
-                </a:lnTo>
-                <a:lnTo>
-                  <a:pt x="0" y="120000"/>
-                </a:lnTo>
-                <a:close/>
-              </a:path>
-            </a:pathLst>
-          </a:custGeom>
-        </p:spPr>
-      </p:sp>
-    </p:spTree>
-    <p:extLst>
-      <p:ext uri="{BB962C8B-B14F-4D97-AF65-F5344CB8AC3E}">
-        <p14:creationId xmlns:p14="http://schemas.microsoft.com/office/powerpoint/2010/main" val="2283158798"/>
-      </p:ext>
-    </p:extLst>
-  </p:cSld>
-  <p:clrMapOvr>
-    <a:masterClrMapping/>
-  </p:clrMapOvr>
-</p:notes>
-</file>
-
-<file path=ppt/notesSlides/notesSlide15.xml><?xml version="1.0" encoding="utf-8"?>
 <p:notes xmlns:a="http://schemas.openxmlformats.org/drawingml/2006/main" xmlns:r="http://schemas.openxmlformats.org/officeDocument/2006/relationships" xmlns:p="http://schemas.openxmlformats.org/presentationml/2006/main" showMasterSp="0" showMasterPhAnim="0">
   <p:cSld>
     <p:spTree>
@@ -2285,7 +2178,7 @@
 </p:notes>
 </file>
 
-<file path=ppt/notesSlides/notesSlide16.xml><?xml version="1.0" encoding="utf-8"?>
+<file path=ppt/notesSlides/notesSlide15.xml><?xml version="1.0" encoding="utf-8"?>
 <p:notes xmlns:a="http://schemas.openxmlformats.org/drawingml/2006/main" xmlns:r="http://schemas.openxmlformats.org/officeDocument/2006/relationships" xmlns:p="http://schemas.openxmlformats.org/presentationml/2006/main" showMasterSp="0" showMasterPhAnim="0">
   <p:cSld>
     <p:spTree>
@@ -2391,7 +2284,7 @@
 </p:notes>
 </file>
 
-<file path=ppt/notesSlides/notesSlide17.xml><?xml version="1.0" encoding="utf-8"?>
+<file path=ppt/notesSlides/notesSlide16.xml><?xml version="1.0" encoding="utf-8"?>
 <p:notes xmlns:a="http://schemas.openxmlformats.org/drawingml/2006/main" xmlns:r="http://schemas.openxmlformats.org/officeDocument/2006/relationships" xmlns:p="http://schemas.openxmlformats.org/presentationml/2006/main" showMasterSp="0" showMasterPhAnim="0">
   <p:cSld>
     <p:spTree>
@@ -2497,7 +2390,7 @@
 </p:notes>
 </file>
 
-<file path=ppt/notesSlides/notesSlide18.xml><?xml version="1.0" encoding="utf-8"?>
+<file path=ppt/notesSlides/notesSlide17.xml><?xml version="1.0" encoding="utf-8"?>
 <p:notes xmlns:a="http://schemas.openxmlformats.org/drawingml/2006/main" xmlns:r="http://schemas.openxmlformats.org/officeDocument/2006/relationships" xmlns:p="http://schemas.openxmlformats.org/presentationml/2006/main" showMasterSp="0" showMasterPhAnim="0">
   <p:cSld>
     <p:spTree>
@@ -2603,7 +2496,7 @@
 </p:notes>
 </file>
 
-<file path=ppt/notesSlides/notesSlide19.xml><?xml version="1.0" encoding="utf-8"?>
+<file path=ppt/notesSlides/notesSlide18.xml><?xml version="1.0" encoding="utf-8"?>
 <p:notes xmlns:a="http://schemas.openxmlformats.org/drawingml/2006/main" xmlns:r="http://schemas.openxmlformats.org/officeDocument/2006/relationships" xmlns:p="http://schemas.openxmlformats.org/presentationml/2006/main" showMasterSp="0" showMasterPhAnim="0">
   <p:cSld>
     <p:spTree>
@@ -2700,6 +2593,112 @@
     <p:extLst>
       <p:ext uri="{BB962C8B-B14F-4D97-AF65-F5344CB8AC3E}">
         <p14:creationId xmlns:p14="http://schemas.microsoft.com/office/powerpoint/2010/main" val="662504824"/>
+      </p:ext>
+    </p:extLst>
+  </p:cSld>
+  <p:clrMapOvr>
+    <a:masterClrMapping/>
+  </p:clrMapOvr>
+</p:notes>
+</file>
+
+<file path=ppt/notesSlides/notesSlide19.xml><?xml version="1.0" encoding="utf-8"?>
+<p:notes xmlns:a="http://schemas.openxmlformats.org/drawingml/2006/main" xmlns:r="http://schemas.openxmlformats.org/officeDocument/2006/relationships" xmlns:p="http://schemas.openxmlformats.org/presentationml/2006/main" showMasterSp="0" showMasterPhAnim="0">
+  <p:cSld>
+    <p:spTree>
+      <p:nvGrpSpPr>
+        <p:cNvPr id="1" name="Shape 172"/>
+        <p:cNvGrpSpPr/>
+        <p:nvPr/>
+      </p:nvGrpSpPr>
+      <p:grpSpPr>
+        <a:xfrm>
+          <a:off x="0" y="0"/>
+          <a:ext cx="0" cy="0"/>
+          <a:chOff x="0" y="0"/>
+          <a:chExt cx="0" cy="0"/>
+        </a:xfrm>
+      </p:grpSpPr>
+      <p:sp>
+        <p:nvSpPr>
+          <p:cNvPr id="173" name="Shape 173"/>
+          <p:cNvSpPr txBox="1">
+            <a:spLocks noGrp="1"/>
+          </p:cNvSpPr>
+          <p:nvPr>
+            <p:ph type="body" idx="1"/>
+          </p:nvPr>
+        </p:nvSpPr>
+        <p:spPr>
+          <a:xfrm>
+            <a:off x="685800" y="4343400"/>
+            <a:ext cx="5486399" cy="4114800"/>
+          </a:xfrm>
+          <a:prstGeom prst="rect">
+            <a:avLst/>
+          </a:prstGeom>
+        </p:spPr>
+        <p:txBody>
+          <a:bodyPr wrap="square" lIns="91425" tIns="91425" rIns="91425" bIns="91425" anchor="t" anchorCtr="0">
+            <a:noAutofit/>
+          </a:bodyPr>
+          <a:lstStyle/>
+          <a:p>
+            <a:pPr marL="0" lvl="0" indent="76200">
+              <a:spcBef>
+                <a:spcPts val="0"/>
+              </a:spcBef>
+              <a:buNone/>
+            </a:pPr>
+            <a:endParaRPr/>
+          </a:p>
+        </p:txBody>
+      </p:sp>
+      <p:sp>
+        <p:nvSpPr>
+          <p:cNvPr id="174" name="Shape 174"/>
+          <p:cNvSpPr>
+            <a:spLocks noGrp="1" noRot="1" noChangeAspect="1"/>
+          </p:cNvSpPr>
+          <p:nvPr>
+            <p:ph type="sldImg" idx="2"/>
+          </p:nvPr>
+        </p:nvSpPr>
+        <p:spPr>
+          <a:xfrm>
+            <a:off x="381000" y="685800"/>
+            <a:ext cx="6096000" cy="3429000"/>
+          </a:xfrm>
+          <a:custGeom>
+            <a:avLst/>
+            <a:gdLst/>
+            <a:ahLst/>
+            <a:cxnLst/>
+            <a:rect l="0" t="0" r="0" b="0"/>
+            <a:pathLst>
+              <a:path w="120000" h="120000" extrusionOk="0">
+                <a:moveTo>
+                  <a:pt x="0" y="0"/>
+                </a:moveTo>
+                <a:lnTo>
+                  <a:pt x="120000" y="0"/>
+                </a:lnTo>
+                <a:lnTo>
+                  <a:pt x="120000" y="120000"/>
+                </a:lnTo>
+                <a:lnTo>
+                  <a:pt x="0" y="120000"/>
+                </a:lnTo>
+                <a:close/>
+              </a:path>
+            </a:pathLst>
+          </a:custGeom>
+        </p:spPr>
+      </p:sp>
+    </p:spTree>
+    <p:extLst>
+      <p:ext uri="{BB962C8B-B14F-4D97-AF65-F5344CB8AC3E}">
+        <p14:creationId xmlns:p14="http://schemas.microsoft.com/office/powerpoint/2010/main" val="508481655"/>
       </p:ext>
     </p:extLst>
   </p:cSld>
@@ -2847,7 +2846,7 @@
   <p:cSld>
     <p:spTree>
       <p:nvGrpSpPr>
-        <p:cNvPr id="1" name="Shape 172"/>
+        <p:cNvPr id="1" name="Shape 178"/>
         <p:cNvGrpSpPr/>
         <p:nvPr/>
       </p:nvGrpSpPr>
@@ -2861,7 +2860,7 @@
       </p:grpSpPr>
       <p:sp>
         <p:nvSpPr>
-          <p:cNvPr id="173" name="Shape 173"/>
+          <p:cNvPr id="179" name="Shape 179"/>
           <p:cNvSpPr txBox="1">
             <a:spLocks noGrp="1"/>
           </p:cNvSpPr>
@@ -2896,7 +2895,7 @@
       </p:sp>
       <p:sp>
         <p:nvSpPr>
-          <p:cNvPr id="174" name="Shape 174"/>
+          <p:cNvPr id="180" name="Shape 180"/>
           <p:cNvSpPr>
             <a:spLocks noGrp="1" noRot="1" noChangeAspect="1"/>
           </p:cNvSpPr>
@@ -2938,7 +2937,7 @@
     </p:spTree>
     <p:extLst>
       <p:ext uri="{BB962C8B-B14F-4D97-AF65-F5344CB8AC3E}">
-        <p14:creationId xmlns:p14="http://schemas.microsoft.com/office/powerpoint/2010/main" val="508481655"/>
+        <p14:creationId xmlns:p14="http://schemas.microsoft.com/office/powerpoint/2010/main" val="1415845751"/>
       </p:ext>
     </p:extLst>
   </p:cSld>
@@ -2949,112 +2948,6 @@
 </file>
 
 <file path=ppt/notesSlides/notesSlide21.xml><?xml version="1.0" encoding="utf-8"?>
-<p:notes xmlns:a="http://schemas.openxmlformats.org/drawingml/2006/main" xmlns:r="http://schemas.openxmlformats.org/officeDocument/2006/relationships" xmlns:p="http://schemas.openxmlformats.org/presentationml/2006/main" showMasterSp="0" showMasterPhAnim="0">
-  <p:cSld>
-    <p:spTree>
-      <p:nvGrpSpPr>
-        <p:cNvPr id="1" name="Shape 178"/>
-        <p:cNvGrpSpPr/>
-        <p:nvPr/>
-      </p:nvGrpSpPr>
-      <p:grpSpPr>
-        <a:xfrm>
-          <a:off x="0" y="0"/>
-          <a:ext cx="0" cy="0"/>
-          <a:chOff x="0" y="0"/>
-          <a:chExt cx="0" cy="0"/>
-        </a:xfrm>
-      </p:grpSpPr>
-      <p:sp>
-        <p:nvSpPr>
-          <p:cNvPr id="179" name="Shape 179"/>
-          <p:cNvSpPr txBox="1">
-            <a:spLocks noGrp="1"/>
-          </p:cNvSpPr>
-          <p:nvPr>
-            <p:ph type="body" idx="1"/>
-          </p:nvPr>
-        </p:nvSpPr>
-        <p:spPr>
-          <a:xfrm>
-            <a:off x="685800" y="4343400"/>
-            <a:ext cx="5486399" cy="4114800"/>
-          </a:xfrm>
-          <a:prstGeom prst="rect">
-            <a:avLst/>
-          </a:prstGeom>
-        </p:spPr>
-        <p:txBody>
-          <a:bodyPr wrap="square" lIns="91425" tIns="91425" rIns="91425" bIns="91425" anchor="t" anchorCtr="0">
-            <a:noAutofit/>
-          </a:bodyPr>
-          <a:lstStyle/>
-          <a:p>
-            <a:pPr marL="0" lvl="0" indent="76200">
-              <a:spcBef>
-                <a:spcPts val="0"/>
-              </a:spcBef>
-              <a:buNone/>
-            </a:pPr>
-            <a:endParaRPr/>
-          </a:p>
-        </p:txBody>
-      </p:sp>
-      <p:sp>
-        <p:nvSpPr>
-          <p:cNvPr id="180" name="Shape 180"/>
-          <p:cNvSpPr>
-            <a:spLocks noGrp="1" noRot="1" noChangeAspect="1"/>
-          </p:cNvSpPr>
-          <p:nvPr>
-            <p:ph type="sldImg" idx="2"/>
-          </p:nvPr>
-        </p:nvSpPr>
-        <p:spPr>
-          <a:xfrm>
-            <a:off x="381000" y="685800"/>
-            <a:ext cx="6096000" cy="3429000"/>
-          </a:xfrm>
-          <a:custGeom>
-            <a:avLst/>
-            <a:gdLst/>
-            <a:ahLst/>
-            <a:cxnLst/>
-            <a:rect l="0" t="0" r="0" b="0"/>
-            <a:pathLst>
-              <a:path w="120000" h="120000" extrusionOk="0">
-                <a:moveTo>
-                  <a:pt x="0" y="0"/>
-                </a:moveTo>
-                <a:lnTo>
-                  <a:pt x="120000" y="0"/>
-                </a:lnTo>
-                <a:lnTo>
-                  <a:pt x="120000" y="120000"/>
-                </a:lnTo>
-                <a:lnTo>
-                  <a:pt x="0" y="120000"/>
-                </a:lnTo>
-                <a:close/>
-              </a:path>
-            </a:pathLst>
-          </a:custGeom>
-        </p:spPr>
-      </p:sp>
-    </p:spTree>
-    <p:extLst>
-      <p:ext uri="{BB962C8B-B14F-4D97-AF65-F5344CB8AC3E}">
-        <p14:creationId xmlns:p14="http://schemas.microsoft.com/office/powerpoint/2010/main" val="1415845751"/>
-      </p:ext>
-    </p:extLst>
-  </p:cSld>
-  <p:clrMapOvr>
-    <a:masterClrMapping/>
-  </p:clrMapOvr>
-</p:notes>
-</file>
-
-<file path=ppt/notesSlides/notesSlide22.xml><?xml version="1.0" encoding="utf-8"?>
 <p:notes xmlns:a="http://schemas.openxmlformats.org/drawingml/2006/main" xmlns:r="http://schemas.openxmlformats.org/officeDocument/2006/relationships" xmlns:p="http://schemas.openxmlformats.org/presentationml/2006/main" showMasterSp="0" showMasterPhAnim="0">
   <p:cSld>
     <p:spTree>
@@ -3160,7 +3053,7 @@
 </p:notes>
 </file>
 
-<file path=ppt/notesSlides/notesSlide23.xml><?xml version="1.0" encoding="utf-8"?>
+<file path=ppt/notesSlides/notesSlide22.xml><?xml version="1.0" encoding="utf-8"?>
 <p:notes xmlns:a="http://schemas.openxmlformats.org/drawingml/2006/main" xmlns:r="http://schemas.openxmlformats.org/officeDocument/2006/relationships" xmlns:p="http://schemas.openxmlformats.org/presentationml/2006/main" showMasterSp="0" showMasterPhAnim="0">
   <p:cSld>
     <p:spTree>
@@ -3266,7 +3159,7 @@
 </p:notes>
 </file>
 
-<file path=ppt/notesSlides/notesSlide24.xml><?xml version="1.0" encoding="utf-8"?>
+<file path=ppt/notesSlides/notesSlide23.xml><?xml version="1.0" encoding="utf-8"?>
 <p:notes xmlns:a="http://schemas.openxmlformats.org/drawingml/2006/main" xmlns:r="http://schemas.openxmlformats.org/officeDocument/2006/relationships" xmlns:p="http://schemas.openxmlformats.org/presentationml/2006/main" showMasterSp="0" showMasterPhAnim="0">
   <p:cSld>
     <p:spTree>
@@ -3372,7 +3265,7 @@
 </p:notes>
 </file>
 
-<file path=ppt/notesSlides/notesSlide25.xml><?xml version="1.0" encoding="utf-8"?>
+<file path=ppt/notesSlides/notesSlide24.xml><?xml version="1.0" encoding="utf-8"?>
 <p:notes xmlns:a="http://schemas.openxmlformats.org/drawingml/2006/main" xmlns:r="http://schemas.openxmlformats.org/officeDocument/2006/relationships" xmlns:p="http://schemas.openxmlformats.org/presentationml/2006/main" showMasterSp="0" showMasterPhAnim="0">
   <p:cSld>
     <p:spTree>
@@ -3478,7 +3371,7 @@
 </p:notes>
 </file>
 
-<file path=ppt/notesSlides/notesSlide26.xml><?xml version="1.0" encoding="utf-8"?>
+<file path=ppt/notesSlides/notesSlide25.xml><?xml version="1.0" encoding="utf-8"?>
 <p:notes xmlns:a="http://schemas.openxmlformats.org/drawingml/2006/main" xmlns:r="http://schemas.openxmlformats.org/officeDocument/2006/relationships" xmlns:p="http://schemas.openxmlformats.org/presentationml/2006/main" showMasterSp="0" showMasterPhAnim="0">
   <p:cSld>
     <p:spTree>
@@ -3584,7 +3477,7 @@
 </p:notes>
 </file>
 
-<file path=ppt/notesSlides/notesSlide27.xml><?xml version="1.0" encoding="utf-8"?>
+<file path=ppt/notesSlides/notesSlide26.xml><?xml version="1.0" encoding="utf-8"?>
 <p:notes xmlns:a="http://schemas.openxmlformats.org/drawingml/2006/main" xmlns:r="http://schemas.openxmlformats.org/officeDocument/2006/relationships" xmlns:p="http://schemas.openxmlformats.org/presentationml/2006/main" showMasterSp="0" showMasterPhAnim="0">
   <p:cSld>
     <p:spTree>
@@ -3681,6 +3574,112 @@
     <p:extLst>
       <p:ext uri="{BB962C8B-B14F-4D97-AF65-F5344CB8AC3E}">
         <p14:creationId xmlns:p14="http://schemas.microsoft.com/office/powerpoint/2010/main" val="3261610413"/>
+      </p:ext>
+    </p:extLst>
+  </p:cSld>
+  <p:clrMapOvr>
+    <a:masterClrMapping/>
+  </p:clrMapOvr>
+</p:notes>
+</file>
+
+<file path=ppt/notesSlides/notesSlide27.xml><?xml version="1.0" encoding="utf-8"?>
+<p:notes xmlns:a="http://schemas.openxmlformats.org/drawingml/2006/main" xmlns:r="http://schemas.openxmlformats.org/officeDocument/2006/relationships" xmlns:p="http://schemas.openxmlformats.org/presentationml/2006/main" showMasterSp="0" showMasterPhAnim="0">
+  <p:cSld>
+    <p:spTree>
+      <p:nvGrpSpPr>
+        <p:cNvPr id="1" name="Shape 160"/>
+        <p:cNvGrpSpPr/>
+        <p:nvPr/>
+      </p:nvGrpSpPr>
+      <p:grpSpPr>
+        <a:xfrm>
+          <a:off x="0" y="0"/>
+          <a:ext cx="0" cy="0"/>
+          <a:chOff x="0" y="0"/>
+          <a:chExt cx="0" cy="0"/>
+        </a:xfrm>
+      </p:grpSpPr>
+      <p:sp>
+        <p:nvSpPr>
+          <p:cNvPr id="161" name="Shape 161"/>
+          <p:cNvSpPr txBox="1">
+            <a:spLocks noGrp="1"/>
+          </p:cNvSpPr>
+          <p:nvPr>
+            <p:ph type="body" idx="1"/>
+          </p:nvPr>
+        </p:nvSpPr>
+        <p:spPr>
+          <a:xfrm>
+            <a:off x="685800" y="4343400"/>
+            <a:ext cx="5486399" cy="4114800"/>
+          </a:xfrm>
+          <a:prstGeom prst="rect">
+            <a:avLst/>
+          </a:prstGeom>
+        </p:spPr>
+        <p:txBody>
+          <a:bodyPr wrap="square" lIns="91425" tIns="91425" rIns="91425" bIns="91425" anchor="t" anchorCtr="0">
+            <a:noAutofit/>
+          </a:bodyPr>
+          <a:lstStyle/>
+          <a:p>
+            <a:pPr marL="0" lvl="0" indent="76200">
+              <a:spcBef>
+                <a:spcPts val="0"/>
+              </a:spcBef>
+              <a:buNone/>
+            </a:pPr>
+            <a:endParaRPr/>
+          </a:p>
+        </p:txBody>
+      </p:sp>
+      <p:sp>
+        <p:nvSpPr>
+          <p:cNvPr id="162" name="Shape 162"/>
+          <p:cNvSpPr>
+            <a:spLocks noGrp="1" noRot="1" noChangeAspect="1"/>
+          </p:cNvSpPr>
+          <p:nvPr>
+            <p:ph type="sldImg" idx="2"/>
+          </p:nvPr>
+        </p:nvSpPr>
+        <p:spPr>
+          <a:xfrm>
+            <a:off x="381000" y="685800"/>
+            <a:ext cx="6096000" cy="3429000"/>
+          </a:xfrm>
+          <a:custGeom>
+            <a:avLst/>
+            <a:gdLst/>
+            <a:ahLst/>
+            <a:cxnLst/>
+            <a:rect l="0" t="0" r="0" b="0"/>
+            <a:pathLst>
+              <a:path w="120000" h="120000" extrusionOk="0">
+                <a:moveTo>
+                  <a:pt x="0" y="0"/>
+                </a:moveTo>
+                <a:lnTo>
+                  <a:pt x="120000" y="0"/>
+                </a:lnTo>
+                <a:lnTo>
+                  <a:pt x="120000" y="120000"/>
+                </a:lnTo>
+                <a:lnTo>
+                  <a:pt x="0" y="120000"/>
+                </a:lnTo>
+                <a:close/>
+              </a:path>
+            </a:pathLst>
+          </a:custGeom>
+        </p:spPr>
+      </p:sp>
+    </p:spTree>
+    <p:extLst>
+      <p:ext uri="{BB962C8B-B14F-4D97-AF65-F5344CB8AC3E}">
+        <p14:creationId xmlns:p14="http://schemas.microsoft.com/office/powerpoint/2010/main" val="2771631121"/>
       </p:ext>
     </p:extLst>
   </p:cSld>
@@ -3786,7 +3785,7 @@
     </p:spTree>
     <p:extLst>
       <p:ext uri="{BB962C8B-B14F-4D97-AF65-F5344CB8AC3E}">
-        <p14:creationId xmlns:p14="http://schemas.microsoft.com/office/powerpoint/2010/main" val="2771631121"/>
+        <p14:creationId xmlns:p14="http://schemas.microsoft.com/office/powerpoint/2010/main" val="2688356703"/>
       </p:ext>
     </p:extLst>
   </p:cSld>
@@ -3892,7 +3891,7 @@
     </p:spTree>
     <p:extLst>
       <p:ext uri="{BB962C8B-B14F-4D97-AF65-F5344CB8AC3E}">
-        <p14:creationId xmlns:p14="http://schemas.microsoft.com/office/powerpoint/2010/main" val="2688356703"/>
+        <p14:creationId xmlns:p14="http://schemas.microsoft.com/office/powerpoint/2010/main" val="2765561504"/>
       </p:ext>
     </p:extLst>
   </p:cSld>
@@ -4104,7 +4103,7 @@
     </p:spTree>
     <p:extLst>
       <p:ext uri="{BB962C8B-B14F-4D97-AF65-F5344CB8AC3E}">
-        <p14:creationId xmlns:p14="http://schemas.microsoft.com/office/powerpoint/2010/main" val="2765561504"/>
+        <p14:creationId xmlns:p14="http://schemas.microsoft.com/office/powerpoint/2010/main" val="2324747615"/>
       </p:ext>
     </p:extLst>
   </p:cSld>
@@ -4115,112 +4114,6 @@
 </file>
 
 <file path=ppt/notesSlides/notesSlide31.xml><?xml version="1.0" encoding="utf-8"?>
-<p:notes xmlns:a="http://schemas.openxmlformats.org/drawingml/2006/main" xmlns:r="http://schemas.openxmlformats.org/officeDocument/2006/relationships" xmlns:p="http://schemas.openxmlformats.org/presentationml/2006/main" showMasterSp="0" showMasterPhAnim="0">
-  <p:cSld>
-    <p:spTree>
-      <p:nvGrpSpPr>
-        <p:cNvPr id="1" name="Shape 160"/>
-        <p:cNvGrpSpPr/>
-        <p:nvPr/>
-      </p:nvGrpSpPr>
-      <p:grpSpPr>
-        <a:xfrm>
-          <a:off x="0" y="0"/>
-          <a:ext cx="0" cy="0"/>
-          <a:chOff x="0" y="0"/>
-          <a:chExt cx="0" cy="0"/>
-        </a:xfrm>
-      </p:grpSpPr>
-      <p:sp>
-        <p:nvSpPr>
-          <p:cNvPr id="161" name="Shape 161"/>
-          <p:cNvSpPr txBox="1">
-            <a:spLocks noGrp="1"/>
-          </p:cNvSpPr>
-          <p:nvPr>
-            <p:ph type="body" idx="1"/>
-          </p:nvPr>
-        </p:nvSpPr>
-        <p:spPr>
-          <a:xfrm>
-            <a:off x="685800" y="4343400"/>
-            <a:ext cx="5486399" cy="4114800"/>
-          </a:xfrm>
-          <a:prstGeom prst="rect">
-            <a:avLst/>
-          </a:prstGeom>
-        </p:spPr>
-        <p:txBody>
-          <a:bodyPr wrap="square" lIns="91425" tIns="91425" rIns="91425" bIns="91425" anchor="t" anchorCtr="0">
-            <a:noAutofit/>
-          </a:bodyPr>
-          <a:lstStyle/>
-          <a:p>
-            <a:pPr marL="0" lvl="0" indent="76200">
-              <a:spcBef>
-                <a:spcPts val="0"/>
-              </a:spcBef>
-              <a:buNone/>
-            </a:pPr>
-            <a:endParaRPr/>
-          </a:p>
-        </p:txBody>
-      </p:sp>
-      <p:sp>
-        <p:nvSpPr>
-          <p:cNvPr id="162" name="Shape 162"/>
-          <p:cNvSpPr>
-            <a:spLocks noGrp="1" noRot="1" noChangeAspect="1"/>
-          </p:cNvSpPr>
-          <p:nvPr>
-            <p:ph type="sldImg" idx="2"/>
-          </p:nvPr>
-        </p:nvSpPr>
-        <p:spPr>
-          <a:xfrm>
-            <a:off x="381000" y="685800"/>
-            <a:ext cx="6096000" cy="3429000"/>
-          </a:xfrm>
-          <a:custGeom>
-            <a:avLst/>
-            <a:gdLst/>
-            <a:ahLst/>
-            <a:cxnLst/>
-            <a:rect l="0" t="0" r="0" b="0"/>
-            <a:pathLst>
-              <a:path w="120000" h="120000" extrusionOk="0">
-                <a:moveTo>
-                  <a:pt x="0" y="0"/>
-                </a:moveTo>
-                <a:lnTo>
-                  <a:pt x="120000" y="0"/>
-                </a:lnTo>
-                <a:lnTo>
-                  <a:pt x="120000" y="120000"/>
-                </a:lnTo>
-                <a:lnTo>
-                  <a:pt x="0" y="120000"/>
-                </a:lnTo>
-                <a:close/>
-              </a:path>
-            </a:pathLst>
-          </a:custGeom>
-        </p:spPr>
-      </p:sp>
-    </p:spTree>
-    <p:extLst>
-      <p:ext uri="{BB962C8B-B14F-4D97-AF65-F5344CB8AC3E}">
-        <p14:creationId xmlns:p14="http://schemas.microsoft.com/office/powerpoint/2010/main" val="2324747615"/>
-      </p:ext>
-    </p:extLst>
-  </p:cSld>
-  <p:clrMapOvr>
-    <a:masterClrMapping/>
-  </p:clrMapOvr>
-</p:notes>
-</file>
-
-<file path=ppt/notesSlides/notesSlide32.xml><?xml version="1.0" encoding="utf-8"?>
 <p:notes xmlns:a="http://schemas.openxmlformats.org/drawingml/2006/main" xmlns:r="http://schemas.openxmlformats.org/officeDocument/2006/relationships" xmlns:p="http://schemas.openxmlformats.org/presentationml/2006/main" showMasterSp="0" showMasterPhAnim="0">
   <p:cSld>
     <p:spTree>
@@ -6086,7 +5979,7 @@
                 <a:cs typeface="Calibri"/>
                 <a:sym typeface="Calibri"/>
               </a:rPr>
-              <a:t>SEBASTIAN RUIZ</a:t>
+              <a:t>SEBASTIAN RUIZ </a:t>
             </a:r>
             <a:endParaRPr lang="es-ES" sz="1600" b="0" i="0" u="none" strike="noStrike" cap="none" dirty="0">
               <a:solidFill>
@@ -6221,8 +6114,29 @@
                 <a:cs typeface="Calibri"/>
                 <a:sym typeface="Calibri"/>
               </a:rPr>
-              <a:t>TRIMESTRE ADSI 1366240 G1</a:t>
+              <a:t>TRIMESTRE ADSI 1366240 </a:t>
             </a:r>
+            <a:r>
+              <a:rPr lang="es-ES" sz="1800" b="1" i="0" u="none" strike="noStrike" cap="none" dirty="0" smtClean="0">
+                <a:solidFill>
+                  <a:srgbClr val="ACC42D"/>
+                </a:solidFill>
+                <a:latin typeface="Calibri"/>
+                <a:ea typeface="Calibri"/>
+                <a:cs typeface="Calibri"/>
+                <a:sym typeface="Calibri"/>
+              </a:rPr>
+              <a:t>G1 – G4</a:t>
+            </a:r>
+            <a:endParaRPr lang="es-ES" sz="1800" b="1" i="0" u="none" strike="noStrike" cap="none" dirty="0">
+              <a:solidFill>
+                <a:srgbClr val="ACC42D"/>
+              </a:solidFill>
+              <a:latin typeface="Calibri"/>
+              <a:ea typeface="Calibri"/>
+              <a:cs typeface="Calibri"/>
+              <a:sym typeface="Calibri"/>
+            </a:endParaRPr>
           </a:p>
         </p:txBody>
       </p:sp>
@@ -6877,153 +6791,6 @@
               <a:buNone/>
             </a:pPr>
             <a:r>
-              <a:rPr lang="es-ES" sz="3000" b="0" i="0" u="none" strike="noStrike" cap="none" dirty="0">
-                <a:solidFill>
-                  <a:srgbClr val="000000"/>
-                </a:solidFill>
-                <a:latin typeface="Calibri"/>
-                <a:ea typeface="Calibri"/>
-                <a:cs typeface="Calibri"/>
-                <a:sym typeface="Calibri"/>
-              </a:rPr>
-              <a:t> </a:t>
-            </a:r>
-            <a:r>
-              <a:rPr lang="es-ES" sz="3600" b="1" dirty="0" smtClean="0">
-                <a:solidFill>
-                  <a:schemeClr val="bg1"/>
-                </a:solidFill>
-                <a:latin typeface="Calibri"/>
-                <a:ea typeface="Calibri"/>
-                <a:cs typeface="Calibri"/>
-                <a:sym typeface="Calibri"/>
-              </a:rPr>
-              <a:t>CASOS DE USO</a:t>
-            </a:r>
-            <a:endParaRPr lang="es-ES" sz="3600" b="1" i="0" u="none" strike="noStrike" cap="none" dirty="0">
-              <a:solidFill>
-                <a:schemeClr val="bg1"/>
-              </a:solidFill>
-              <a:latin typeface="Calibri"/>
-              <a:ea typeface="Calibri"/>
-              <a:cs typeface="Calibri"/>
-              <a:sym typeface="Calibri"/>
-            </a:endParaRPr>
-          </a:p>
-        </p:txBody>
-      </p:sp>
-      <p:pic>
-        <p:nvPicPr>
-          <p:cNvPr id="3" name="Imagen 2">
-            <a:hlinkClick r:id="rId3" action="ppaction://hlinkfile"/>
-          </p:cNvPr>
-          <p:cNvPicPr>
-            <a:picLocks noChangeAspect="1"/>
-          </p:cNvPicPr>
-          <p:nvPr/>
-        </p:nvPicPr>
-        <p:blipFill>
-          <a:blip r:embed="rId4">
-            <a:extLst>
-              <a:ext uri="{28A0092B-C50C-407E-A947-70E740481C1C}">
-                <a14:useLocalDpi xmlns:a14="http://schemas.microsoft.com/office/drawing/2010/main" val="0"/>
-              </a:ext>
-            </a:extLst>
-          </a:blip>
-          <a:stretch>
-            <a:fillRect/>
-          </a:stretch>
-        </p:blipFill>
-        <p:spPr>
-          <a:xfrm>
-            <a:off x="1770992" y="957943"/>
-            <a:ext cx="5388829" cy="4185557"/>
-          </a:xfrm>
-          <a:prstGeom prst="rect">
-            <a:avLst/>
-          </a:prstGeom>
-        </p:spPr>
-      </p:pic>
-    </p:spTree>
-    <p:extLst>
-      <p:ext uri="{BB962C8B-B14F-4D97-AF65-F5344CB8AC3E}">
-        <p14:creationId xmlns:p14="http://schemas.microsoft.com/office/powerpoint/2010/main" val="1656719870"/>
-      </p:ext>
-    </p:extLst>
-  </p:cSld>
-  <p:clrMapOvr>
-    <a:masterClrMapping/>
-  </p:clrMapOvr>
-  <p:timing>
-    <p:tnLst>
-      <p:par>
-        <p:cTn id="1" dur="indefinite" restart="never" nodeType="tmRoot"/>
-      </p:par>
-    </p:tnLst>
-  </p:timing>
-</p:sld>
-</file>
-
-<file path=ppt/slides/slide14.xml><?xml version="1.0" encoding="utf-8"?>
-<p:sld xmlns:a="http://schemas.openxmlformats.org/drawingml/2006/main" xmlns:r="http://schemas.openxmlformats.org/officeDocument/2006/relationships" xmlns:p="http://schemas.openxmlformats.org/presentationml/2006/main">
-  <p:cSld>
-    <p:spTree>
-      <p:nvGrpSpPr>
-        <p:cNvPr id="1" name="Shape 121"/>
-        <p:cNvGrpSpPr/>
-        <p:nvPr/>
-      </p:nvGrpSpPr>
-      <p:grpSpPr>
-        <a:xfrm>
-          <a:off x="0" y="0"/>
-          <a:ext cx="0" cy="0"/>
-          <a:chOff x="0" y="0"/>
-          <a:chExt cx="0" cy="0"/>
-        </a:xfrm>
-      </p:grpSpPr>
-      <p:sp>
-        <p:nvSpPr>
-          <p:cNvPr id="122" name="Shape 122"/>
-          <p:cNvSpPr/>
-          <p:nvPr/>
-        </p:nvSpPr>
-        <p:spPr>
-          <a:xfrm>
-            <a:off x="-80865" y="178757"/>
-            <a:ext cx="9224865" cy="646331"/>
-          </a:xfrm>
-          <a:prstGeom prst="rect">
-            <a:avLst/>
-          </a:prstGeom>
-          <a:noFill/>
-          <a:ln>
-            <a:noFill/>
-          </a:ln>
-        </p:spPr>
-        <p:txBody>
-          <a:bodyPr wrap="square" lIns="91425" tIns="45700" rIns="91425" bIns="45700" anchor="t" anchorCtr="0">
-            <a:noAutofit/>
-          </a:bodyPr>
-          <a:lstStyle/>
-          <a:p>
-            <a:pPr marL="0" marR="0" lvl="0" indent="-228600" algn="ctr" rtl="0">
-              <a:lnSpc>
-                <a:spcPct val="100000"/>
-              </a:lnSpc>
-              <a:spcBef>
-                <a:spcPts val="0"/>
-              </a:spcBef>
-              <a:spcAft>
-                <a:spcPts val="0"/>
-              </a:spcAft>
-              <a:buClr>
-                <a:srgbClr val="000000"/>
-              </a:buClr>
-              <a:buSzPts val="3600"/>
-              <a:buFont typeface="Calibri"/>
-              <a:buNone/>
-            </a:pPr>
-            <a:r>
               <a:rPr lang="es-ES" sz="3600" b="0" i="0" u="none" strike="noStrike" cap="none" dirty="0">
                 <a:solidFill>
                   <a:srgbClr val="000000"/>
@@ -7098,7 +6865,7 @@
 </p:sld>
 </file>
 
-<file path=ppt/slides/slide15.xml><?xml version="1.0" encoding="utf-8"?>
+<file path=ppt/slides/slide14.xml><?xml version="1.0" encoding="utf-8"?>
 <p:sld xmlns:a="http://schemas.openxmlformats.org/drawingml/2006/main" xmlns:r="http://schemas.openxmlformats.org/officeDocument/2006/relationships" xmlns:p="http://schemas.openxmlformats.org/presentationml/2006/main">
   <p:cSld>
     <p:spTree>
@@ -7158,7 +6925,7 @@
               <a:buNone/>
             </a:pPr>
             <a:r>
-              <a:rPr lang="es-ES" sz="3000" b="1" i="0" u="none" strike="noStrike" cap="none" dirty="0">
+              <a:rPr lang="es-ES" sz="3000" b="1" i="0" u="none" strike="noStrike" cap="none" dirty="0" smtClean="0">
                 <a:solidFill>
                   <a:schemeClr val="lt1"/>
                 </a:solidFill>
@@ -7167,22 +6934,10 @@
                 <a:cs typeface="Calibri"/>
                 <a:sym typeface="Calibri"/>
               </a:rPr>
-              <a:t>REQUERIMIENTOS</a:t>
+              <a:t>REGISTRAR</a:t>
             </a:r>
             <a:r>
-              <a:rPr lang="es-ES" sz="3000" b="1" i="0" u="none" strike="noStrike" cap="none" dirty="0">
-                <a:solidFill>
-                  <a:srgbClr val="000000"/>
-                </a:solidFill>
-                <a:latin typeface="Calibri"/>
-                <a:ea typeface="Calibri"/>
-                <a:cs typeface="Calibri"/>
-                <a:sym typeface="Calibri"/>
-              </a:rPr>
-              <a:t> </a:t>
-            </a:r>
-            <a:r>
-              <a:rPr lang="es-ES" sz="3000" b="1" dirty="0">
+              <a:rPr lang="es-ES" sz="3000" b="1" dirty="0" smtClean="0">
                 <a:solidFill>
                   <a:schemeClr val="lt1"/>
                 </a:solidFill>
@@ -7191,10 +6946,10 @@
                 <a:cs typeface="Calibri"/>
                 <a:sym typeface="Calibri"/>
               </a:rPr>
-              <a:t>IMPRIMIR DATOS</a:t>
+              <a:t> DATOS DEL PEDIDO</a:t>
             </a:r>
             <a:r>
-              <a:rPr lang="es-ES" sz="3000" b="1" dirty="0">
+              <a:rPr lang="es-ES" sz="3000" b="1" dirty="0" smtClean="0">
                 <a:solidFill>
                   <a:schemeClr val="lt1"/>
                 </a:solidFill>
@@ -7227,7 +6982,7 @@
           <p:nvPr>
             <p:extLst>
               <p:ext uri="{D42A27DB-BD31-4B8C-83A1-F6EECF244321}">
-                <p14:modId xmlns:p14="http://schemas.microsoft.com/office/powerpoint/2010/main" val="3521317101"/>
+                <p14:modId xmlns:p14="http://schemas.microsoft.com/office/powerpoint/2010/main" val="4268079019"/>
               </p:ext>
             </p:extLst>
           </p:nvPr>
@@ -7246,14 +7001,14 @@
                 <a:gridCol w="1736827">
                   <a:extLst>
                     <a:ext uri="{9D8B030D-6E8A-4147-A177-3AD203B41FA5}">
-                      <a16:colId xmlns:a16="http://schemas.microsoft.com/office/drawing/2014/main" xmlns="" val="989727314"/>
+                      <a16:colId xmlns="" xmlns:a16="http://schemas.microsoft.com/office/drawing/2014/main" val="989727314"/>
                     </a:ext>
                   </a:extLst>
                 </a:gridCol>
                 <a:gridCol w="5958269">
                   <a:extLst>
                     <a:ext uri="{9D8B030D-6E8A-4147-A177-3AD203B41FA5}">
-                      <a16:colId xmlns:a16="http://schemas.microsoft.com/office/drawing/2014/main" xmlns="" val="3484507881"/>
+                      <a16:colId xmlns="" xmlns:a16="http://schemas.microsoft.com/office/drawing/2014/main" val="3484507881"/>
                     </a:ext>
                   </a:extLst>
                 </a:gridCol>
@@ -7273,12 +7028,12 @@
                         </a:spcAft>
                       </a:pPr>
                       <a:r>
-                        <a:rPr lang="es-ES_tradnl" sz="1100" kern="1200">
+                        <a:rPr lang="es-ES_tradnl" sz="1100" kern="1200" dirty="0">
                           <a:effectLst/>
                         </a:rPr>
                         <a:t>Identificación del requerimiento:</a:t>
                       </a:r>
-                      <a:endParaRPr lang="en-US" sz="1100">
+                      <a:endParaRPr lang="en-US" sz="1100" dirty="0">
                         <a:effectLst/>
                         <a:latin typeface="Calibri" panose="020F0502020204030204" pitchFamily="34" charset="0"/>
                         <a:ea typeface="Calibri" panose="020F0502020204030204" pitchFamily="34" charset="0"/>
@@ -7319,7 +7074,7 @@
                 </a:tc>
                 <a:extLst>
                   <a:ext uri="{0D108BD9-81ED-4DB2-BD59-A6C34878D82A}">
-                    <a16:rowId xmlns:a16="http://schemas.microsoft.com/office/drawing/2014/main" xmlns="" val="1358438765"/>
+                    <a16:rowId xmlns="" xmlns:a16="http://schemas.microsoft.com/office/drawing/2014/main" val="1358438765"/>
                   </a:ext>
                 </a:extLst>
               </a:tr>
@@ -7384,7 +7139,7 @@
                 </a:tc>
                 <a:extLst>
                   <a:ext uri="{0D108BD9-81ED-4DB2-BD59-A6C34878D82A}">
-                    <a16:rowId xmlns:a16="http://schemas.microsoft.com/office/drawing/2014/main" xmlns="" val="449528634"/>
+                    <a16:rowId xmlns="" xmlns:a16="http://schemas.microsoft.com/office/drawing/2014/main" val="449528634"/>
                   </a:ext>
                 </a:extLst>
               </a:tr>
@@ -7435,7 +7190,43 @@
                         <a:rPr lang="es-ES_tradnl" sz="1100" dirty="0">
                           <a:effectLst/>
                         </a:rPr>
-                        <a:t>El sistema permite al cliente revisar y elegir en el menú disponible y realizar el pedido a domicilio. </a:t>
+                        <a:t>El sistema permite al </a:t>
+                      </a:r>
+                      <a:r>
+                        <a:rPr lang="es-ES_tradnl" sz="1100" dirty="0" smtClean="0">
+                          <a:effectLst/>
+                        </a:rPr>
+                        <a:t>cliente </a:t>
+                      </a:r>
+                      <a:r>
+                        <a:rPr lang="es-ES_tradnl" sz="1100" dirty="0">
+                          <a:effectLst/>
+                        </a:rPr>
+                        <a:t>elegir en el menú disponible </a:t>
+                      </a:r>
+                      <a:r>
+                        <a:rPr lang="es-ES_tradnl" sz="1100" dirty="0" smtClean="0">
+                          <a:effectLst/>
+                        </a:rPr>
+                        <a:t>para</a:t>
+                      </a:r>
+                      <a:r>
+                        <a:rPr lang="es-ES_tradnl" sz="1100" baseline="0" dirty="0" smtClean="0">
+                          <a:effectLst/>
+                        </a:rPr>
+                        <a:t> agregar al carrito </a:t>
+                      </a:r>
+                      <a:r>
+                        <a:rPr lang="es-ES_tradnl" sz="1100" dirty="0" smtClean="0">
+                          <a:effectLst/>
+                        </a:rPr>
+                        <a:t>y </a:t>
+                      </a:r>
+                      <a:r>
+                        <a:rPr lang="es-ES_tradnl" sz="1100" dirty="0">
+                          <a:effectLst/>
+                        </a:rPr>
+                        <a:t>realizar el pedido a domicilio. </a:t>
                       </a:r>
                       <a:endParaRPr lang="en-US" sz="1100" dirty="0">
                         <a:effectLst/>
@@ -7449,7 +7240,7 @@
                 </a:tc>
                 <a:extLst>
                   <a:ext uri="{0D108BD9-81ED-4DB2-BD59-A6C34878D82A}">
-                    <a16:rowId xmlns:a16="http://schemas.microsoft.com/office/drawing/2014/main" xmlns="" val="2787902746"/>
+                    <a16:rowId xmlns="" xmlns:a16="http://schemas.microsoft.com/office/drawing/2014/main" val="2787902746"/>
                   </a:ext>
                 </a:extLst>
               </a:tr>
@@ -7497,12 +7288,66 @@
                         </a:spcAft>
                       </a:pPr>
                       <a:r>
-                        <a:rPr lang="es-ES_tradnl" sz="1100">
+                        <a:rPr lang="es-ES_tradnl" sz="1100" dirty="0">
                           <a:effectLst/>
                         </a:rPr>
-                        <a:t>El cliente ingresa los datos del pedido a domicilio, (pizza, bebida, dirección)</a:t>
+                        <a:t>El cliente </a:t>
                       </a:r>
-                      <a:endParaRPr lang="en-US" sz="1100">
+                      <a:r>
+                        <a:rPr lang="es-ES_tradnl" sz="1100" dirty="0" smtClean="0">
+                          <a:effectLst/>
+                        </a:rPr>
+                        <a:t>selecciona </a:t>
+                      </a:r>
+                      <a:r>
+                        <a:rPr lang="es-ES_tradnl" sz="1100" dirty="0">
+                          <a:effectLst/>
+                        </a:rPr>
+                        <a:t>los </a:t>
+                      </a:r>
+                      <a:r>
+                        <a:rPr lang="es-ES_tradnl" sz="1100" dirty="0" smtClean="0">
+                          <a:effectLst/>
+                        </a:rPr>
+                        <a:t>productos y los agrega al</a:t>
+                      </a:r>
+                      <a:r>
+                        <a:rPr lang="es-ES_tradnl" sz="1100" baseline="0" dirty="0" smtClean="0">
+                          <a:effectLst/>
+                        </a:rPr>
+                        <a:t> carrito de compras</a:t>
+                      </a:r>
+                      <a:r>
+                        <a:rPr lang="es-ES_tradnl" sz="1100" dirty="0" smtClean="0">
+                          <a:effectLst/>
+                        </a:rPr>
+                        <a:t> (</a:t>
+                      </a:r>
+                      <a:r>
+                        <a:rPr lang="es-ES_tradnl" sz="1100" dirty="0">
+                          <a:effectLst/>
+                        </a:rPr>
+                        <a:t>pizza, </a:t>
+                      </a:r>
+                      <a:r>
+                        <a:rPr lang="es-ES_tradnl" sz="1100" dirty="0" smtClean="0">
+                          <a:effectLst/>
+                        </a:rPr>
+                        <a:t>bebida, </a:t>
+                      </a:r>
+                      <a:r>
+                        <a:rPr lang="es-ES_tradnl" sz="1100" dirty="0" err="1" smtClean="0">
+                          <a:effectLst/>
+                        </a:rPr>
+                        <a:t>etc</a:t>
+                      </a:r>
+                      <a:r>
+                        <a:rPr lang="es-ES_tradnl" sz="1100" dirty="0" smtClean="0">
+                          <a:effectLst/>
+                        </a:rPr>
+                        <a:t>) y luego confirma el domicilio</a:t>
+                      </a:r>
+                      <a:endParaRPr lang="en-US" sz="1100" dirty="0">
                         <a:effectLst/>
                         <a:latin typeface="Calibri" panose="020F0502020204030204" pitchFamily="34" charset="0"/>
                         <a:ea typeface="Calibri" panose="020F0502020204030204" pitchFamily="34" charset="0"/>
@@ -7514,7 +7359,7 @@
                 </a:tc>
                 <a:extLst>
                   <a:ext uri="{0D108BD9-81ED-4DB2-BD59-A6C34878D82A}">
-                    <a16:rowId xmlns:a16="http://schemas.microsoft.com/office/drawing/2014/main" xmlns="" val="2853434205"/>
+                    <a16:rowId xmlns="" xmlns:a16="http://schemas.microsoft.com/office/drawing/2014/main" val="2853434205"/>
                   </a:ext>
                 </a:extLst>
               </a:tr>
@@ -7623,7 +7468,7 @@
                 </a:tc>
                 <a:extLst>
                   <a:ext uri="{0D108BD9-81ED-4DB2-BD59-A6C34878D82A}">
-                    <a16:rowId xmlns:a16="http://schemas.microsoft.com/office/drawing/2014/main" xmlns="" val="2893995208"/>
+                    <a16:rowId xmlns="" xmlns:a16="http://schemas.microsoft.com/office/drawing/2014/main" val="2893995208"/>
                   </a:ext>
                 </a:extLst>
               </a:tr>
@@ -7688,7 +7533,7 @@
                 </a:tc>
                 <a:extLst>
                   <a:ext uri="{0D108BD9-81ED-4DB2-BD59-A6C34878D82A}">
-                    <a16:rowId xmlns:a16="http://schemas.microsoft.com/office/drawing/2014/main" xmlns="" val="2695641922"/>
+                    <a16:rowId xmlns="" xmlns:a16="http://schemas.microsoft.com/office/drawing/2014/main" val="2695641922"/>
                   </a:ext>
                 </a:extLst>
               </a:tr>
@@ -7711,7 +7556,7 @@
 </p:sld>
 </file>
 
-<file path=ppt/slides/slide16.xml><?xml version="1.0" encoding="utf-8"?>
+<file path=ppt/slides/slide15.xml><?xml version="1.0" encoding="utf-8"?>
 <p:sld xmlns:a="http://schemas.openxmlformats.org/drawingml/2006/main" xmlns:r="http://schemas.openxmlformats.org/officeDocument/2006/relationships" xmlns:p="http://schemas.openxmlformats.org/presentationml/2006/main">
   <p:cSld>
     <p:spTree>
@@ -7869,7 +7714,7 @@
           <p:nvPr>
             <p:extLst>
               <p:ext uri="{D42A27DB-BD31-4B8C-83A1-F6EECF244321}">
-                <p14:modId xmlns:p14="http://schemas.microsoft.com/office/powerpoint/2010/main" val="2204731570"/>
+                <p14:modId xmlns:p14="http://schemas.microsoft.com/office/powerpoint/2010/main" val="3559061092"/>
               </p:ext>
             </p:extLst>
           </p:nvPr>
@@ -7888,28 +7733,28 @@
                 <a:gridCol w="1514854">
                   <a:extLst>
                     <a:ext uri="{9D8B030D-6E8A-4147-A177-3AD203B41FA5}">
-                      <a16:colId xmlns:a16="http://schemas.microsoft.com/office/drawing/2014/main" xmlns="" val="916269891"/>
+                      <a16:colId xmlns="" xmlns:a16="http://schemas.microsoft.com/office/drawing/2014/main" val="916269891"/>
                     </a:ext>
                   </a:extLst>
                 </a:gridCol>
                 <a:gridCol w="444988">
                   <a:extLst>
                     <a:ext uri="{9D8B030D-6E8A-4147-A177-3AD203B41FA5}">
-                      <a16:colId xmlns:a16="http://schemas.microsoft.com/office/drawing/2014/main" xmlns="" val="2804435175"/>
+                      <a16:colId xmlns="" xmlns:a16="http://schemas.microsoft.com/office/drawing/2014/main" val="2804435175"/>
                     </a:ext>
                   </a:extLst>
                 </a:gridCol>
                 <a:gridCol w="5204922">
                   <a:extLst>
                     <a:ext uri="{9D8B030D-6E8A-4147-A177-3AD203B41FA5}">
-                      <a16:colId xmlns:a16="http://schemas.microsoft.com/office/drawing/2014/main" xmlns="" val="1159216118"/>
+                      <a16:colId xmlns="" xmlns:a16="http://schemas.microsoft.com/office/drawing/2014/main" val="1159216118"/>
                     </a:ext>
                   </a:extLst>
                 </a:gridCol>
                 <a:gridCol w="1207959">
                   <a:extLst>
                     <a:ext uri="{9D8B030D-6E8A-4147-A177-3AD203B41FA5}">
-                      <a16:colId xmlns:a16="http://schemas.microsoft.com/office/drawing/2014/main" xmlns="" val="370459741"/>
+                      <a16:colId xmlns="" xmlns:a16="http://schemas.microsoft.com/office/drawing/2014/main" val="370459741"/>
                     </a:ext>
                   </a:extLst>
                 </a:gridCol>
@@ -7922,12 +7767,12 @@
                     <a:p>
                       <a:pPr algn="l" fontAlgn="b"/>
                       <a:r>
-                        <a:rPr lang="es-MX" sz="1400" u="none" strike="noStrike">
+                        <a:rPr lang="es-MX" sz="1400" u="none" strike="noStrike" dirty="0">
                           <a:effectLst/>
                         </a:rPr>
                         <a:t>Nombre del caso de uso </a:t>
                       </a:r>
-                      <a:endParaRPr lang="es-MX" sz="1400" b="1" i="0" u="none" strike="noStrike">
+                      <a:endParaRPr lang="es-MX" sz="1400" b="1" i="0" u="none" strike="noStrike" dirty="0">
                         <a:solidFill>
                           <a:srgbClr val="000000"/>
                         </a:solidFill>
@@ -8003,7 +7848,7 @@
                 </a:tc>
                 <a:extLst>
                   <a:ext uri="{0D108BD9-81ED-4DB2-BD59-A6C34878D82A}">
-                    <a16:rowId xmlns:a16="http://schemas.microsoft.com/office/drawing/2014/main" xmlns="" val="1481055751"/>
+                    <a16:rowId xmlns="" xmlns:a16="http://schemas.microsoft.com/office/drawing/2014/main" val="1481055751"/>
                   </a:ext>
                 </a:extLst>
               </a:tr>
@@ -8096,7 +7941,7 @@
                 </a:tc>
                 <a:extLst>
                   <a:ext uri="{0D108BD9-81ED-4DB2-BD59-A6C34878D82A}">
-                    <a16:rowId xmlns:a16="http://schemas.microsoft.com/office/drawing/2014/main" xmlns="" val="1375321284"/>
+                    <a16:rowId xmlns="" xmlns:a16="http://schemas.microsoft.com/office/drawing/2014/main" val="1375321284"/>
                   </a:ext>
                 </a:extLst>
               </a:tr>
@@ -8108,16 +7953,10 @@
                     <a:p>
                       <a:pPr algn="l" fontAlgn="b"/>
                       <a:r>
-                        <a:rPr lang="en-US" sz="1400" u="none" strike="noStrike" dirty="0" err="1">
+                        <a:rPr lang="en-US" sz="1400" u="none" strike="noStrike" dirty="0" smtClean="0">
                           <a:effectLst/>
                         </a:rPr>
-                        <a:t>Descripción</a:t>
-                      </a:r>
-                      <a:r>
-                        <a:rPr lang="en-US" sz="1400" u="none" strike="noStrike" dirty="0">
-                          <a:effectLst/>
-                        </a:rPr>
-                        <a:t> </a:t>
+                        <a:t>Description </a:t>
                       </a:r>
                       <a:endParaRPr lang="en-US" sz="1400" b="1" i="0" u="none" strike="noStrike" dirty="0">
                         <a:solidFill>
@@ -8207,7 +8046,7 @@
                 </a:tc>
                 <a:extLst>
                   <a:ext uri="{0D108BD9-81ED-4DB2-BD59-A6C34878D82A}">
-                    <a16:rowId xmlns:a16="http://schemas.microsoft.com/office/drawing/2014/main" xmlns="" val="674842109"/>
+                    <a16:rowId xmlns="" xmlns:a16="http://schemas.microsoft.com/office/drawing/2014/main" val="674842109"/>
                   </a:ext>
                 </a:extLst>
               </a:tr>
@@ -8280,7 +8119,7 @@
                 </a:tc>
                 <a:extLst>
                   <a:ext uri="{0D108BD9-81ED-4DB2-BD59-A6C34878D82A}">
-                    <a16:rowId xmlns:a16="http://schemas.microsoft.com/office/drawing/2014/main" xmlns="" val="3328598905"/>
+                    <a16:rowId xmlns="" xmlns:a16="http://schemas.microsoft.com/office/drawing/2014/main" val="3328598905"/>
                   </a:ext>
                 </a:extLst>
               </a:tr>
@@ -8366,7 +8205,7 @@
                 </a:tc>
                 <a:extLst>
                   <a:ext uri="{0D108BD9-81ED-4DB2-BD59-A6C34878D82A}">
-                    <a16:rowId xmlns:a16="http://schemas.microsoft.com/office/drawing/2014/main" xmlns="" val="1219454432"/>
+                    <a16:rowId xmlns="" xmlns:a16="http://schemas.microsoft.com/office/drawing/2014/main" val="1219454432"/>
                   </a:ext>
                 </a:extLst>
               </a:tr>
@@ -8452,7 +8291,7 @@
                 </a:tc>
                 <a:extLst>
                   <a:ext uri="{0D108BD9-81ED-4DB2-BD59-A6C34878D82A}">
-                    <a16:rowId xmlns:a16="http://schemas.microsoft.com/office/drawing/2014/main" xmlns="" val="3523370552"/>
+                    <a16:rowId xmlns="" xmlns:a16="http://schemas.microsoft.com/office/drawing/2014/main" val="3523370552"/>
                   </a:ext>
                 </a:extLst>
               </a:tr>
@@ -8510,12 +8349,24 @@
                     <a:p>
                       <a:pPr algn="l" fontAlgn="b"/>
                       <a:r>
-                        <a:rPr lang="es-MX" sz="1400" u="none" strike="noStrike">
+                        <a:rPr lang="es-MX" sz="1400" u="none" strike="noStrike" dirty="0">
                           <a:effectLst/>
                         </a:rPr>
-                        <a:t>El usuario ingresa en la opción login de la página web. </a:t>
+                        <a:t>El usuario ingresa en la </a:t>
                       </a:r>
-                      <a:endParaRPr lang="es-MX" sz="1400" b="0" i="0" u="none" strike="noStrike">
+                      <a:r>
+                        <a:rPr lang="es-MX" sz="1400" u="none" strike="noStrike" dirty="0" smtClean="0">
+                          <a:effectLst/>
+                        </a:rPr>
+                        <a:t>pestaña ingresar de </a:t>
+                      </a:r>
+                      <a:r>
+                        <a:rPr lang="es-MX" sz="1400" u="none" strike="noStrike" dirty="0">
+                          <a:effectLst/>
+                        </a:rPr>
+                        <a:t>la página web. </a:t>
+                      </a:r>
+                      <a:endParaRPr lang="es-MX" sz="1400" b="0" i="0" u="none" strike="noStrike" dirty="0">
                         <a:solidFill>
                           <a:srgbClr val="000000"/>
                         </a:solidFill>
@@ -8538,7 +8389,7 @@
                 </a:tc>
                 <a:extLst>
                   <a:ext uri="{0D108BD9-81ED-4DB2-BD59-A6C34878D82A}">
-                    <a16:rowId xmlns:a16="http://schemas.microsoft.com/office/drawing/2014/main" xmlns="" val="2719550418"/>
+                    <a16:rowId xmlns="" xmlns:a16="http://schemas.microsoft.com/office/drawing/2014/main" val="2719550418"/>
                   </a:ext>
                 </a:extLst>
               </a:tr>
@@ -8624,7 +8475,7 @@
                 </a:tc>
                 <a:extLst>
                   <a:ext uri="{0D108BD9-81ED-4DB2-BD59-A6C34878D82A}">
-                    <a16:rowId xmlns:a16="http://schemas.microsoft.com/office/drawing/2014/main" xmlns="" val="3271497254"/>
+                    <a16:rowId xmlns="" xmlns:a16="http://schemas.microsoft.com/office/drawing/2014/main" val="3271497254"/>
                   </a:ext>
                 </a:extLst>
               </a:tr>
@@ -8659,12 +8510,12 @@
                     <a:p>
                       <a:pPr algn="l" fontAlgn="b"/>
                       <a:r>
-                        <a:rPr lang="en-US" sz="1400" u="none" strike="noStrike">
+                        <a:rPr lang="en-US" sz="1400" u="none" strike="noStrike" dirty="0">
                           <a:effectLst/>
                         </a:rPr>
                         <a:t> </a:t>
                       </a:r>
-                      <a:endParaRPr lang="en-US" sz="1400" b="0" i="0" u="none" strike="noStrike">
+                      <a:endParaRPr lang="en-US" sz="1400" b="0" i="0" u="none" strike="noStrike" dirty="0">
                         <a:solidFill>
                           <a:srgbClr val="000000"/>
                         </a:solidFill>
@@ -8710,7 +8561,7 @@
                 </a:tc>
                 <a:extLst>
                   <a:ext uri="{0D108BD9-81ED-4DB2-BD59-A6C34878D82A}">
-                    <a16:rowId xmlns:a16="http://schemas.microsoft.com/office/drawing/2014/main" xmlns="" val="2261823245"/>
+                    <a16:rowId xmlns="" xmlns:a16="http://schemas.microsoft.com/office/drawing/2014/main" val="2261823245"/>
                   </a:ext>
                 </a:extLst>
               </a:tr>
@@ -8733,7 +8584,7 @@
 </p:sld>
 </file>
 
-<file path=ppt/slides/slide17.xml><?xml version="1.0" encoding="utf-8"?>
+<file path=ppt/slides/slide16.xml><?xml version="1.0" encoding="utf-8"?>
 <p:sld xmlns:a="http://schemas.openxmlformats.org/drawingml/2006/main" xmlns:r="http://schemas.openxmlformats.org/officeDocument/2006/relationships" xmlns:p="http://schemas.openxmlformats.org/presentationml/2006/main">
   <p:cSld>
     <p:spTree>
@@ -8809,7 +8660,7 @@
       </p:sp>
       <p:pic>
         <p:nvPicPr>
-          <p:cNvPr id="4" name="Imagen 3">
+          <p:cNvPr id="3" name="Imagen 2">
             <a:hlinkClick r:id="rId3" action="ppaction://hlinkfile"/>
           </p:cNvPr>
           <p:cNvPicPr>
@@ -8825,8 +8676,8 @@
         </p:blipFill>
         <p:spPr>
           <a:xfrm>
-            <a:off x="-80947" y="1088371"/>
-            <a:ext cx="9006854" cy="3430814"/>
+            <a:off x="0" y="1088371"/>
+            <a:ext cx="9144000" cy="3913064"/>
           </a:xfrm>
           <a:prstGeom prst="rect">
             <a:avLst/>
@@ -8848,7 +8699,7 @@
 </p:sld>
 </file>
 
-<file path=ppt/slides/slide18.xml><?xml version="1.0" encoding="utf-8"?>
+<file path=ppt/slides/slide17.xml><?xml version="1.0" encoding="utf-8"?>
 <p:sld xmlns:a="http://schemas.openxmlformats.org/drawingml/2006/main" xmlns:r="http://schemas.openxmlformats.org/officeDocument/2006/relationships" xmlns:p="http://schemas.openxmlformats.org/presentationml/2006/main">
   <p:cSld>
     <p:spTree>
@@ -8963,7 +8814,7 @@
 </p:sld>
 </file>
 
-<file path=ppt/slides/slide19.xml><?xml version="1.0" encoding="utf-8"?>
+<file path=ppt/slides/slide18.xml><?xml version="1.0" encoding="utf-8"?>
 <p:sld xmlns:a="http://schemas.openxmlformats.org/drawingml/2006/main" xmlns:r="http://schemas.openxmlformats.org/officeDocument/2006/relationships" xmlns:p="http://schemas.openxmlformats.org/presentationml/2006/main">
   <p:cSld>
     <p:spTree>
@@ -8988,8 +8839,8 @@
         </p:nvSpPr>
         <p:spPr>
           <a:xfrm>
-            <a:off x="771181" y="164568"/>
-            <a:ext cx="8372700" cy="646200"/>
+            <a:off x="-80865" y="164568"/>
+            <a:ext cx="9224746" cy="646200"/>
           </a:xfrm>
           <a:prstGeom prst="rect">
             <a:avLst/>
@@ -9023,7 +8874,7 @@
               <a:buNone/>
             </a:pPr>
             <a:r>
-              <a:rPr lang="es-ES" sz="3600" b="1">
+              <a:rPr lang="es-ES" sz="3600" b="1" dirty="0">
                 <a:solidFill>
                   <a:schemeClr val="lt1"/>
                 </a:solidFill>
@@ -9032,8 +8883,29 @@
                 <a:cs typeface="Calibri"/>
                 <a:sym typeface="Calibri"/>
               </a:rPr>
-              <a:t>MODELO ENTIDAD RELACIÓN</a:t>
+              <a:t>MODELO </a:t>
             </a:r>
+            <a:r>
+              <a:rPr lang="es-ES" sz="3600" b="1" dirty="0" smtClean="0">
+                <a:solidFill>
+                  <a:schemeClr val="lt1"/>
+                </a:solidFill>
+                <a:latin typeface="Calibri"/>
+                <a:ea typeface="Calibri"/>
+                <a:cs typeface="Calibri"/>
+                <a:sym typeface="Calibri"/>
+              </a:rPr>
+              <a:t>RELACIONAL</a:t>
+            </a:r>
+            <a:endParaRPr lang="es-ES" sz="3600" b="1" dirty="0">
+              <a:solidFill>
+                <a:schemeClr val="lt1"/>
+              </a:solidFill>
+              <a:latin typeface="Calibri"/>
+              <a:ea typeface="Calibri"/>
+              <a:cs typeface="Calibri"/>
+              <a:sym typeface="Calibri"/>
+            </a:endParaRPr>
           </a:p>
         </p:txBody>
       </p:sp>
@@ -9063,6 +8935,144 @@
           <a:xfrm>
             <a:off x="461175" y="970436"/>
             <a:ext cx="8284026" cy="4173063"/>
+          </a:xfrm>
+          <a:prstGeom prst="rect">
+            <a:avLst/>
+          </a:prstGeom>
+        </p:spPr>
+      </p:pic>
+    </p:spTree>
+  </p:cSld>
+  <p:clrMapOvr>
+    <a:masterClrMapping/>
+  </p:clrMapOvr>
+  <p:timing>
+    <p:tnLst>
+      <p:par>
+        <p:cTn id="1" dur="indefinite" restart="never" nodeType="tmRoot"/>
+      </p:par>
+    </p:tnLst>
+  </p:timing>
+</p:sld>
+</file>
+
+<file path=ppt/slides/slide19.xml><?xml version="1.0" encoding="utf-8"?>
+<p:sld xmlns:a="http://schemas.openxmlformats.org/drawingml/2006/main" xmlns:r="http://schemas.openxmlformats.org/officeDocument/2006/relationships" xmlns:p="http://schemas.openxmlformats.org/presentationml/2006/main">
+  <p:cSld>
+    <p:spTree>
+      <p:nvGrpSpPr>
+        <p:cNvPr id="1" name="Shape 175"/>
+        <p:cNvGrpSpPr/>
+        <p:nvPr/>
+      </p:nvGrpSpPr>
+      <p:grpSpPr>
+        <a:xfrm>
+          <a:off x="0" y="0"/>
+          <a:ext cx="0" cy="0"/>
+          <a:chOff x="0" y="0"/>
+          <a:chExt cx="0" cy="0"/>
+        </a:xfrm>
+      </p:grpSpPr>
+      <p:sp>
+        <p:nvSpPr>
+          <p:cNvPr id="176" name="Shape 176"/>
+          <p:cNvSpPr/>
+          <p:nvPr/>
+        </p:nvSpPr>
+        <p:spPr>
+          <a:xfrm>
+            <a:off x="771181" y="132590"/>
+            <a:ext cx="8286322" cy="646331"/>
+          </a:xfrm>
+          <a:prstGeom prst="rect">
+            <a:avLst/>
+          </a:prstGeom>
+          <a:noFill/>
+          <a:ln>
+            <a:noFill/>
+          </a:ln>
+        </p:spPr>
+        <p:txBody>
+          <a:bodyPr wrap="square" lIns="91425" tIns="45700" rIns="91425" bIns="45700" anchor="t" anchorCtr="0">
+            <a:noAutofit/>
+          </a:bodyPr>
+          <a:lstStyle/>
+          <a:p>
+            <a:pPr marL="0" marR="0" lvl="0" indent="-228600" algn="ctr" rtl="0">
+              <a:lnSpc>
+                <a:spcPct val="100000"/>
+              </a:lnSpc>
+              <a:spcBef>
+                <a:spcPts val="0"/>
+              </a:spcBef>
+              <a:spcAft>
+                <a:spcPts val="0"/>
+              </a:spcAft>
+              <a:buClr>
+                <a:schemeClr val="lt1"/>
+              </a:buClr>
+              <a:buSzPts val="3600"/>
+              <a:buFont typeface="Arial"/>
+              <a:buNone/>
+            </a:pPr>
+            <a:r>
+              <a:rPr lang="es-ES" sz="3600" b="1" i="0" u="none" strike="noStrike" cap="none" dirty="0">
+                <a:solidFill>
+                  <a:schemeClr val="lt1"/>
+                </a:solidFill>
+                <a:latin typeface="Arial"/>
+                <a:ea typeface="Arial"/>
+                <a:cs typeface="Arial"/>
+                <a:sym typeface="Arial"/>
+              </a:rPr>
+              <a:t>DIAGRAMA DE GANTT</a:t>
+            </a:r>
+            <a:r>
+              <a:rPr lang="es-ES" sz="3600" b="1" i="0" u="sng" strike="noStrike" cap="none" dirty="0">
+                <a:solidFill>
+                  <a:schemeClr val="hlink"/>
+                </a:solidFill>
+                <a:latin typeface="Arial"/>
+                <a:ea typeface="Arial"/>
+                <a:cs typeface="Arial"/>
+                <a:sym typeface="Arial"/>
+                <a:hlinkClick r:id="rId3" action="ppaction://hlinkfile"/>
+              </a:rPr>
+              <a:t>.</a:t>
+            </a:r>
+            <a:r>
+              <a:rPr lang="es-ES" sz="3600" b="1" i="0" u="none" strike="noStrike" cap="none" dirty="0">
+                <a:solidFill>
+                  <a:schemeClr val="lt1"/>
+                </a:solidFill>
+                <a:latin typeface="Arial"/>
+                <a:ea typeface="Arial"/>
+                <a:cs typeface="Arial"/>
+                <a:sym typeface="Arial"/>
+              </a:rPr>
+              <a:t> </a:t>
+            </a:r>
+          </a:p>
+        </p:txBody>
+      </p:sp>
+      <p:pic>
+        <p:nvPicPr>
+          <p:cNvPr id="2" name="Imagen 1"/>
+          <p:cNvPicPr>
+            <a:picLocks noChangeAspect="1"/>
+          </p:cNvPicPr>
+          <p:nvPr/>
+        </p:nvPicPr>
+        <p:blipFill>
+          <a:blip r:embed="rId4"/>
+          <a:stretch>
+            <a:fillRect/>
+          </a:stretch>
+        </p:blipFill>
+        <p:spPr>
+          <a:xfrm>
+            <a:off x="0" y="1652873"/>
+            <a:ext cx="9144000" cy="2497115"/>
           </a:xfrm>
           <a:prstGeom prst="rect">
             <a:avLst/>
@@ -9341,7 +9351,7 @@
               <a:buNone/>
             </a:pPr>
             <a:r>
-              <a:rPr lang="es-ES" sz="2800" b="0" i="0" u="none" strike="noStrike" cap="none">
+              <a:rPr lang="es-ES" sz="2800" b="0" i="0" u="none" strike="noStrike" cap="none" dirty="0">
                 <a:solidFill>
                   <a:srgbClr val="595959"/>
                 </a:solidFill>
@@ -9350,7 +9360,31 @@
                 <a:cs typeface="Calibri"/>
                 <a:sym typeface="Calibri"/>
               </a:rPr>
-              <a:t>Se pretende realizar un sistema de información que facilite a  los clientes de la pizzería  hacer pedidos a domicilios por medio de la internet. </a:t>
+              <a:t>Se pretende realizar un sistema de información que </a:t>
+            </a:r>
+            <a:r>
+              <a:rPr lang="es-ES" sz="2800" b="0" i="0" u="none" strike="noStrike" cap="none" dirty="0" smtClean="0">
+                <a:solidFill>
+                  <a:srgbClr val="595959"/>
+                </a:solidFill>
+                <a:latin typeface="Calibri"/>
+                <a:ea typeface="Calibri"/>
+                <a:cs typeface="Calibri"/>
+                <a:sym typeface="Calibri"/>
+              </a:rPr>
+              <a:t>facilite a  </a:t>
+            </a:r>
+            <a:r>
+              <a:rPr lang="es-ES" sz="2800" b="0" i="0" u="none" strike="noStrike" cap="none" dirty="0">
+                <a:solidFill>
+                  <a:srgbClr val="595959"/>
+                </a:solidFill>
+                <a:latin typeface="Calibri"/>
+                <a:ea typeface="Calibri"/>
+                <a:cs typeface="Calibri"/>
+                <a:sym typeface="Calibri"/>
+              </a:rPr>
+              <a:t>los clientes de la pizzería  hacer pedidos a domicilios por medio de la internet. </a:t>
             </a:r>
           </a:p>
         </p:txBody>
@@ -9371,152 +9405,6 @@
 </file>
 
 <file path=ppt/slides/slide20.xml><?xml version="1.0" encoding="utf-8"?>
-<p:sld xmlns:a="http://schemas.openxmlformats.org/drawingml/2006/main" xmlns:r="http://schemas.openxmlformats.org/officeDocument/2006/relationships" xmlns:p="http://schemas.openxmlformats.org/presentationml/2006/main">
-  <p:cSld>
-    <p:spTree>
-      <p:nvGrpSpPr>
-        <p:cNvPr id="1" name="Shape 175"/>
-        <p:cNvGrpSpPr/>
-        <p:nvPr/>
-      </p:nvGrpSpPr>
-      <p:grpSpPr>
-        <a:xfrm>
-          <a:off x="0" y="0"/>
-          <a:ext cx="0" cy="0"/>
-          <a:chOff x="0" y="0"/>
-          <a:chExt cx="0" cy="0"/>
-        </a:xfrm>
-      </p:grpSpPr>
-      <p:sp>
-        <p:nvSpPr>
-          <p:cNvPr id="176" name="Shape 176"/>
-          <p:cNvSpPr/>
-          <p:nvPr/>
-        </p:nvSpPr>
-        <p:spPr>
-          <a:xfrm>
-            <a:off x="771181" y="132590"/>
-            <a:ext cx="8286322" cy="646331"/>
-          </a:xfrm>
-          <a:prstGeom prst="rect">
-            <a:avLst/>
-          </a:prstGeom>
-          <a:noFill/>
-          <a:ln>
-            <a:noFill/>
-          </a:ln>
-        </p:spPr>
-        <p:txBody>
-          <a:bodyPr wrap="square" lIns="91425" tIns="45700" rIns="91425" bIns="45700" anchor="t" anchorCtr="0">
-            <a:noAutofit/>
-          </a:bodyPr>
-          <a:lstStyle/>
-          <a:p>
-            <a:pPr marL="0" marR="0" lvl="0" indent="-228600" algn="ctr" rtl="0">
-              <a:lnSpc>
-                <a:spcPct val="100000"/>
-              </a:lnSpc>
-              <a:spcBef>
-                <a:spcPts val="0"/>
-              </a:spcBef>
-              <a:spcAft>
-                <a:spcPts val="0"/>
-              </a:spcAft>
-              <a:buClr>
-                <a:schemeClr val="lt1"/>
-              </a:buClr>
-              <a:buSzPts val="3600"/>
-              <a:buFont typeface="Arial"/>
-              <a:buNone/>
-            </a:pPr>
-            <a:r>
-              <a:rPr lang="es-ES" sz="3600" b="1" i="0" u="none" strike="noStrike" cap="none" dirty="0">
-                <a:solidFill>
-                  <a:schemeClr val="lt1"/>
-                </a:solidFill>
-                <a:latin typeface="Arial"/>
-                <a:ea typeface="Arial"/>
-                <a:cs typeface="Arial"/>
-                <a:sym typeface="Arial"/>
-              </a:rPr>
-              <a:t>DIAGRAMA DE GANTT</a:t>
-            </a:r>
-            <a:r>
-              <a:rPr lang="es-ES" sz="3600" b="1" i="0" u="sng" strike="noStrike" cap="none" dirty="0">
-                <a:solidFill>
-                  <a:schemeClr val="hlink"/>
-                </a:solidFill>
-                <a:latin typeface="Arial"/>
-                <a:ea typeface="Arial"/>
-                <a:cs typeface="Arial"/>
-                <a:sym typeface="Arial"/>
-                <a:hlinkClick r:id="rId3" action="ppaction://hlinkfile"/>
-              </a:rPr>
-              <a:t>.</a:t>
-            </a:r>
-            <a:r>
-              <a:rPr lang="es-ES" sz="3600" b="1" i="0" u="none" strike="noStrike" cap="none" dirty="0">
-                <a:solidFill>
-                  <a:schemeClr val="lt1"/>
-                </a:solidFill>
-                <a:latin typeface="Arial"/>
-                <a:ea typeface="Arial"/>
-                <a:cs typeface="Arial"/>
-                <a:sym typeface="Arial"/>
-              </a:rPr>
-              <a:t> </a:t>
-            </a:r>
-          </a:p>
-        </p:txBody>
-      </p:sp>
-      <p:pic>
-        <p:nvPicPr>
-          <p:cNvPr id="3" name="Imagen 2">
-            <a:hlinkClick r:id="rId4" action="ppaction://hlinkfile"/>
-          </p:cNvPr>
-          <p:cNvPicPr>
-            <a:picLocks noChangeAspect="1"/>
-          </p:cNvPicPr>
-          <p:nvPr/>
-        </p:nvPicPr>
-        <p:blipFill>
-          <a:blip r:embed="rId5">
-            <a:extLst>
-              <a:ext uri="{28A0092B-C50C-407E-A947-70E740481C1C}">
-                <a14:useLocalDpi xmlns:a14="http://schemas.microsoft.com/office/drawing/2010/main" val="0"/>
-              </a:ext>
-            </a:extLst>
-          </a:blip>
-          <a:stretch>
-            <a:fillRect/>
-          </a:stretch>
-        </p:blipFill>
-        <p:spPr>
-          <a:xfrm>
-            <a:off x="-86497" y="1535178"/>
-            <a:ext cx="9144000" cy="3002060"/>
-          </a:xfrm>
-          <a:prstGeom prst="rect">
-            <a:avLst/>
-          </a:prstGeom>
-        </p:spPr>
-      </p:pic>
-    </p:spTree>
-  </p:cSld>
-  <p:clrMapOvr>
-    <a:masterClrMapping/>
-  </p:clrMapOvr>
-  <p:timing>
-    <p:tnLst>
-      <p:par>
-        <p:cTn id="1" dur="indefinite" restart="never" nodeType="tmRoot"/>
-      </p:par>
-    </p:tnLst>
-  </p:timing>
-</p:sld>
-</file>
-
-<file path=ppt/slides/slide21.xml><?xml version="1.0" encoding="utf-8"?>
 <p:sld xmlns:a="http://schemas.openxmlformats.org/drawingml/2006/main" xmlns:r="http://schemas.openxmlformats.org/officeDocument/2006/relationships" xmlns:p="http://schemas.openxmlformats.org/presentationml/2006/main">
   <p:cSld>
     <p:spTree>
@@ -9592,30 +9480,22 @@
       </p:sp>
       <p:pic>
         <p:nvPicPr>
-          <p:cNvPr id="2" name="Imagen 1">
-            <a:hlinkClick r:id="rId3" action="ppaction://hlinkfile"/>
-          </p:cNvPr>
+          <p:cNvPr id="3" name="Imagen 2"/>
           <p:cNvPicPr>
             <a:picLocks noChangeAspect="1"/>
           </p:cNvPicPr>
           <p:nvPr/>
         </p:nvPicPr>
         <p:blipFill>
-          <a:blip r:embed="rId4">
-            <a:extLst>
-              <a:ext uri="{28A0092B-C50C-407E-A947-70E740481C1C}">
-                <a14:useLocalDpi xmlns:a14="http://schemas.microsoft.com/office/drawing/2010/main" val="0"/>
-              </a:ext>
-            </a:extLst>
-          </a:blip>
+          <a:blip r:embed="rId3"/>
           <a:stretch>
             <a:fillRect/>
           </a:stretch>
         </p:blipFill>
         <p:spPr>
           <a:xfrm>
-            <a:off x="537029" y="933811"/>
-            <a:ext cx="7924800" cy="4059455"/>
+            <a:off x="384733" y="957943"/>
+            <a:ext cx="8143448" cy="4185557"/>
           </a:xfrm>
           <a:prstGeom prst="rect">
             <a:avLst/>
@@ -9637,7 +9517,7 @@
 </p:sld>
 </file>
 
-<file path=ppt/slides/slide22.xml><?xml version="1.0" encoding="utf-8"?>
+<file path=ppt/slides/slide21.xml><?xml version="1.0" encoding="utf-8"?>
 <p:sld xmlns:a="http://schemas.openxmlformats.org/drawingml/2006/main" xmlns:r="http://schemas.openxmlformats.org/officeDocument/2006/relationships" xmlns:p="http://schemas.openxmlformats.org/presentationml/2006/main">
   <p:cSld>
     <p:spTree>
@@ -9662,8 +9542,8 @@
         </p:nvSpPr>
         <p:spPr>
           <a:xfrm>
-            <a:off x="771181" y="164568"/>
-            <a:ext cx="8372819" cy="646331"/>
+            <a:off x="-87549" y="164568"/>
+            <a:ext cx="9231549" cy="646331"/>
           </a:xfrm>
           <a:prstGeom prst="rect">
             <a:avLst/>
@@ -9697,7 +9577,7 @@
               <a:buNone/>
             </a:pPr>
             <a:r>
-              <a:rPr lang="es-ES" sz="3600" b="1" i="0" u="none" strike="noStrike" cap="none">
+              <a:rPr lang="es-ES" sz="3600" b="1" i="0" u="none" strike="noStrike" cap="none" dirty="0">
                 <a:solidFill>
                   <a:schemeClr val="lt1"/>
                 </a:solidFill>
@@ -9713,7 +9593,7 @@
       </p:sp>
       <p:pic>
         <p:nvPicPr>
-          <p:cNvPr id="2" name="Imagen 1">
+          <p:cNvPr id="3" name="Imagen 2">
             <a:hlinkClick r:id="rId3" action="ppaction://hlinkfile"/>
           </p:cNvPr>
           <p:cNvPicPr>
@@ -9735,8 +9615,8 @@
         </p:blipFill>
         <p:spPr>
           <a:xfrm>
-            <a:off x="190831" y="1461588"/>
-            <a:ext cx="8643068" cy="2897118"/>
+            <a:off x="-43775" y="1398491"/>
+            <a:ext cx="9144000" cy="3183096"/>
           </a:xfrm>
           <a:prstGeom prst="rect">
             <a:avLst/>
@@ -9758,7 +9638,7 @@
 </p:sld>
 </file>
 
-<file path=ppt/slides/slide23.xml><?xml version="1.0" encoding="utf-8"?>
+<file path=ppt/slides/slide22.xml><?xml version="1.0" encoding="utf-8"?>
 <p:sld xmlns:a="http://schemas.openxmlformats.org/drawingml/2006/main" xmlns:r="http://schemas.openxmlformats.org/officeDocument/2006/relationships" xmlns:p="http://schemas.openxmlformats.org/presentationml/2006/main">
   <p:cSld>
     <p:spTree>
@@ -9942,42 +9822,34 @@
       </p:sp>
       <p:pic>
         <p:nvPicPr>
-          <p:cNvPr id="203" name="Shape 203"/>
-          <p:cNvPicPr preferRelativeResize="0"/>
+          <p:cNvPr id="3" name="Imagen 2">
+            <a:hlinkClick r:id="rId3" action="ppaction://hlinkfile"/>
+          </p:cNvPr>
+          <p:cNvPicPr>
+            <a:picLocks noChangeAspect="1"/>
+          </p:cNvPicPr>
           <p:nvPr/>
         </p:nvPicPr>
-        <p:blipFill rotWithShape="1">
-          <a:blip r:embed="rId3">
-            <a:alphaModFix/>
+        <p:blipFill>
+          <a:blip r:embed="rId4">
+            <a:extLst>
+              <a:ext uri="{28A0092B-C50C-407E-A947-70E740481C1C}">
+                <a14:useLocalDpi xmlns:a14="http://schemas.microsoft.com/office/drawing/2010/main" val="0"/>
+              </a:ext>
+            </a:extLst>
           </a:blip>
-          <a:srcRect/>
-          <a:stretch/>
+          <a:stretch>
+            <a:fillRect/>
+          </a:stretch>
         </p:blipFill>
         <p:spPr>
           <a:xfrm>
-            <a:off x="763092" y="966596"/>
-            <a:ext cx="7259882" cy="4070314"/>
+            <a:off x="1225685" y="951901"/>
+            <a:ext cx="6617466" cy="4123505"/>
           </a:xfrm>
           <a:prstGeom prst="rect">
             <a:avLst/>
           </a:prstGeom>
-          <a:noFill/>
-          <a:ln w="38100" cap="sq" cmpd="sng">
-            <a:solidFill>
-              <a:srgbClr val="000000"/>
-            </a:solidFill>
-            <a:prstDash val="solid"/>
-            <a:miter lim="800000"/>
-            <a:headEnd type="none" w="med" len="med"/>
-            <a:tailEnd type="none" w="med" len="med"/>
-          </a:ln>
-          <a:effectLst>
-            <a:outerShdw blurRad="50800" dist="38100" dir="2700000" algn="tl" rotWithShape="0">
-              <a:srgbClr val="000000">
-                <a:alpha val="42745"/>
-              </a:srgbClr>
-            </a:outerShdw>
-          </a:effectLst>
         </p:spPr>
       </p:pic>
     </p:spTree>
@@ -9995,7 +9867,7 @@
 </p:sld>
 </file>
 
-<file path=ppt/slides/slide24.xml><?xml version="1.0" encoding="utf-8"?>
+<file path=ppt/slides/slide23.xml><?xml version="1.0" encoding="utf-8"?>
 <p:sld xmlns:a="http://schemas.openxmlformats.org/drawingml/2006/main" xmlns:r="http://schemas.openxmlformats.org/officeDocument/2006/relationships" xmlns:p="http://schemas.openxmlformats.org/presentationml/2006/main">
   <p:cSld>
     <p:spTree>
@@ -10104,7 +9976,7 @@
 </p:sld>
 </file>
 
-<file path=ppt/slides/slide25.xml><?xml version="1.0" encoding="utf-8"?>
+<file path=ppt/slides/slide24.xml><?xml version="1.0" encoding="utf-8"?>
 <p:sld xmlns:a="http://schemas.openxmlformats.org/drawingml/2006/main" xmlns:r="http://schemas.openxmlformats.org/officeDocument/2006/relationships" xmlns:p="http://schemas.openxmlformats.org/presentationml/2006/main">
   <p:cSld>
     <p:spTree>
@@ -10267,7 +10139,7 @@
 </p:sld>
 </file>
 
-<file path=ppt/slides/slide26.xml><?xml version="1.0" encoding="utf-8"?>
+<file path=ppt/slides/slide25.xml><?xml version="1.0" encoding="utf-8"?>
 <p:sld xmlns:a="http://schemas.openxmlformats.org/drawingml/2006/main" xmlns:r="http://schemas.openxmlformats.org/officeDocument/2006/relationships" xmlns:p="http://schemas.openxmlformats.org/presentationml/2006/main">
   <p:cSld>
     <p:spTree>
@@ -10454,7 +10326,7 @@
 </p:sld>
 </file>
 
-<file path=ppt/slides/slide27.xml><?xml version="1.0" encoding="utf-8"?>
+<file path=ppt/slides/slide26.xml><?xml version="1.0" encoding="utf-8"?>
 <p:sld xmlns:a="http://schemas.openxmlformats.org/drawingml/2006/main" xmlns:r="http://schemas.openxmlformats.org/officeDocument/2006/relationships" xmlns:p="http://schemas.openxmlformats.org/presentationml/2006/main">
   <p:cSld>
     <p:spTree>
@@ -10626,7 +10498,7 @@
 </p:sld>
 </file>
 
-<file path=ppt/slides/slide28.xml><?xml version="1.0" encoding="utf-8"?>
+<file path=ppt/slides/slide27.xml><?xml version="1.0" encoding="utf-8"?>
 <p:sld xmlns:a="http://schemas.openxmlformats.org/drawingml/2006/main" xmlns:r="http://schemas.openxmlformats.org/officeDocument/2006/relationships" xmlns:p="http://schemas.openxmlformats.org/presentationml/2006/main">
   <p:cSld>
     <p:spTree>
@@ -10753,7 +10625,7 @@
 </p:sld>
 </file>
 
-<file path=ppt/slides/slide29.xml><?xml version="1.0" encoding="utf-8"?>
+<file path=ppt/slides/slide28.xml><?xml version="1.0" encoding="utf-8"?>
 <p:sld xmlns:a="http://schemas.openxmlformats.org/drawingml/2006/main" xmlns:r="http://schemas.openxmlformats.org/officeDocument/2006/relationships" xmlns:p="http://schemas.openxmlformats.org/presentationml/2006/main">
   <p:cSld>
     <p:spTree>
@@ -10862,10 +10734,187 @@
           </a:prstGeom>
         </p:spPr>
       </p:pic>
+      <p:sp>
+        <p:nvSpPr>
+          <p:cNvPr id="3" name="Rectángulo 2"/>
+          <p:cNvSpPr/>
+          <p:nvPr/>
+        </p:nvSpPr>
+        <p:spPr>
+          <a:xfrm>
+            <a:off x="6342434" y="1099226"/>
+            <a:ext cx="418289" cy="749029"/>
+          </a:xfrm>
+          <a:prstGeom prst="rect">
+            <a:avLst/>
+          </a:prstGeom>
+          <a:solidFill>
+            <a:schemeClr val="bg1"/>
+          </a:solidFill>
+          <a:ln>
+            <a:solidFill>
+              <a:schemeClr val="bg1"/>
+            </a:solidFill>
+          </a:ln>
+        </p:spPr>
+        <p:style>
+          <a:lnRef idx="2">
+            <a:schemeClr val="accent1">
+              <a:shade val="50000"/>
+            </a:schemeClr>
+          </a:lnRef>
+          <a:fillRef idx="1">
+            <a:schemeClr val="accent1"/>
+          </a:fillRef>
+          <a:effectRef idx="0">
+            <a:schemeClr val="accent1"/>
+          </a:effectRef>
+          <a:fontRef idx="minor">
+            <a:schemeClr val="lt1"/>
+          </a:fontRef>
+        </p:style>
+        <p:txBody>
+          <a:bodyPr rtlCol="0" anchor="ctr"/>
+          <a:lstStyle/>
+          <a:p>
+            <a:pPr algn="ctr"/>
+            <a:endParaRPr lang="es-419"/>
+          </a:p>
+        </p:txBody>
+      </p:sp>
     </p:spTree>
     <p:extLst>
       <p:ext uri="{BB962C8B-B14F-4D97-AF65-F5344CB8AC3E}">
         <p14:creationId xmlns:p14="http://schemas.microsoft.com/office/powerpoint/2010/main" val="3925563369"/>
+      </p:ext>
+    </p:extLst>
+  </p:cSld>
+  <p:clrMapOvr>
+    <a:masterClrMapping/>
+  </p:clrMapOvr>
+  <p:timing>
+    <p:tnLst>
+      <p:par>
+        <p:cTn id="1" dur="indefinite" restart="never" nodeType="tmRoot"/>
+      </p:par>
+    </p:tnLst>
+  </p:timing>
+</p:sld>
+</file>
+
+<file path=ppt/slides/slide29.xml><?xml version="1.0" encoding="utf-8"?>
+<p:sld xmlns:a="http://schemas.openxmlformats.org/drawingml/2006/main" xmlns:r="http://schemas.openxmlformats.org/officeDocument/2006/relationships" xmlns:p="http://schemas.openxmlformats.org/presentationml/2006/main">
+  <p:cSld>
+    <p:spTree>
+      <p:nvGrpSpPr>
+        <p:cNvPr id="1" name="Shape 163"/>
+        <p:cNvGrpSpPr/>
+        <p:nvPr/>
+      </p:nvGrpSpPr>
+      <p:grpSpPr>
+        <a:xfrm>
+          <a:off x="0" y="0"/>
+          <a:ext cx="0" cy="0"/>
+          <a:chOff x="0" y="0"/>
+          <a:chExt cx="0" cy="0"/>
+        </a:xfrm>
+      </p:grpSpPr>
+      <p:sp>
+        <p:nvSpPr>
+          <p:cNvPr id="164" name="Shape 164"/>
+          <p:cNvSpPr txBox="1"/>
+          <p:nvPr/>
+        </p:nvSpPr>
+        <p:spPr>
+          <a:xfrm>
+            <a:off x="0" y="2270959"/>
+            <a:ext cx="3614057" cy="601579"/>
+          </a:xfrm>
+          <a:prstGeom prst="rect">
+            <a:avLst/>
+          </a:prstGeom>
+          <a:noFill/>
+          <a:ln>
+            <a:noFill/>
+          </a:ln>
+        </p:spPr>
+        <p:txBody>
+          <a:bodyPr wrap="square" lIns="91425" tIns="45700" rIns="91425" bIns="45700" anchor="ctr" anchorCtr="0">
+            <a:noAutofit/>
+          </a:bodyPr>
+          <a:lstStyle/>
+          <a:p>
+            <a:pPr marL="0" marR="0" lvl="0" indent="-190500" algn="ctr" rtl="0">
+              <a:lnSpc>
+                <a:spcPct val="100000"/>
+              </a:lnSpc>
+              <a:spcBef>
+                <a:spcPts val="0"/>
+              </a:spcBef>
+              <a:spcAft>
+                <a:spcPts val="0"/>
+              </a:spcAft>
+              <a:buClr>
+                <a:schemeClr val="lt1"/>
+              </a:buClr>
+              <a:buSzPts val="3000"/>
+              <a:buFont typeface="Calibri"/>
+              <a:buNone/>
+            </a:pPr>
+            <a:r>
+              <a:rPr lang="es-ES" sz="3000" b="1" i="0" u="none" strike="noStrike" cap="none" dirty="0" smtClean="0">
+                <a:solidFill>
+                  <a:schemeClr val="lt1"/>
+                </a:solidFill>
+                <a:latin typeface="Calibri"/>
+                <a:ea typeface="Calibri"/>
+                <a:cs typeface="Calibri"/>
+                <a:sym typeface="Calibri"/>
+              </a:rPr>
+              <a:t>MANUAL DE USUARIO</a:t>
+            </a:r>
+            <a:endParaRPr lang="es-ES" sz="3000" b="1" i="0" u="none" strike="noStrike" cap="none" dirty="0">
+              <a:solidFill>
+                <a:schemeClr val="lt1"/>
+              </a:solidFill>
+              <a:latin typeface="Calibri"/>
+              <a:ea typeface="Calibri"/>
+              <a:cs typeface="Calibri"/>
+              <a:sym typeface="Calibri"/>
+            </a:endParaRPr>
+          </a:p>
+        </p:txBody>
+      </p:sp>
+      <p:pic>
+        <p:nvPicPr>
+          <p:cNvPr id="2" name="Imagen 1">
+            <a:hlinkClick r:id="rId3" action="ppaction://hlinkfile"/>
+          </p:cNvPr>
+          <p:cNvPicPr>
+            <a:picLocks noChangeAspect="1"/>
+          </p:cNvPicPr>
+          <p:nvPr/>
+        </p:nvPicPr>
+        <p:blipFill>
+          <a:blip r:embed="rId4"/>
+          <a:stretch>
+            <a:fillRect/>
+          </a:stretch>
+        </p:blipFill>
+        <p:spPr>
+          <a:xfrm>
+            <a:off x="4159929" y="895348"/>
+            <a:ext cx="4162425" cy="3352800"/>
+          </a:xfrm>
+          <a:prstGeom prst="rect">
+            <a:avLst/>
+          </a:prstGeom>
+        </p:spPr>
+      </p:pic>
+    </p:spTree>
+    <p:extLst>
+      <p:ext uri="{BB962C8B-B14F-4D97-AF65-F5344CB8AC3E}">
+        <p14:creationId xmlns:p14="http://schemas.microsoft.com/office/powerpoint/2010/main" val="911851092"/>
       </p:ext>
     </p:extLst>
   </p:cSld>
@@ -11097,135 +11146,6 @@
                 <a:cs typeface="Calibri"/>
                 <a:sym typeface="Calibri"/>
               </a:rPr>
-              <a:t>MANUAL DE USUARIO</a:t>
-            </a:r>
-            <a:endParaRPr lang="es-ES" sz="3000" b="1" i="0" u="none" strike="noStrike" cap="none" dirty="0">
-              <a:solidFill>
-                <a:schemeClr val="lt1"/>
-              </a:solidFill>
-              <a:latin typeface="Calibri"/>
-              <a:ea typeface="Calibri"/>
-              <a:cs typeface="Calibri"/>
-              <a:sym typeface="Calibri"/>
-            </a:endParaRPr>
-          </a:p>
-        </p:txBody>
-      </p:sp>
-      <p:pic>
-        <p:nvPicPr>
-          <p:cNvPr id="2" name="Imagen 1">
-            <a:hlinkClick r:id="rId3" action="ppaction://hlinkfile"/>
-          </p:cNvPr>
-          <p:cNvPicPr>
-            <a:picLocks noChangeAspect="1"/>
-          </p:cNvPicPr>
-          <p:nvPr/>
-        </p:nvPicPr>
-        <p:blipFill>
-          <a:blip r:embed="rId4"/>
-          <a:stretch>
-            <a:fillRect/>
-          </a:stretch>
-        </p:blipFill>
-        <p:spPr>
-          <a:xfrm>
-            <a:off x="4159929" y="895348"/>
-            <a:ext cx="4162425" cy="3352800"/>
-          </a:xfrm>
-          <a:prstGeom prst="rect">
-            <a:avLst/>
-          </a:prstGeom>
-        </p:spPr>
-      </p:pic>
-    </p:spTree>
-    <p:extLst>
-      <p:ext uri="{BB962C8B-B14F-4D97-AF65-F5344CB8AC3E}">
-        <p14:creationId xmlns:p14="http://schemas.microsoft.com/office/powerpoint/2010/main" val="911851092"/>
-      </p:ext>
-    </p:extLst>
-  </p:cSld>
-  <p:clrMapOvr>
-    <a:masterClrMapping/>
-  </p:clrMapOvr>
-  <p:timing>
-    <p:tnLst>
-      <p:par>
-        <p:cTn id="1" dur="indefinite" restart="never" nodeType="tmRoot"/>
-      </p:par>
-    </p:tnLst>
-  </p:timing>
-</p:sld>
-</file>
-
-<file path=ppt/slides/slide31.xml><?xml version="1.0" encoding="utf-8"?>
-<p:sld xmlns:a="http://schemas.openxmlformats.org/drawingml/2006/main" xmlns:r="http://schemas.openxmlformats.org/officeDocument/2006/relationships" xmlns:p="http://schemas.openxmlformats.org/presentationml/2006/main">
-  <p:cSld>
-    <p:spTree>
-      <p:nvGrpSpPr>
-        <p:cNvPr id="1" name="Shape 163"/>
-        <p:cNvGrpSpPr/>
-        <p:nvPr/>
-      </p:nvGrpSpPr>
-      <p:grpSpPr>
-        <a:xfrm>
-          <a:off x="0" y="0"/>
-          <a:ext cx="0" cy="0"/>
-          <a:chOff x="0" y="0"/>
-          <a:chExt cx="0" cy="0"/>
-        </a:xfrm>
-      </p:grpSpPr>
-      <p:sp>
-        <p:nvSpPr>
-          <p:cNvPr id="164" name="Shape 164"/>
-          <p:cNvSpPr txBox="1"/>
-          <p:nvPr/>
-        </p:nvSpPr>
-        <p:spPr>
-          <a:xfrm>
-            <a:off x="0" y="2270959"/>
-            <a:ext cx="3614057" cy="601579"/>
-          </a:xfrm>
-          <a:prstGeom prst="rect">
-            <a:avLst/>
-          </a:prstGeom>
-          <a:noFill/>
-          <a:ln>
-            <a:noFill/>
-          </a:ln>
-        </p:spPr>
-        <p:txBody>
-          <a:bodyPr wrap="square" lIns="91425" tIns="45700" rIns="91425" bIns="45700" anchor="ctr" anchorCtr="0">
-            <a:noAutofit/>
-          </a:bodyPr>
-          <a:lstStyle/>
-          <a:p>
-            <a:pPr marL="0" marR="0" lvl="0" indent="-190500" algn="ctr" rtl="0">
-              <a:lnSpc>
-                <a:spcPct val="100000"/>
-              </a:lnSpc>
-              <a:spcBef>
-                <a:spcPts val="0"/>
-              </a:spcBef>
-              <a:spcAft>
-                <a:spcPts val="0"/>
-              </a:spcAft>
-              <a:buClr>
-                <a:schemeClr val="lt1"/>
-              </a:buClr>
-              <a:buSzPts val="3000"/>
-              <a:buFont typeface="Calibri"/>
-              <a:buNone/>
-            </a:pPr>
-            <a:r>
-              <a:rPr lang="es-ES" sz="3000" b="1" i="0" u="none" strike="noStrike" cap="none" dirty="0" smtClean="0">
-                <a:solidFill>
-                  <a:schemeClr val="lt1"/>
-                </a:solidFill>
-                <a:latin typeface="Calibri"/>
-                <a:ea typeface="Calibri"/>
-                <a:cs typeface="Calibri"/>
-                <a:sym typeface="Calibri"/>
-              </a:rPr>
               <a:t>MANUAL TECNICO</a:t>
             </a:r>
             <a:endParaRPr lang="es-ES" sz="3000" b="1" i="0" u="none" strike="noStrike" cap="none" dirty="0">
@@ -11286,7 +11206,7 @@
 </p:sld>
 </file>
 
-<file path=ppt/slides/slide32.xml><?xml version="1.0" encoding="utf-8"?>
+<file path=ppt/slides/slide31.xml><?xml version="1.0" encoding="utf-8"?>
 <p:sld xmlns:a="http://schemas.openxmlformats.org/drawingml/2006/main" xmlns:r="http://schemas.openxmlformats.org/officeDocument/2006/relationships" xmlns:p="http://schemas.openxmlformats.org/presentationml/2006/main">
   <p:cSld>
     <p:spTree>
@@ -11462,7 +11382,7 @@
               <a:buNone/>
             </a:pPr>
             <a:r>
-              <a:rPr lang="es-ES" sz="2800" b="0" i="0" u="none" strike="noStrike" cap="none">
+              <a:rPr lang="es-ES" sz="2800" b="0" i="0" u="none" strike="noStrike" cap="none" dirty="0">
                 <a:solidFill>
                   <a:srgbClr val="595959"/>
                 </a:solidFill>
@@ -11471,7 +11391,31 @@
                 <a:cs typeface="Calibri"/>
                 <a:sym typeface="Calibri"/>
               </a:rPr>
-              <a:t>Implementar un sistema de información que permita facilitar el manejo y administración de domicilios e inventario del restaurante pizzería la abuela.</a:t>
+              <a:t>Implementar un sistema de información que permita </a:t>
+            </a:r>
+            <a:r>
+              <a:rPr lang="es-ES" sz="2800" b="0" i="0" u="none" strike="noStrike" cap="none" dirty="0" smtClean="0">
+                <a:solidFill>
+                  <a:srgbClr val="595959"/>
+                </a:solidFill>
+                <a:latin typeface="Calibri"/>
+                <a:ea typeface="Calibri"/>
+                <a:cs typeface="Calibri"/>
+                <a:sym typeface="Calibri"/>
+              </a:rPr>
+              <a:t>el </a:t>
+            </a:r>
+            <a:r>
+              <a:rPr lang="es-ES" sz="2800" b="0" i="0" u="none" strike="noStrike" cap="none" dirty="0">
+                <a:solidFill>
+                  <a:srgbClr val="595959"/>
+                </a:solidFill>
+                <a:latin typeface="Calibri"/>
+                <a:ea typeface="Calibri"/>
+                <a:cs typeface="Calibri"/>
+                <a:sym typeface="Calibri"/>
+              </a:rPr>
+              <a:t>manejo y administración de domicilios e inventario del restaurante pizzería la abuela.</a:t>
             </a:r>
           </a:p>
         </p:txBody>
